--- a/Whiteboard design session/resources/diagrams.pptx
+++ b/Whiteboard design session/resources/diagrams.pptx
@@ -7,12 +7,14 @@
     <p:sldMasterId id="2147483700" r:id="rId6"/>
   </p:sldMasterIdLst>
   <p:notesMasterIdLst>
-    <p:notesMasterId r:id="rId10"/>
+    <p:notesMasterId r:id="rId12"/>
   </p:notesMasterIdLst>
   <p:sldIdLst>
     <p:sldId id="326" r:id="rId7"/>
-    <p:sldId id="354" r:id="rId8"/>
-    <p:sldId id="381" r:id="rId9"/>
+    <p:sldId id="382" r:id="rId8"/>
+    <p:sldId id="383" r:id="rId9"/>
+    <p:sldId id="354" r:id="rId10"/>
+    <p:sldId id="381" r:id="rId11"/>
   </p:sldIdLst>
   <p:sldSz cx="12192000" cy="6858000"/>
   <p:notesSz cx="6858000" cy="9144000"/>
@@ -210,7 +212,7 @@
           <a:p>
             <a:fld id="{D12B4A29-5F37-4DEF-BB05-EEA5E91F514E}" type="datetimeFigureOut">
               <a:rPr lang="en-US" smtClean="0"/>
-              <a:t>7/13/2018</a:t>
+              <a:t>3/12/19</a:t>
             </a:fld>
             <a:endParaRPr lang="en-US" dirty="0"/>
           </a:p>
@@ -635,7 +637,7 @@
           <a:p>
             <a:fld id="{148D4592-6837-45C4-B65B-13E03ECAF0B2}" type="slidenum">
               <a:rPr lang="en-US" smtClean="0"/>
-              <a:t>2</a:t>
+              <a:t>4</a:t>
             </a:fld>
             <a:endParaRPr lang="en-US" dirty="0"/>
           </a:p>
@@ -728,7 +730,7 @@
           <a:p>
             <a:fld id="{148D4592-6837-45C4-B65B-13E03ECAF0B2}" type="slidenum">
               <a:rPr lang="en-US" smtClean="0"/>
-              <a:t>3</a:t>
+              <a:t>5</a:t>
             </a:fld>
             <a:endParaRPr lang="en-US" dirty="0"/>
           </a:p>
@@ -16594,6 +16596,5631 @@
 <file path=ppt/slides/slide2.xml><?xml version="1.0" encoding="utf-8"?>
 <p:sld xmlns:a="http://schemas.openxmlformats.org/drawingml/2006/main" xmlns:r="http://schemas.openxmlformats.org/officeDocument/2006/relationships" xmlns:p="http://schemas.openxmlformats.org/presentationml/2006/main">
   <p:cSld>
+    <p:spTree>
+      <p:nvGrpSpPr>
+        <p:cNvPr id="1" name=""/>
+        <p:cNvGrpSpPr/>
+        <p:nvPr/>
+      </p:nvGrpSpPr>
+      <p:grpSpPr>
+        <a:xfrm>
+          <a:off x="0" y="0"/>
+          <a:ext cx="0" cy="0"/>
+          <a:chOff x="0" y="0"/>
+          <a:chExt cx="0" cy="0"/>
+        </a:xfrm>
+      </p:grpSpPr>
+      <p:sp>
+        <p:nvSpPr>
+          <p:cNvPr id="33" name="Rectangle 32" descr="The resilient benefits are shown in this image." title="Resilient Benefits">
+            <a:extLst>
+              <a:ext uri="{FF2B5EF4-FFF2-40B4-BE49-F238E27FC236}">
+                <a16:creationId xmlns:a16="http://schemas.microsoft.com/office/drawing/2014/main" id="{EDF01686-F82F-9F44-8D9A-E81EF3810BE4}"/>
+              </a:ext>
+            </a:extLst>
+          </p:cNvPr>
+          <p:cNvSpPr/>
+          <p:nvPr/>
+        </p:nvSpPr>
+        <p:spPr bwMode="auto">
+          <a:xfrm>
+            <a:off x="5923966" y="737292"/>
+            <a:ext cx="5984330" cy="5923150"/>
+          </a:xfrm>
+          <a:prstGeom prst="rect">
+            <a:avLst/>
+          </a:prstGeom>
+          <a:solidFill>
+            <a:sysClr val="window" lastClr="FFFFFF"/>
+          </a:solidFill>
+          <a:ln w="12700" cap="flat" cmpd="sng" algn="ctr">
+            <a:solidFill>
+              <a:srgbClr val="000000"/>
+            </a:solidFill>
+            <a:prstDash val="solid"/>
+            <a:miter lim="800000"/>
+            <a:headEnd type="none" w="med" len="med"/>
+            <a:tailEnd type="none" w="med" len="med"/>
+          </a:ln>
+          <a:effectLst/>
+        </p:spPr>
+        <p:txBody>
+          <a:bodyPr rot="0" spcFirstLastPara="0" vertOverflow="overflow" horzOverflow="overflow" vert="horz" wrap="square" lIns="182880" tIns="146304" rIns="182880" bIns="146304" numCol="1" spcCol="0" rtlCol="0" fromWordArt="0" anchor="t" anchorCtr="0" forceAA="0" compatLnSpc="1">
+            <a:prstTxWarp prst="textNoShape">
+              <a:avLst/>
+            </a:prstTxWarp>
+            <a:noAutofit/>
+          </a:bodyPr>
+          <a:lstStyle/>
+          <a:p>
+            <a:pPr marL="0" marR="0" lvl="0" indent="0" algn="ctr" defTabSz="932472" eaLnBrk="1" fontAlgn="base" latinLnBrk="0" hangingPunct="1">
+              <a:lnSpc>
+                <a:spcPct val="90000"/>
+              </a:lnSpc>
+              <a:spcBef>
+                <a:spcPct val="0"/>
+              </a:spcBef>
+              <a:spcAft>
+                <a:spcPct val="0"/>
+              </a:spcAft>
+              <a:buClrTx/>
+              <a:buSzTx/>
+              <a:buFontTx/>
+              <a:buNone/>
+              <a:tabLst/>
+              <a:defRPr/>
+            </a:pPr>
+            <a:r>
+              <a:rPr kumimoji="0" lang="en-US" sz="2400" b="0" i="0" u="none" strike="noStrike" kern="0" cap="none" spc="0" normalizeH="0" baseline="0" noProof="0" dirty="0">
+                <a:ln>
+                  <a:noFill/>
+                </a:ln>
+                <a:gradFill>
+                  <a:gsLst>
+                    <a:gs pos="0">
+                      <a:srgbClr val="FFFFFF"/>
+                    </a:gs>
+                    <a:gs pos="100000">
+                      <a:srgbClr val="FFFFFF"/>
+                    </a:gs>
+                  </a:gsLst>
+                  <a:lin ang="5400000" scaled="0"/>
+                </a:gradFill>
+                <a:effectLst/>
+                <a:uLnTx/>
+                <a:uFillTx/>
+                <a:latin typeface="Calibri" panose="020F0502020204030204"/>
+                <a:ea typeface="Segoe UI" pitchFamily="34" charset="0"/>
+                <a:cs typeface="Segoe UI" pitchFamily="34" charset="0"/>
+              </a:rPr>
+              <a:t>7</a:t>
+            </a:r>
+          </a:p>
+        </p:txBody>
+      </p:sp>
+      <p:sp>
+        <p:nvSpPr>
+          <p:cNvPr id="34" name="Rectangle 33">
+            <a:extLst>
+              <a:ext uri="{FF2B5EF4-FFF2-40B4-BE49-F238E27FC236}">
+                <a16:creationId xmlns:a16="http://schemas.microsoft.com/office/drawing/2014/main" id="{998A1A00-FD9A-904A-8858-CD7C8D0529F6}"/>
+              </a:ext>
+            </a:extLst>
+          </p:cNvPr>
+          <p:cNvSpPr/>
+          <p:nvPr/>
+        </p:nvSpPr>
+        <p:spPr>
+          <a:xfrm>
+            <a:off x="6334887" y="1086448"/>
+            <a:ext cx="5252538" cy="2353168"/>
+          </a:xfrm>
+          <a:prstGeom prst="rect">
+            <a:avLst/>
+          </a:prstGeom>
+          <a:solidFill>
+            <a:sysClr val="window" lastClr="FFFFFF"/>
+          </a:solidFill>
+          <a:ln w="12700" cap="flat" cmpd="sng" algn="ctr">
+            <a:solidFill>
+              <a:srgbClr val="00B0F0"/>
+            </a:solidFill>
+            <a:prstDash val="dash"/>
+            <a:miter lim="800000"/>
+          </a:ln>
+          <a:effectLst/>
+        </p:spPr>
+        <p:txBody>
+          <a:bodyPr rtlCol="0" anchor="ctr"/>
+          <a:lstStyle/>
+          <a:p>
+            <a:pPr marL="0" marR="0" lvl="0" indent="0" algn="ctr" defTabSz="914400" eaLnBrk="1" fontAlgn="auto" latinLnBrk="0" hangingPunct="1">
+              <a:lnSpc>
+                <a:spcPct val="100000"/>
+              </a:lnSpc>
+              <a:spcBef>
+                <a:spcPts val="0"/>
+              </a:spcBef>
+              <a:spcAft>
+                <a:spcPts val="0"/>
+              </a:spcAft>
+              <a:buClrTx/>
+              <a:buSzTx/>
+              <a:buFontTx/>
+              <a:buNone/>
+              <a:tabLst/>
+              <a:defRPr/>
+            </a:pPr>
+            <a:endParaRPr kumimoji="0" lang="en-US" sz="1800" b="0" i="0" u="none" strike="noStrike" kern="0" cap="none" spc="0" normalizeH="0" baseline="0" noProof="0" dirty="0">
+              <a:ln>
+                <a:noFill/>
+              </a:ln>
+              <a:solidFill>
+                <a:prstClr val="white"/>
+              </a:solidFill>
+              <a:effectLst/>
+              <a:uLnTx/>
+              <a:uFillTx/>
+              <a:latin typeface="Calibri" panose="020F0502020204030204"/>
+              <a:ea typeface="+mn-ea"/>
+              <a:cs typeface="+mn-cs"/>
+            </a:endParaRPr>
+          </a:p>
+        </p:txBody>
+      </p:sp>
+      <p:sp>
+        <p:nvSpPr>
+          <p:cNvPr id="35" name="Rectangle 34">
+            <a:extLst>
+              <a:ext uri="{FF2B5EF4-FFF2-40B4-BE49-F238E27FC236}">
+                <a16:creationId xmlns:a16="http://schemas.microsoft.com/office/drawing/2014/main" id="{1141B8BA-D575-1F4A-A43F-AC7C5CE18FC1}"/>
+              </a:ext>
+            </a:extLst>
+          </p:cNvPr>
+          <p:cNvSpPr/>
+          <p:nvPr/>
+        </p:nvSpPr>
+        <p:spPr>
+          <a:xfrm>
+            <a:off x="6334887" y="3988469"/>
+            <a:ext cx="5252538" cy="2353168"/>
+          </a:xfrm>
+          <a:prstGeom prst="rect">
+            <a:avLst/>
+          </a:prstGeom>
+          <a:solidFill>
+            <a:sysClr val="window" lastClr="FFFFFF"/>
+          </a:solidFill>
+          <a:ln w="12700" cap="flat" cmpd="sng" algn="ctr">
+            <a:solidFill>
+              <a:srgbClr val="00B0F0"/>
+            </a:solidFill>
+            <a:prstDash val="dash"/>
+            <a:miter lim="800000"/>
+          </a:ln>
+          <a:effectLst/>
+        </p:spPr>
+        <p:txBody>
+          <a:bodyPr rtlCol="0" anchor="ctr"/>
+          <a:lstStyle/>
+          <a:p>
+            <a:pPr marL="0" marR="0" lvl="0" indent="0" algn="ctr" defTabSz="914400" eaLnBrk="1" fontAlgn="auto" latinLnBrk="0" hangingPunct="1">
+              <a:lnSpc>
+                <a:spcPct val="100000"/>
+              </a:lnSpc>
+              <a:spcBef>
+                <a:spcPts val="0"/>
+              </a:spcBef>
+              <a:spcAft>
+                <a:spcPts val="0"/>
+              </a:spcAft>
+              <a:buClrTx/>
+              <a:buSzTx/>
+              <a:buFontTx/>
+              <a:buNone/>
+              <a:tabLst/>
+              <a:defRPr/>
+            </a:pPr>
+            <a:endParaRPr kumimoji="0" lang="en-US" sz="1800" b="0" i="0" u="none" strike="noStrike" kern="0" cap="none" spc="0" normalizeH="0" baseline="0" noProof="0" dirty="0">
+              <a:ln>
+                <a:noFill/>
+              </a:ln>
+              <a:solidFill>
+                <a:prstClr val="white"/>
+              </a:solidFill>
+              <a:effectLst/>
+              <a:uLnTx/>
+              <a:uFillTx/>
+              <a:latin typeface="Calibri" panose="020F0502020204030204"/>
+              <a:ea typeface="+mn-ea"/>
+              <a:cs typeface="+mn-cs"/>
+            </a:endParaRPr>
+          </a:p>
+        </p:txBody>
+      </p:sp>
+      <p:sp>
+        <p:nvSpPr>
+          <p:cNvPr id="36" name="TextBox 35">
+            <a:extLst>
+              <a:ext uri="{FF2B5EF4-FFF2-40B4-BE49-F238E27FC236}">
+                <a16:creationId xmlns:a16="http://schemas.microsoft.com/office/drawing/2014/main" id="{FF46741A-CB0A-BB40-9B6D-D601FBCA57E9}"/>
+              </a:ext>
+            </a:extLst>
+          </p:cNvPr>
+          <p:cNvSpPr txBox="1"/>
+          <p:nvPr/>
+        </p:nvSpPr>
+        <p:spPr>
+          <a:xfrm>
+            <a:off x="10084216" y="2916099"/>
+            <a:ext cx="1468812" cy="332399"/>
+          </a:xfrm>
+          <a:prstGeom prst="rect">
+            <a:avLst/>
+          </a:prstGeom>
+          <a:noFill/>
+        </p:spPr>
+        <p:txBody>
+          <a:bodyPr wrap="square" lIns="0" tIns="0" rIns="0" bIns="0" rtlCol="0" anchor="ctr">
+            <a:spAutoFit/>
+          </a:bodyPr>
+          <a:lstStyle/>
+          <a:p>
+            <a:pPr algn="ctr">
+              <a:lnSpc>
+                <a:spcPct val="90000"/>
+              </a:lnSpc>
+              <a:defRPr/>
+            </a:pPr>
+            <a:r>
+              <a:rPr lang="en-US" sz="1200" dirty="0">
+                <a:gradFill>
+                  <a:gsLst>
+                    <a:gs pos="2917">
+                      <a:prstClr val="black"/>
+                    </a:gs>
+                    <a:gs pos="30000">
+                      <a:prstClr val="black"/>
+                    </a:gs>
+                  </a:gsLst>
+                  <a:lin ang="5400000" scaled="0"/>
+                </a:gradFill>
+                <a:latin typeface="Calibri" panose="020F0502020204030204"/>
+              </a:rPr>
+              <a:t>Virtual Network</a:t>
+            </a:r>
+          </a:p>
+          <a:p>
+            <a:pPr algn="ctr">
+              <a:lnSpc>
+                <a:spcPct val="90000"/>
+              </a:lnSpc>
+              <a:defRPr/>
+            </a:pPr>
+            <a:r>
+              <a:rPr lang="en-US" sz="1200" dirty="0">
+                <a:gradFill>
+                  <a:gsLst>
+                    <a:gs pos="2917">
+                      <a:prstClr val="black"/>
+                    </a:gs>
+                    <a:gs pos="30000">
+                      <a:prstClr val="black"/>
+                    </a:gs>
+                  </a:gsLst>
+                  <a:lin ang="5400000" scaled="0"/>
+                </a:gradFill>
+                <a:latin typeface="Calibri" panose="020F0502020204030204"/>
+              </a:rPr>
+              <a:t>East US 2</a:t>
+            </a:r>
+          </a:p>
+        </p:txBody>
+      </p:sp>
+      <p:sp>
+        <p:nvSpPr>
+          <p:cNvPr id="37" name="TextBox 36">
+            <a:extLst>
+              <a:ext uri="{FF2B5EF4-FFF2-40B4-BE49-F238E27FC236}">
+                <a16:creationId xmlns:a16="http://schemas.microsoft.com/office/drawing/2014/main" id="{1AF92B55-D51E-DA42-BA83-F4B14D19789E}"/>
+              </a:ext>
+            </a:extLst>
+          </p:cNvPr>
+          <p:cNvSpPr txBox="1"/>
+          <p:nvPr/>
+        </p:nvSpPr>
+        <p:spPr>
+          <a:xfrm>
+            <a:off x="10123796" y="5888308"/>
+            <a:ext cx="1468812" cy="332399"/>
+          </a:xfrm>
+          <a:prstGeom prst="rect">
+            <a:avLst/>
+          </a:prstGeom>
+          <a:noFill/>
+        </p:spPr>
+        <p:txBody>
+          <a:bodyPr wrap="square" lIns="0" tIns="0" rIns="0" bIns="0" rtlCol="0" anchor="ctr">
+            <a:spAutoFit/>
+          </a:bodyPr>
+          <a:lstStyle/>
+          <a:p>
+            <a:pPr algn="ctr">
+              <a:lnSpc>
+                <a:spcPct val="90000"/>
+              </a:lnSpc>
+              <a:defRPr/>
+            </a:pPr>
+            <a:r>
+              <a:rPr lang="en-US" sz="1200" dirty="0">
+                <a:gradFill>
+                  <a:gsLst>
+                    <a:gs pos="2917">
+                      <a:prstClr val="black"/>
+                    </a:gs>
+                    <a:gs pos="30000">
+                      <a:prstClr val="black"/>
+                    </a:gs>
+                  </a:gsLst>
+                  <a:lin ang="5400000" scaled="0"/>
+                </a:gradFill>
+                <a:latin typeface="Calibri" panose="020F0502020204030204"/>
+              </a:rPr>
+              <a:t>Virtual Network</a:t>
+            </a:r>
+          </a:p>
+          <a:p>
+            <a:pPr algn="ctr">
+              <a:lnSpc>
+                <a:spcPct val="90000"/>
+              </a:lnSpc>
+              <a:defRPr/>
+            </a:pPr>
+            <a:r>
+              <a:rPr lang="en-US" sz="1200" dirty="0">
+                <a:gradFill>
+                  <a:gsLst>
+                    <a:gs pos="2917">
+                      <a:prstClr val="black"/>
+                    </a:gs>
+                    <a:gs pos="30000">
+                      <a:prstClr val="black"/>
+                    </a:gs>
+                  </a:gsLst>
+                  <a:lin ang="5400000" scaled="0"/>
+                </a:gradFill>
+                <a:latin typeface="Calibri" panose="020F0502020204030204"/>
+              </a:rPr>
+              <a:t>Central US</a:t>
+            </a:r>
+          </a:p>
+        </p:txBody>
+      </p:sp>
+      <p:pic>
+        <p:nvPicPr>
+          <p:cNvPr id="38" name="Picture 37">
+            <a:extLst>
+              <a:ext uri="{FF2B5EF4-FFF2-40B4-BE49-F238E27FC236}">
+                <a16:creationId xmlns:a16="http://schemas.microsoft.com/office/drawing/2014/main" id="{014926E4-BD5B-EE4F-90CF-EF5DF0478C3B}"/>
+              </a:ext>
+            </a:extLst>
+          </p:cNvPr>
+          <p:cNvPicPr>
+            <a:picLocks noChangeAspect="1"/>
+          </p:cNvPicPr>
+          <p:nvPr/>
+        </p:nvPicPr>
+        <p:blipFill>
+          <a:blip r:embed="rId2" cstate="print">
+            <a:extLst>
+              <a:ext uri="{28A0092B-C50C-407E-A947-70E740481C1C}">
+                <a14:useLocalDpi xmlns:a14="http://schemas.microsoft.com/office/drawing/2010/main" val="0"/>
+              </a:ext>
+            </a:extLst>
+          </a:blip>
+          <a:stretch>
+            <a:fillRect/>
+          </a:stretch>
+        </p:blipFill>
+        <p:spPr>
+          <a:xfrm>
+            <a:off x="6463802" y="1131488"/>
+            <a:ext cx="538175" cy="505845"/>
+          </a:xfrm>
+          <a:prstGeom prst="rect">
+            <a:avLst/>
+          </a:prstGeom>
+        </p:spPr>
+      </p:pic>
+      <p:pic>
+        <p:nvPicPr>
+          <p:cNvPr id="39" name="Picture 38">
+            <a:extLst>
+              <a:ext uri="{FF2B5EF4-FFF2-40B4-BE49-F238E27FC236}">
+                <a16:creationId xmlns:a16="http://schemas.microsoft.com/office/drawing/2014/main" id="{DD060E08-3536-3F43-9ACC-1284AFF5917C}"/>
+              </a:ext>
+            </a:extLst>
+          </p:cNvPr>
+          <p:cNvPicPr>
+            <a:picLocks noChangeAspect="1"/>
+          </p:cNvPicPr>
+          <p:nvPr/>
+        </p:nvPicPr>
+        <p:blipFill>
+          <a:blip r:embed="rId2" cstate="print">
+            <a:extLst>
+              <a:ext uri="{28A0092B-C50C-407E-A947-70E740481C1C}">
+                <a14:useLocalDpi xmlns:a14="http://schemas.microsoft.com/office/drawing/2010/main" val="0"/>
+              </a:ext>
+            </a:extLst>
+          </a:blip>
+          <a:stretch>
+            <a:fillRect/>
+          </a:stretch>
+        </p:blipFill>
+        <p:spPr>
+          <a:xfrm>
+            <a:off x="6479966" y="4025833"/>
+            <a:ext cx="505845" cy="505845"/>
+          </a:xfrm>
+          <a:prstGeom prst="rect">
+            <a:avLst/>
+          </a:prstGeom>
+        </p:spPr>
+      </p:pic>
+      <p:sp>
+        <p:nvSpPr>
+          <p:cNvPr id="40" name="Arrow: Up-Down 228">
+            <a:extLst>
+              <a:ext uri="{FF2B5EF4-FFF2-40B4-BE49-F238E27FC236}">
+                <a16:creationId xmlns:a16="http://schemas.microsoft.com/office/drawing/2014/main" id="{9D437EE5-5EF3-8543-98EA-DCAC144AF8DB}"/>
+              </a:ext>
+            </a:extLst>
+          </p:cNvPr>
+          <p:cNvSpPr/>
+          <p:nvPr/>
+        </p:nvSpPr>
+        <p:spPr>
+          <a:xfrm>
+            <a:off x="8552140" y="3033090"/>
+            <a:ext cx="591671" cy="1327084"/>
+          </a:xfrm>
+          <a:prstGeom prst="upDownArrow">
+            <a:avLst/>
+          </a:prstGeom>
+          <a:solidFill>
+            <a:srgbClr val="00B050"/>
+          </a:solidFill>
+          <a:ln w="12700" cap="flat" cmpd="sng" algn="ctr">
+            <a:noFill/>
+            <a:prstDash val="solid"/>
+            <a:miter lim="800000"/>
+          </a:ln>
+          <a:effectLst/>
+        </p:spPr>
+        <p:txBody>
+          <a:bodyPr rtlCol="0" anchor="ctr"/>
+          <a:lstStyle/>
+          <a:p>
+            <a:pPr marL="0" marR="0" lvl="0" indent="0" algn="ctr" defTabSz="914400" eaLnBrk="1" fontAlgn="auto" latinLnBrk="0" hangingPunct="1">
+              <a:lnSpc>
+                <a:spcPct val="100000"/>
+              </a:lnSpc>
+              <a:spcBef>
+                <a:spcPts val="0"/>
+              </a:spcBef>
+              <a:spcAft>
+                <a:spcPts val="0"/>
+              </a:spcAft>
+              <a:buClrTx/>
+              <a:buSzTx/>
+              <a:buFontTx/>
+              <a:buNone/>
+              <a:tabLst/>
+              <a:defRPr/>
+            </a:pPr>
+            <a:endParaRPr kumimoji="0" lang="en-US" sz="1800" b="0" i="0" u="none" strike="noStrike" kern="0" cap="none" spc="0" normalizeH="0" baseline="0" noProof="0" dirty="0">
+              <a:ln>
+                <a:noFill/>
+              </a:ln>
+              <a:solidFill>
+                <a:prstClr val="white"/>
+              </a:solidFill>
+              <a:effectLst/>
+              <a:uLnTx/>
+              <a:uFillTx/>
+              <a:latin typeface="Calibri" panose="020F0502020204030204"/>
+              <a:ea typeface="+mn-ea"/>
+              <a:cs typeface="+mn-cs"/>
+            </a:endParaRPr>
+          </a:p>
+        </p:txBody>
+      </p:sp>
+      <p:sp>
+        <p:nvSpPr>
+          <p:cNvPr id="41" name="TextBox 40">
+            <a:extLst>
+              <a:ext uri="{FF2B5EF4-FFF2-40B4-BE49-F238E27FC236}">
+                <a16:creationId xmlns:a16="http://schemas.microsoft.com/office/drawing/2014/main" id="{9CC8CE6F-687C-2548-B6FC-BF6C64DE33E1}"/>
+              </a:ext>
+            </a:extLst>
+          </p:cNvPr>
+          <p:cNvSpPr txBox="1"/>
+          <p:nvPr/>
+        </p:nvSpPr>
+        <p:spPr>
+          <a:xfrm>
+            <a:off x="9044723" y="3621128"/>
+            <a:ext cx="1468812" cy="221599"/>
+          </a:xfrm>
+          <a:prstGeom prst="rect">
+            <a:avLst/>
+          </a:prstGeom>
+          <a:noFill/>
+        </p:spPr>
+        <p:txBody>
+          <a:bodyPr wrap="square" lIns="0" tIns="0" rIns="0" bIns="0" rtlCol="0" anchor="ctr">
+            <a:spAutoFit/>
+          </a:bodyPr>
+          <a:lstStyle/>
+          <a:p>
+            <a:pPr algn="ctr">
+              <a:lnSpc>
+                <a:spcPct val="90000"/>
+              </a:lnSpc>
+              <a:defRPr/>
+            </a:pPr>
+            <a:r>
+              <a:rPr lang="en-US" sz="1600" dirty="0">
+                <a:gradFill>
+                  <a:gsLst>
+                    <a:gs pos="2917">
+                      <a:prstClr val="black"/>
+                    </a:gs>
+                    <a:gs pos="30000">
+                      <a:prstClr val="black"/>
+                    </a:gs>
+                  </a:gsLst>
+                  <a:lin ang="5400000" scaled="0"/>
+                </a:gradFill>
+                <a:latin typeface="Calibri" panose="020F0502020204030204"/>
+              </a:rPr>
+              <a:t>Peering</a:t>
+            </a:r>
+          </a:p>
+        </p:txBody>
+      </p:sp>
+      <p:pic>
+        <p:nvPicPr>
+          <p:cNvPr id="42" name="Picture 41" descr="Azure DC2" title="Azure DC2">
+            <a:extLst>
+              <a:ext uri="{FF2B5EF4-FFF2-40B4-BE49-F238E27FC236}">
+                <a16:creationId xmlns:a16="http://schemas.microsoft.com/office/drawing/2014/main" id="{C5C86B75-9282-9A49-836D-1A55F15232BB}"/>
+              </a:ext>
+            </a:extLst>
+          </p:cNvPr>
+          <p:cNvPicPr>
+            <a:picLocks noChangeAspect="1"/>
+          </p:cNvPicPr>
+          <p:nvPr/>
+        </p:nvPicPr>
+        <p:blipFill>
+          <a:blip r:embed="rId3" cstate="print">
+            <a:extLst>
+              <a:ext uri="{28A0092B-C50C-407E-A947-70E740481C1C}">
+                <a14:useLocalDpi xmlns:a14="http://schemas.microsoft.com/office/drawing/2010/main" val="0"/>
+              </a:ext>
+            </a:extLst>
+          </a:blip>
+          <a:stretch>
+            <a:fillRect/>
+          </a:stretch>
+        </p:blipFill>
+        <p:spPr>
+          <a:xfrm>
+            <a:off x="7265063" y="1763610"/>
+            <a:ext cx="719446" cy="719446"/>
+          </a:xfrm>
+          <a:prstGeom prst="rect">
+            <a:avLst/>
+          </a:prstGeom>
+        </p:spPr>
+      </p:pic>
+      <p:pic>
+        <p:nvPicPr>
+          <p:cNvPr id="43" name="Picture 42" descr="Azure DC2" title="Azure DC2">
+            <a:extLst>
+              <a:ext uri="{FF2B5EF4-FFF2-40B4-BE49-F238E27FC236}">
+                <a16:creationId xmlns:a16="http://schemas.microsoft.com/office/drawing/2014/main" id="{CA43E80D-7160-024E-BE6A-377B37979A5B}"/>
+              </a:ext>
+            </a:extLst>
+          </p:cNvPr>
+          <p:cNvPicPr>
+            <a:picLocks noChangeAspect="1"/>
+          </p:cNvPicPr>
+          <p:nvPr/>
+        </p:nvPicPr>
+        <p:blipFill>
+          <a:blip r:embed="rId3" cstate="print">
+            <a:extLst>
+              <a:ext uri="{28A0092B-C50C-407E-A947-70E740481C1C}">
+                <a14:useLocalDpi xmlns:a14="http://schemas.microsoft.com/office/drawing/2010/main" val="0"/>
+              </a:ext>
+            </a:extLst>
+          </a:blip>
+          <a:stretch>
+            <a:fillRect/>
+          </a:stretch>
+        </p:blipFill>
+        <p:spPr>
+          <a:xfrm>
+            <a:off x="8321980" y="1763610"/>
+            <a:ext cx="719446" cy="719446"/>
+          </a:xfrm>
+          <a:prstGeom prst="rect">
+            <a:avLst/>
+          </a:prstGeom>
+        </p:spPr>
+      </p:pic>
+      <p:sp>
+        <p:nvSpPr>
+          <p:cNvPr id="44" name="Right Bracket 43">
+            <a:extLst>
+              <a:ext uri="{FF2B5EF4-FFF2-40B4-BE49-F238E27FC236}">
+                <a16:creationId xmlns:a16="http://schemas.microsoft.com/office/drawing/2014/main" id="{708C24F9-DA2D-3F45-B021-2FB2291A9940}"/>
+              </a:ext>
+            </a:extLst>
+          </p:cNvPr>
+          <p:cNvSpPr/>
+          <p:nvPr/>
+        </p:nvSpPr>
+        <p:spPr>
+          <a:xfrm rot="16200000">
+            <a:off x="8082565" y="1261018"/>
+            <a:ext cx="99724" cy="1023109"/>
+          </a:xfrm>
+          <a:prstGeom prst="rightBracket">
+            <a:avLst/>
+          </a:prstGeom>
+          <a:noFill/>
+          <a:ln w="6350" cap="flat" cmpd="sng" algn="ctr">
+            <a:solidFill>
+              <a:srgbClr val="5B9BD5"/>
+            </a:solidFill>
+            <a:prstDash val="solid"/>
+            <a:miter lim="800000"/>
+          </a:ln>
+          <a:effectLst/>
+        </p:spPr>
+        <p:txBody>
+          <a:bodyPr rtlCol="0" anchor="ctr"/>
+          <a:lstStyle/>
+          <a:p>
+            <a:pPr marL="0" marR="0" lvl="0" indent="0" algn="ctr" defTabSz="914400" eaLnBrk="1" fontAlgn="auto" latinLnBrk="0" hangingPunct="1">
+              <a:lnSpc>
+                <a:spcPct val="100000"/>
+              </a:lnSpc>
+              <a:spcBef>
+                <a:spcPts val="0"/>
+              </a:spcBef>
+              <a:spcAft>
+                <a:spcPts val="0"/>
+              </a:spcAft>
+              <a:buClrTx/>
+              <a:buSzTx/>
+              <a:buFontTx/>
+              <a:buNone/>
+              <a:tabLst/>
+              <a:defRPr/>
+            </a:pPr>
+            <a:endParaRPr kumimoji="0" lang="en-US" sz="1800" b="0" i="0" u="none" strike="noStrike" kern="0" cap="none" spc="0" normalizeH="0" baseline="0" noProof="0" dirty="0">
+              <a:ln>
+                <a:noFill/>
+              </a:ln>
+              <a:solidFill>
+                <a:prstClr val="black"/>
+              </a:solidFill>
+              <a:effectLst/>
+              <a:uLnTx/>
+              <a:uFillTx/>
+              <a:latin typeface="Calibri" panose="020F0502020204030204"/>
+              <a:ea typeface="+mn-ea"/>
+              <a:cs typeface="+mn-cs"/>
+            </a:endParaRPr>
+          </a:p>
+        </p:txBody>
+      </p:sp>
+      <p:sp>
+        <p:nvSpPr>
+          <p:cNvPr id="45" name="TextBox 44">
+            <a:extLst>
+              <a:ext uri="{FF2B5EF4-FFF2-40B4-BE49-F238E27FC236}">
+                <a16:creationId xmlns:a16="http://schemas.microsoft.com/office/drawing/2014/main" id="{18F2735F-DF64-D04A-9EF0-4E3AF3BC4DD1}"/>
+              </a:ext>
+            </a:extLst>
+          </p:cNvPr>
+          <p:cNvSpPr txBox="1"/>
+          <p:nvPr/>
+        </p:nvSpPr>
+        <p:spPr>
+          <a:xfrm>
+            <a:off x="7358682" y="1477857"/>
+            <a:ext cx="1468812" cy="166199"/>
+          </a:xfrm>
+          <a:prstGeom prst="rect">
+            <a:avLst/>
+          </a:prstGeom>
+          <a:noFill/>
+        </p:spPr>
+        <p:txBody>
+          <a:bodyPr wrap="square" lIns="0" tIns="0" rIns="0" bIns="0" rtlCol="0" anchor="ctr">
+            <a:spAutoFit/>
+          </a:bodyPr>
+          <a:lstStyle/>
+          <a:p>
+            <a:pPr algn="ctr">
+              <a:lnSpc>
+                <a:spcPct val="90000"/>
+              </a:lnSpc>
+              <a:defRPr/>
+            </a:pPr>
+            <a:r>
+              <a:rPr lang="en-US" sz="1200" dirty="0">
+                <a:gradFill>
+                  <a:gsLst>
+                    <a:gs pos="2917">
+                      <a:prstClr val="black"/>
+                    </a:gs>
+                    <a:gs pos="30000">
+                      <a:prstClr val="black"/>
+                    </a:gs>
+                  </a:gsLst>
+                  <a:lin ang="5400000" scaled="0"/>
+                </a:gradFill>
+                <a:latin typeface="Calibri" panose="020F0502020204030204"/>
+              </a:rPr>
+              <a:t>Availability Set</a:t>
+            </a:r>
+          </a:p>
+        </p:txBody>
+      </p:sp>
+      <p:pic>
+        <p:nvPicPr>
+          <p:cNvPr id="46" name="Picture 45" descr="Azure DC2" title="Azure DC2">
+            <a:extLst>
+              <a:ext uri="{FF2B5EF4-FFF2-40B4-BE49-F238E27FC236}">
+                <a16:creationId xmlns:a16="http://schemas.microsoft.com/office/drawing/2014/main" id="{65676757-172F-254B-BDDC-8CB49A6C2B45}"/>
+              </a:ext>
+            </a:extLst>
+          </p:cNvPr>
+          <p:cNvPicPr>
+            <a:picLocks noChangeAspect="1"/>
+          </p:cNvPicPr>
+          <p:nvPr/>
+        </p:nvPicPr>
+        <p:blipFill>
+          <a:blip r:embed="rId3" cstate="print">
+            <a:extLst>
+              <a:ext uri="{28A0092B-C50C-407E-A947-70E740481C1C}">
+                <a14:useLocalDpi xmlns:a14="http://schemas.microsoft.com/office/drawing/2010/main" val="0"/>
+              </a:ext>
+            </a:extLst>
+          </a:blip>
+          <a:stretch>
+            <a:fillRect/>
+          </a:stretch>
+        </p:blipFill>
+        <p:spPr>
+          <a:xfrm>
+            <a:off x="7358682" y="4848592"/>
+            <a:ext cx="719446" cy="719446"/>
+          </a:xfrm>
+          <a:prstGeom prst="rect">
+            <a:avLst/>
+          </a:prstGeom>
+        </p:spPr>
+      </p:pic>
+      <p:pic>
+        <p:nvPicPr>
+          <p:cNvPr id="47" name="Picture 46" descr="Azure DC2" title="Azure DC2">
+            <a:extLst>
+              <a:ext uri="{FF2B5EF4-FFF2-40B4-BE49-F238E27FC236}">
+                <a16:creationId xmlns:a16="http://schemas.microsoft.com/office/drawing/2014/main" id="{FC8B4EF6-60DF-EC47-8E34-A717A5E8CCB1}"/>
+              </a:ext>
+            </a:extLst>
+          </p:cNvPr>
+          <p:cNvPicPr>
+            <a:picLocks noChangeAspect="1"/>
+          </p:cNvPicPr>
+          <p:nvPr/>
+        </p:nvPicPr>
+        <p:blipFill>
+          <a:blip r:embed="rId3" cstate="print">
+            <a:extLst>
+              <a:ext uri="{28A0092B-C50C-407E-A947-70E740481C1C}">
+                <a14:useLocalDpi xmlns:a14="http://schemas.microsoft.com/office/drawing/2010/main" val="0"/>
+              </a:ext>
+            </a:extLst>
+          </a:blip>
+          <a:stretch>
+            <a:fillRect/>
+          </a:stretch>
+        </p:blipFill>
+        <p:spPr>
+          <a:xfrm>
+            <a:off x="8415599" y="4848592"/>
+            <a:ext cx="719446" cy="719446"/>
+          </a:xfrm>
+          <a:prstGeom prst="rect">
+            <a:avLst/>
+          </a:prstGeom>
+        </p:spPr>
+      </p:pic>
+      <p:sp>
+        <p:nvSpPr>
+          <p:cNvPr id="48" name="Right Bracket 47">
+            <a:extLst>
+              <a:ext uri="{FF2B5EF4-FFF2-40B4-BE49-F238E27FC236}">
+                <a16:creationId xmlns:a16="http://schemas.microsoft.com/office/drawing/2014/main" id="{268ADE96-8F84-8A46-90E5-32BA9E75EDAB}"/>
+              </a:ext>
+            </a:extLst>
+          </p:cNvPr>
+          <p:cNvSpPr/>
+          <p:nvPr/>
+        </p:nvSpPr>
+        <p:spPr>
+          <a:xfrm rot="16200000">
+            <a:off x="8176184" y="4346000"/>
+            <a:ext cx="99724" cy="1023109"/>
+          </a:xfrm>
+          <a:prstGeom prst="rightBracket">
+            <a:avLst/>
+          </a:prstGeom>
+          <a:noFill/>
+          <a:ln w="6350" cap="flat" cmpd="sng" algn="ctr">
+            <a:solidFill>
+              <a:srgbClr val="5B9BD5"/>
+            </a:solidFill>
+            <a:prstDash val="solid"/>
+            <a:miter lim="800000"/>
+          </a:ln>
+          <a:effectLst/>
+        </p:spPr>
+        <p:txBody>
+          <a:bodyPr rtlCol="0" anchor="ctr"/>
+          <a:lstStyle/>
+          <a:p>
+            <a:pPr marL="0" marR="0" lvl="0" indent="0" algn="ctr" defTabSz="914400" eaLnBrk="1" fontAlgn="auto" latinLnBrk="0" hangingPunct="1">
+              <a:lnSpc>
+                <a:spcPct val="100000"/>
+              </a:lnSpc>
+              <a:spcBef>
+                <a:spcPts val="0"/>
+              </a:spcBef>
+              <a:spcAft>
+                <a:spcPts val="0"/>
+              </a:spcAft>
+              <a:buClrTx/>
+              <a:buSzTx/>
+              <a:buFontTx/>
+              <a:buNone/>
+              <a:tabLst/>
+              <a:defRPr/>
+            </a:pPr>
+            <a:endParaRPr kumimoji="0" lang="en-US" sz="1800" b="0" i="0" u="none" strike="noStrike" kern="0" cap="none" spc="0" normalizeH="0" baseline="0" noProof="0" dirty="0">
+              <a:ln>
+                <a:noFill/>
+              </a:ln>
+              <a:solidFill>
+                <a:prstClr val="black"/>
+              </a:solidFill>
+              <a:effectLst/>
+              <a:uLnTx/>
+              <a:uFillTx/>
+              <a:latin typeface="Calibri" panose="020F0502020204030204"/>
+              <a:ea typeface="+mn-ea"/>
+              <a:cs typeface="+mn-cs"/>
+            </a:endParaRPr>
+          </a:p>
+        </p:txBody>
+      </p:sp>
+      <p:sp>
+        <p:nvSpPr>
+          <p:cNvPr id="49" name="TextBox 48">
+            <a:extLst>
+              <a:ext uri="{FF2B5EF4-FFF2-40B4-BE49-F238E27FC236}">
+                <a16:creationId xmlns:a16="http://schemas.microsoft.com/office/drawing/2014/main" id="{D5831FA4-1701-AA4A-9B45-D9F4F608E9B0}"/>
+              </a:ext>
+            </a:extLst>
+          </p:cNvPr>
+          <p:cNvSpPr txBox="1"/>
+          <p:nvPr/>
+        </p:nvSpPr>
+        <p:spPr>
+          <a:xfrm>
+            <a:off x="7452301" y="4562839"/>
+            <a:ext cx="1468812" cy="166199"/>
+          </a:xfrm>
+          <a:prstGeom prst="rect">
+            <a:avLst/>
+          </a:prstGeom>
+          <a:noFill/>
+        </p:spPr>
+        <p:txBody>
+          <a:bodyPr wrap="square" lIns="0" tIns="0" rIns="0" bIns="0" rtlCol="0" anchor="ctr">
+            <a:spAutoFit/>
+          </a:bodyPr>
+          <a:lstStyle/>
+          <a:p>
+            <a:pPr algn="ctr">
+              <a:lnSpc>
+                <a:spcPct val="90000"/>
+              </a:lnSpc>
+              <a:defRPr/>
+            </a:pPr>
+            <a:r>
+              <a:rPr lang="en-US" sz="1200" dirty="0">
+                <a:gradFill>
+                  <a:gsLst>
+                    <a:gs pos="2917">
+                      <a:prstClr val="black"/>
+                    </a:gs>
+                    <a:gs pos="30000">
+                      <a:prstClr val="black"/>
+                    </a:gs>
+                  </a:gsLst>
+                  <a:lin ang="5400000" scaled="0"/>
+                </a:gradFill>
+                <a:latin typeface="Calibri" panose="020F0502020204030204"/>
+              </a:rPr>
+              <a:t>Availability Set</a:t>
+            </a:r>
+          </a:p>
+        </p:txBody>
+      </p:sp>
+      <p:sp>
+        <p:nvSpPr>
+          <p:cNvPr id="50" name="TextBox 49">
+            <a:extLst>
+              <a:ext uri="{FF2B5EF4-FFF2-40B4-BE49-F238E27FC236}">
+                <a16:creationId xmlns:a16="http://schemas.microsoft.com/office/drawing/2014/main" id="{2624493D-7B8A-C049-954D-F1D5E2B1C6B7}"/>
+              </a:ext>
+            </a:extLst>
+          </p:cNvPr>
+          <p:cNvSpPr txBox="1"/>
+          <p:nvPr/>
+        </p:nvSpPr>
+        <p:spPr>
+          <a:xfrm>
+            <a:off x="7212059" y="2616197"/>
+            <a:ext cx="766531" cy="166199"/>
+          </a:xfrm>
+          <a:prstGeom prst="rect">
+            <a:avLst/>
+          </a:prstGeom>
+          <a:noFill/>
+        </p:spPr>
+        <p:txBody>
+          <a:bodyPr wrap="square" lIns="0" tIns="0" rIns="0" bIns="0" rtlCol="0" anchor="ctr">
+            <a:spAutoFit/>
+          </a:bodyPr>
+          <a:lstStyle/>
+          <a:p>
+            <a:pPr algn="ctr">
+              <a:lnSpc>
+                <a:spcPct val="90000"/>
+              </a:lnSpc>
+              <a:defRPr/>
+            </a:pPr>
+            <a:r>
+              <a:rPr lang="en-US" sz="1200" dirty="0">
+                <a:gradFill>
+                  <a:gsLst>
+                    <a:gs pos="2917">
+                      <a:prstClr val="black"/>
+                    </a:gs>
+                    <a:gs pos="30000">
+                      <a:prstClr val="black"/>
+                    </a:gs>
+                  </a:gsLst>
+                  <a:lin ang="5400000" scaled="0"/>
+                </a:gradFill>
+                <a:latin typeface="Calibri" panose="020F0502020204030204"/>
+              </a:rPr>
+              <a:t>ADDC-1</a:t>
+            </a:r>
+          </a:p>
+        </p:txBody>
+      </p:sp>
+      <p:sp>
+        <p:nvSpPr>
+          <p:cNvPr id="51" name="TextBox 50">
+            <a:extLst>
+              <a:ext uri="{FF2B5EF4-FFF2-40B4-BE49-F238E27FC236}">
+                <a16:creationId xmlns:a16="http://schemas.microsoft.com/office/drawing/2014/main" id="{90558F0F-96B6-7840-A649-326935FF5683}"/>
+              </a:ext>
+            </a:extLst>
+          </p:cNvPr>
+          <p:cNvSpPr txBox="1"/>
+          <p:nvPr/>
+        </p:nvSpPr>
+        <p:spPr>
+          <a:xfrm>
+            <a:off x="8274895" y="2618889"/>
+            <a:ext cx="766531" cy="166199"/>
+          </a:xfrm>
+          <a:prstGeom prst="rect">
+            <a:avLst/>
+          </a:prstGeom>
+          <a:noFill/>
+        </p:spPr>
+        <p:txBody>
+          <a:bodyPr wrap="square" lIns="0" tIns="0" rIns="0" bIns="0" rtlCol="0" anchor="ctr">
+            <a:spAutoFit/>
+          </a:bodyPr>
+          <a:lstStyle/>
+          <a:p>
+            <a:pPr algn="ctr">
+              <a:lnSpc>
+                <a:spcPct val="90000"/>
+              </a:lnSpc>
+              <a:defRPr/>
+            </a:pPr>
+            <a:r>
+              <a:rPr lang="en-US" sz="1200" dirty="0">
+                <a:gradFill>
+                  <a:gsLst>
+                    <a:gs pos="2917">
+                      <a:prstClr val="black"/>
+                    </a:gs>
+                    <a:gs pos="30000">
+                      <a:prstClr val="black"/>
+                    </a:gs>
+                  </a:gsLst>
+                  <a:lin ang="5400000" scaled="0"/>
+                </a:gradFill>
+                <a:latin typeface="Calibri" panose="020F0502020204030204"/>
+              </a:rPr>
+              <a:t>ADDC-2</a:t>
+            </a:r>
+          </a:p>
+        </p:txBody>
+      </p:sp>
+      <p:sp>
+        <p:nvSpPr>
+          <p:cNvPr id="52" name="TextBox 51">
+            <a:extLst>
+              <a:ext uri="{FF2B5EF4-FFF2-40B4-BE49-F238E27FC236}">
+                <a16:creationId xmlns:a16="http://schemas.microsoft.com/office/drawing/2014/main" id="{E9964616-C046-8542-9A2F-627B9C9BBB83}"/>
+              </a:ext>
+            </a:extLst>
+          </p:cNvPr>
+          <p:cNvSpPr txBox="1"/>
+          <p:nvPr/>
+        </p:nvSpPr>
+        <p:spPr>
+          <a:xfrm>
+            <a:off x="7358682" y="5713780"/>
+            <a:ext cx="766531" cy="166199"/>
+          </a:xfrm>
+          <a:prstGeom prst="rect">
+            <a:avLst/>
+          </a:prstGeom>
+          <a:noFill/>
+        </p:spPr>
+        <p:txBody>
+          <a:bodyPr wrap="square" lIns="0" tIns="0" rIns="0" bIns="0" rtlCol="0" anchor="ctr">
+            <a:spAutoFit/>
+          </a:bodyPr>
+          <a:lstStyle/>
+          <a:p>
+            <a:pPr algn="ctr">
+              <a:lnSpc>
+                <a:spcPct val="90000"/>
+              </a:lnSpc>
+              <a:defRPr/>
+            </a:pPr>
+            <a:r>
+              <a:rPr lang="en-US" sz="1200" dirty="0">
+                <a:gradFill>
+                  <a:gsLst>
+                    <a:gs pos="2917">
+                      <a:prstClr val="black"/>
+                    </a:gs>
+                    <a:gs pos="30000">
+                      <a:prstClr val="black"/>
+                    </a:gs>
+                  </a:gsLst>
+                  <a:lin ang="5400000" scaled="0"/>
+                </a:gradFill>
+                <a:latin typeface="Calibri" panose="020F0502020204030204"/>
+              </a:rPr>
+              <a:t>ADDC-3</a:t>
+            </a:r>
+          </a:p>
+        </p:txBody>
+      </p:sp>
+      <p:sp>
+        <p:nvSpPr>
+          <p:cNvPr id="53" name="TextBox 52">
+            <a:extLst>
+              <a:ext uri="{FF2B5EF4-FFF2-40B4-BE49-F238E27FC236}">
+                <a16:creationId xmlns:a16="http://schemas.microsoft.com/office/drawing/2014/main" id="{B6D0A365-4925-614E-A1FD-92EDAF5C0A4B}"/>
+              </a:ext>
+            </a:extLst>
+          </p:cNvPr>
+          <p:cNvSpPr txBox="1"/>
+          <p:nvPr/>
+        </p:nvSpPr>
+        <p:spPr>
+          <a:xfrm>
+            <a:off x="8434199" y="5706173"/>
+            <a:ext cx="766531" cy="166199"/>
+          </a:xfrm>
+          <a:prstGeom prst="rect">
+            <a:avLst/>
+          </a:prstGeom>
+          <a:noFill/>
+        </p:spPr>
+        <p:txBody>
+          <a:bodyPr wrap="square" lIns="0" tIns="0" rIns="0" bIns="0" rtlCol="0" anchor="ctr">
+            <a:spAutoFit/>
+          </a:bodyPr>
+          <a:lstStyle/>
+          <a:p>
+            <a:pPr algn="ctr">
+              <a:lnSpc>
+                <a:spcPct val="90000"/>
+              </a:lnSpc>
+              <a:defRPr/>
+            </a:pPr>
+            <a:r>
+              <a:rPr lang="en-US" sz="1200" dirty="0">
+                <a:gradFill>
+                  <a:gsLst>
+                    <a:gs pos="2917">
+                      <a:prstClr val="black"/>
+                    </a:gs>
+                    <a:gs pos="30000">
+                      <a:prstClr val="black"/>
+                    </a:gs>
+                  </a:gsLst>
+                  <a:lin ang="5400000" scaled="0"/>
+                </a:gradFill>
+                <a:latin typeface="Calibri" panose="020F0502020204030204"/>
+              </a:rPr>
+              <a:t>ADDC-4</a:t>
+            </a:r>
+          </a:p>
+        </p:txBody>
+      </p:sp>
+      <p:sp>
+        <p:nvSpPr>
+          <p:cNvPr id="54" name="TextBox 53">
+            <a:extLst>
+              <a:ext uri="{FF2B5EF4-FFF2-40B4-BE49-F238E27FC236}">
+                <a16:creationId xmlns:a16="http://schemas.microsoft.com/office/drawing/2014/main" id="{34A76053-E999-394B-A469-88C07BF1E59D}"/>
+              </a:ext>
+            </a:extLst>
+          </p:cNvPr>
+          <p:cNvSpPr txBox="1"/>
+          <p:nvPr/>
+        </p:nvSpPr>
+        <p:spPr>
+          <a:xfrm>
+            <a:off x="9588369" y="1668876"/>
+            <a:ext cx="1468812" cy="664797"/>
+          </a:xfrm>
+          <a:prstGeom prst="rect">
+            <a:avLst/>
+          </a:prstGeom>
+          <a:noFill/>
+        </p:spPr>
+        <p:txBody>
+          <a:bodyPr wrap="square" lIns="0" tIns="0" rIns="0" bIns="0" rtlCol="0" anchor="ctr">
+            <a:spAutoFit/>
+          </a:bodyPr>
+          <a:lstStyle/>
+          <a:p>
+            <a:pPr>
+              <a:lnSpc>
+                <a:spcPct val="90000"/>
+              </a:lnSpc>
+              <a:defRPr/>
+            </a:pPr>
+            <a:r>
+              <a:rPr lang="en-US" sz="1200" dirty="0">
+                <a:gradFill>
+                  <a:gsLst>
+                    <a:gs pos="2917">
+                      <a:prstClr val="black"/>
+                    </a:gs>
+                    <a:gs pos="30000">
+                      <a:prstClr val="black"/>
+                    </a:gs>
+                  </a:gsLst>
+                  <a:lin ang="5400000" scaled="0"/>
+                </a:gradFill>
+                <a:latin typeface="Calibri" panose="020F0502020204030204"/>
+              </a:rPr>
+              <a:t>C:\OS Only</a:t>
+            </a:r>
+          </a:p>
+          <a:p>
+            <a:pPr>
+              <a:lnSpc>
+                <a:spcPct val="90000"/>
+              </a:lnSpc>
+              <a:defRPr/>
+            </a:pPr>
+            <a:r>
+              <a:rPr lang="en-US" sz="1200" dirty="0">
+                <a:gradFill>
+                  <a:gsLst>
+                    <a:gs pos="2917">
+                      <a:prstClr val="black"/>
+                    </a:gs>
+                    <a:gs pos="30000">
+                      <a:prstClr val="black"/>
+                    </a:gs>
+                  </a:gsLst>
+                  <a:lin ang="5400000" scaled="0"/>
+                </a:gradFill>
+                <a:latin typeface="Calibri" panose="020F0502020204030204"/>
+              </a:rPr>
+              <a:t>F:\SYSVOL</a:t>
+            </a:r>
+          </a:p>
+          <a:p>
+            <a:pPr>
+              <a:lnSpc>
+                <a:spcPct val="90000"/>
+              </a:lnSpc>
+              <a:defRPr/>
+            </a:pPr>
+            <a:r>
+              <a:rPr lang="en-US" sz="1200" dirty="0">
+                <a:gradFill>
+                  <a:gsLst>
+                    <a:gs pos="2917">
+                      <a:prstClr val="black"/>
+                    </a:gs>
+                    <a:gs pos="30000">
+                      <a:prstClr val="black"/>
+                    </a:gs>
+                  </a:gsLst>
+                  <a:lin ang="5400000" scaled="0"/>
+                </a:gradFill>
+                <a:latin typeface="Calibri" panose="020F0502020204030204"/>
+              </a:rPr>
+              <a:t>F</a:t>
+            </a:r>
+            <a:r>
+              <a:rPr lang="en-US" sz="1200" dirty="0">
+                <a:gradFill>
+                  <a:gsLst>
+                    <a:gs pos="2917">
+                      <a:prstClr val="black"/>
+                    </a:gs>
+                    <a:gs pos="30000">
+                      <a:prstClr val="black"/>
+                    </a:gs>
+                  </a:gsLst>
+                  <a:lin ang="5400000" scaled="0"/>
+                </a:gradFill>
+                <a:latin typeface="Calibri" panose="020F0502020204030204"/>
+                <a:sym typeface="Wingdings" panose="05000000000000000000" pitchFamily="2" charset="2"/>
+              </a:rPr>
+              <a:t>:\NTDS</a:t>
+            </a:r>
+            <a:endParaRPr lang="en-US" sz="1200" dirty="0">
+              <a:gradFill>
+                <a:gsLst>
+                  <a:gs pos="2917">
+                    <a:prstClr val="black"/>
+                  </a:gs>
+                  <a:gs pos="30000">
+                    <a:prstClr val="black"/>
+                  </a:gs>
+                </a:gsLst>
+                <a:lin ang="5400000" scaled="0"/>
+              </a:gradFill>
+              <a:latin typeface="Calibri" panose="020F0502020204030204"/>
+            </a:endParaRPr>
+          </a:p>
+          <a:p>
+            <a:pPr>
+              <a:lnSpc>
+                <a:spcPct val="90000"/>
+              </a:lnSpc>
+              <a:defRPr/>
+            </a:pPr>
+            <a:endParaRPr lang="en-US" sz="1200" dirty="0">
+              <a:gradFill>
+                <a:gsLst>
+                  <a:gs pos="2917">
+                    <a:prstClr val="black"/>
+                  </a:gs>
+                  <a:gs pos="30000">
+                    <a:prstClr val="black"/>
+                  </a:gs>
+                </a:gsLst>
+                <a:lin ang="5400000" scaled="0"/>
+              </a:gradFill>
+              <a:latin typeface="Calibri" panose="020F0502020204030204"/>
+            </a:endParaRPr>
+          </a:p>
+        </p:txBody>
+      </p:sp>
+      <p:sp>
+        <p:nvSpPr>
+          <p:cNvPr id="55" name="TextBox 54">
+            <a:extLst>
+              <a:ext uri="{FF2B5EF4-FFF2-40B4-BE49-F238E27FC236}">
+                <a16:creationId xmlns:a16="http://schemas.microsoft.com/office/drawing/2014/main" id="{D8720B19-2200-1044-82F8-9D5661B3D6D0}"/>
+              </a:ext>
+            </a:extLst>
+          </p:cNvPr>
+          <p:cNvSpPr txBox="1"/>
+          <p:nvPr/>
+        </p:nvSpPr>
+        <p:spPr>
+          <a:xfrm>
+            <a:off x="9542673" y="4386611"/>
+            <a:ext cx="1468812" cy="664797"/>
+          </a:xfrm>
+          <a:prstGeom prst="rect">
+            <a:avLst/>
+          </a:prstGeom>
+          <a:noFill/>
+        </p:spPr>
+        <p:txBody>
+          <a:bodyPr wrap="square" lIns="0" tIns="0" rIns="0" bIns="0" rtlCol="0" anchor="ctr">
+            <a:spAutoFit/>
+          </a:bodyPr>
+          <a:lstStyle/>
+          <a:p>
+            <a:pPr>
+              <a:lnSpc>
+                <a:spcPct val="90000"/>
+              </a:lnSpc>
+              <a:defRPr/>
+            </a:pPr>
+            <a:r>
+              <a:rPr lang="en-US" sz="1200" dirty="0">
+                <a:gradFill>
+                  <a:gsLst>
+                    <a:gs pos="2917">
+                      <a:prstClr val="black"/>
+                    </a:gs>
+                    <a:gs pos="30000">
+                      <a:prstClr val="black"/>
+                    </a:gs>
+                  </a:gsLst>
+                  <a:lin ang="5400000" scaled="0"/>
+                </a:gradFill>
+                <a:latin typeface="Calibri" panose="020F0502020204030204"/>
+              </a:rPr>
+              <a:t>C:\OS Only</a:t>
+            </a:r>
+          </a:p>
+          <a:p>
+            <a:pPr>
+              <a:lnSpc>
+                <a:spcPct val="90000"/>
+              </a:lnSpc>
+              <a:defRPr/>
+            </a:pPr>
+            <a:r>
+              <a:rPr lang="en-US" sz="1200" dirty="0">
+                <a:gradFill>
+                  <a:gsLst>
+                    <a:gs pos="2917">
+                      <a:prstClr val="black"/>
+                    </a:gs>
+                    <a:gs pos="30000">
+                      <a:prstClr val="black"/>
+                    </a:gs>
+                  </a:gsLst>
+                  <a:lin ang="5400000" scaled="0"/>
+                </a:gradFill>
+                <a:latin typeface="Calibri" panose="020F0502020204030204"/>
+              </a:rPr>
+              <a:t>F:\SYSVOL</a:t>
+            </a:r>
+          </a:p>
+          <a:p>
+            <a:pPr>
+              <a:lnSpc>
+                <a:spcPct val="90000"/>
+              </a:lnSpc>
+              <a:defRPr/>
+            </a:pPr>
+            <a:r>
+              <a:rPr lang="en-US" sz="1200" dirty="0">
+                <a:gradFill>
+                  <a:gsLst>
+                    <a:gs pos="2917">
+                      <a:prstClr val="black"/>
+                    </a:gs>
+                    <a:gs pos="30000">
+                      <a:prstClr val="black"/>
+                    </a:gs>
+                  </a:gsLst>
+                  <a:lin ang="5400000" scaled="0"/>
+                </a:gradFill>
+                <a:latin typeface="Calibri" panose="020F0502020204030204"/>
+              </a:rPr>
+              <a:t>F</a:t>
+            </a:r>
+            <a:r>
+              <a:rPr lang="en-US" sz="1200" dirty="0">
+                <a:gradFill>
+                  <a:gsLst>
+                    <a:gs pos="2917">
+                      <a:prstClr val="black"/>
+                    </a:gs>
+                    <a:gs pos="30000">
+                      <a:prstClr val="black"/>
+                    </a:gs>
+                  </a:gsLst>
+                  <a:lin ang="5400000" scaled="0"/>
+                </a:gradFill>
+                <a:latin typeface="Calibri" panose="020F0502020204030204"/>
+                <a:sym typeface="Wingdings" panose="05000000000000000000" pitchFamily="2" charset="2"/>
+              </a:rPr>
+              <a:t>:\NTDS</a:t>
+            </a:r>
+            <a:endParaRPr lang="en-US" sz="1200" dirty="0">
+              <a:gradFill>
+                <a:gsLst>
+                  <a:gs pos="2917">
+                    <a:prstClr val="black"/>
+                  </a:gs>
+                  <a:gs pos="30000">
+                    <a:prstClr val="black"/>
+                  </a:gs>
+                </a:gsLst>
+                <a:lin ang="5400000" scaled="0"/>
+              </a:gradFill>
+              <a:latin typeface="Calibri" panose="020F0502020204030204"/>
+            </a:endParaRPr>
+          </a:p>
+          <a:p>
+            <a:pPr>
+              <a:lnSpc>
+                <a:spcPct val="90000"/>
+              </a:lnSpc>
+              <a:defRPr/>
+            </a:pPr>
+            <a:endParaRPr lang="en-US" sz="1200" dirty="0">
+              <a:gradFill>
+                <a:gsLst>
+                  <a:gs pos="2917">
+                    <a:prstClr val="black"/>
+                  </a:gs>
+                  <a:gs pos="30000">
+                    <a:prstClr val="black"/>
+                  </a:gs>
+                </a:gsLst>
+                <a:lin ang="5400000" scaled="0"/>
+              </a:gradFill>
+              <a:latin typeface="Calibri" panose="020F0502020204030204"/>
+            </a:endParaRPr>
+          </a:p>
+        </p:txBody>
+      </p:sp>
+      <p:sp>
+        <p:nvSpPr>
+          <p:cNvPr id="56" name="TextBox 55">
+            <a:extLst>
+              <a:ext uri="{FF2B5EF4-FFF2-40B4-BE49-F238E27FC236}">
+                <a16:creationId xmlns:a16="http://schemas.microsoft.com/office/drawing/2014/main" id="{CED8079D-9B36-AE47-80E3-8323AD5E67CB}"/>
+              </a:ext>
+            </a:extLst>
+          </p:cNvPr>
+          <p:cNvSpPr txBox="1"/>
+          <p:nvPr/>
+        </p:nvSpPr>
+        <p:spPr>
+          <a:xfrm>
+            <a:off x="11219305" y="1208772"/>
+            <a:ext cx="281961" cy="145424"/>
+          </a:xfrm>
+          <a:prstGeom prst="rect">
+            <a:avLst/>
+          </a:prstGeom>
+          <a:noFill/>
+          <a:ln>
+            <a:solidFill>
+              <a:sysClr val="windowText" lastClr="000000"/>
+            </a:solidFill>
+          </a:ln>
+        </p:spPr>
+        <p:txBody>
+          <a:bodyPr wrap="square" lIns="0" tIns="0" rIns="0" bIns="0" rtlCol="0" anchor="ctr">
+            <a:spAutoFit/>
+          </a:bodyPr>
+          <a:lstStyle/>
+          <a:p>
+            <a:pPr marL="0" marR="0" lvl="0" indent="0" algn="ctr" defTabSz="914400" eaLnBrk="1" fontAlgn="auto" latinLnBrk="0" hangingPunct="1">
+              <a:lnSpc>
+                <a:spcPct val="90000"/>
+              </a:lnSpc>
+              <a:spcBef>
+                <a:spcPts val="0"/>
+              </a:spcBef>
+              <a:spcAft>
+                <a:spcPts val="0"/>
+              </a:spcAft>
+              <a:buClrTx/>
+              <a:buSzTx/>
+              <a:buFontTx/>
+              <a:buNone/>
+              <a:tabLst/>
+              <a:defRPr/>
+            </a:pPr>
+            <a:r>
+              <a:rPr kumimoji="0" lang="en-US" sz="1050" b="0" i="0" u="none" strike="noStrike" kern="0" cap="none" spc="0" normalizeH="0" baseline="0" noProof="0" dirty="0">
+                <a:ln>
+                  <a:noFill/>
+                </a:ln>
+                <a:gradFill>
+                  <a:gsLst>
+                    <a:gs pos="2917">
+                      <a:prstClr val="black"/>
+                    </a:gs>
+                    <a:gs pos="30000">
+                      <a:prstClr val="black"/>
+                    </a:gs>
+                  </a:gsLst>
+                  <a:lin ang="5400000" scaled="0"/>
+                </a:gradFill>
+                <a:effectLst/>
+                <a:uLnTx/>
+                <a:uFillTx/>
+                <a:latin typeface="Calibri" panose="020F0502020204030204"/>
+              </a:rPr>
+              <a:t>NSG</a:t>
+            </a:r>
+          </a:p>
+        </p:txBody>
+      </p:sp>
+      <p:sp>
+        <p:nvSpPr>
+          <p:cNvPr id="57" name="TextBox 56">
+            <a:extLst>
+              <a:ext uri="{FF2B5EF4-FFF2-40B4-BE49-F238E27FC236}">
+                <a16:creationId xmlns:a16="http://schemas.microsoft.com/office/drawing/2014/main" id="{412884BD-0F5D-9E4A-B570-EB9EAF7A5799}"/>
+              </a:ext>
+            </a:extLst>
+          </p:cNvPr>
+          <p:cNvSpPr txBox="1"/>
+          <p:nvPr/>
+        </p:nvSpPr>
+        <p:spPr>
+          <a:xfrm>
+            <a:off x="11219304" y="4149549"/>
+            <a:ext cx="281961" cy="145424"/>
+          </a:xfrm>
+          <a:prstGeom prst="rect">
+            <a:avLst/>
+          </a:prstGeom>
+          <a:noFill/>
+          <a:ln>
+            <a:solidFill>
+              <a:sysClr val="windowText" lastClr="000000"/>
+            </a:solidFill>
+          </a:ln>
+        </p:spPr>
+        <p:txBody>
+          <a:bodyPr wrap="square" lIns="0" tIns="0" rIns="0" bIns="0" rtlCol="0" anchor="ctr">
+            <a:spAutoFit/>
+          </a:bodyPr>
+          <a:lstStyle/>
+          <a:p>
+            <a:pPr marL="0" marR="0" lvl="0" indent="0" algn="ctr" defTabSz="914400" eaLnBrk="1" fontAlgn="auto" latinLnBrk="0" hangingPunct="1">
+              <a:lnSpc>
+                <a:spcPct val="90000"/>
+              </a:lnSpc>
+              <a:spcBef>
+                <a:spcPts val="0"/>
+              </a:spcBef>
+              <a:spcAft>
+                <a:spcPts val="0"/>
+              </a:spcAft>
+              <a:buClrTx/>
+              <a:buSzTx/>
+              <a:buFontTx/>
+              <a:buNone/>
+              <a:tabLst/>
+              <a:defRPr/>
+            </a:pPr>
+            <a:r>
+              <a:rPr kumimoji="0" lang="en-US" sz="1050" b="0" i="0" u="none" strike="noStrike" kern="0" cap="none" spc="0" normalizeH="0" baseline="0" noProof="0" dirty="0">
+                <a:ln>
+                  <a:noFill/>
+                </a:ln>
+                <a:gradFill>
+                  <a:gsLst>
+                    <a:gs pos="2917">
+                      <a:prstClr val="black"/>
+                    </a:gs>
+                    <a:gs pos="30000">
+                      <a:prstClr val="black"/>
+                    </a:gs>
+                  </a:gsLst>
+                  <a:lin ang="5400000" scaled="0"/>
+                </a:gradFill>
+                <a:effectLst/>
+                <a:uLnTx/>
+                <a:uFillTx/>
+                <a:latin typeface="Calibri" panose="020F0502020204030204"/>
+              </a:rPr>
+              <a:t>NSG</a:t>
+            </a:r>
+          </a:p>
+        </p:txBody>
+      </p:sp>
+      <p:pic>
+        <p:nvPicPr>
+          <p:cNvPr id="58" name="Picture 57">
+            <a:extLst>
+              <a:ext uri="{FF2B5EF4-FFF2-40B4-BE49-F238E27FC236}">
+                <a16:creationId xmlns:a16="http://schemas.microsoft.com/office/drawing/2014/main" id="{927DA13A-B7B3-E94F-BF91-8D98A15180DC}"/>
+              </a:ext>
+            </a:extLst>
+          </p:cNvPr>
+          <p:cNvPicPr>
+            <a:picLocks noChangeAspect="1"/>
+          </p:cNvPicPr>
+          <p:nvPr/>
+        </p:nvPicPr>
+        <p:blipFill>
+          <a:blip r:embed="rId4" cstate="print">
+            <a:extLst>
+              <a:ext uri="{28A0092B-C50C-407E-A947-70E740481C1C}">
+                <a14:useLocalDpi xmlns:a14="http://schemas.microsoft.com/office/drawing/2010/main" val="0"/>
+              </a:ext>
+            </a:extLst>
+          </a:blip>
+          <a:stretch>
+            <a:fillRect/>
+          </a:stretch>
+        </p:blipFill>
+        <p:spPr>
+          <a:xfrm>
+            <a:off x="10866775" y="1936665"/>
+            <a:ext cx="373335" cy="373335"/>
+          </a:xfrm>
+          <a:prstGeom prst="rect">
+            <a:avLst/>
+          </a:prstGeom>
+        </p:spPr>
+      </p:pic>
+      <p:pic>
+        <p:nvPicPr>
+          <p:cNvPr id="59" name="Picture 58">
+            <a:extLst>
+              <a:ext uri="{FF2B5EF4-FFF2-40B4-BE49-F238E27FC236}">
+                <a16:creationId xmlns:a16="http://schemas.microsoft.com/office/drawing/2014/main" id="{6E0BCA50-14ED-BA4B-B81B-73C5811E5850}"/>
+              </a:ext>
+            </a:extLst>
+          </p:cNvPr>
+          <p:cNvPicPr>
+            <a:picLocks noChangeAspect="1"/>
+          </p:cNvPicPr>
+          <p:nvPr/>
+        </p:nvPicPr>
+        <p:blipFill>
+          <a:blip r:embed="rId4" cstate="print">
+            <a:extLst>
+              <a:ext uri="{28A0092B-C50C-407E-A947-70E740481C1C}">
+                <a14:useLocalDpi xmlns:a14="http://schemas.microsoft.com/office/drawing/2010/main" val="0"/>
+              </a:ext>
+            </a:extLst>
+          </a:blip>
+          <a:stretch>
+            <a:fillRect/>
+          </a:stretch>
+        </p:blipFill>
+        <p:spPr>
+          <a:xfrm>
+            <a:off x="10768864" y="4961669"/>
+            <a:ext cx="373335" cy="373335"/>
+          </a:xfrm>
+          <a:prstGeom prst="rect">
+            <a:avLst/>
+          </a:prstGeom>
+        </p:spPr>
+      </p:pic>
+      <p:sp>
+        <p:nvSpPr>
+          <p:cNvPr id="60" name="TextBox 59">
+            <a:extLst>
+              <a:ext uri="{FF2B5EF4-FFF2-40B4-BE49-F238E27FC236}">
+                <a16:creationId xmlns:a16="http://schemas.microsoft.com/office/drawing/2014/main" id="{D0CD0ADD-BC9F-3A44-A69C-27AD6B3AC8C8}"/>
+              </a:ext>
+            </a:extLst>
+          </p:cNvPr>
+          <p:cNvSpPr txBox="1"/>
+          <p:nvPr/>
+        </p:nvSpPr>
+        <p:spPr>
+          <a:xfrm>
+            <a:off x="10670176" y="2418227"/>
+            <a:ext cx="851756" cy="166199"/>
+          </a:xfrm>
+          <a:prstGeom prst="rect">
+            <a:avLst/>
+          </a:prstGeom>
+          <a:noFill/>
+        </p:spPr>
+        <p:txBody>
+          <a:bodyPr wrap="square" lIns="0" tIns="0" rIns="0" bIns="0" rtlCol="0" anchor="ctr">
+            <a:spAutoFit/>
+          </a:bodyPr>
+          <a:lstStyle/>
+          <a:p>
+            <a:pPr algn="ctr">
+              <a:lnSpc>
+                <a:spcPct val="90000"/>
+              </a:lnSpc>
+              <a:defRPr/>
+            </a:pPr>
+            <a:r>
+              <a:rPr lang="en-US" sz="1200" dirty="0">
+                <a:gradFill>
+                  <a:gsLst>
+                    <a:gs pos="2917">
+                      <a:prstClr val="black"/>
+                    </a:gs>
+                    <a:gs pos="30000">
+                      <a:prstClr val="black"/>
+                    </a:gs>
+                  </a:gsLst>
+                  <a:lin ang="5400000" scaled="0"/>
+                </a:gradFill>
+                <a:latin typeface="Calibri" panose="020F0502020204030204"/>
+              </a:rPr>
+              <a:t>BackupVault1</a:t>
+            </a:r>
+          </a:p>
+        </p:txBody>
+      </p:sp>
+      <p:sp>
+        <p:nvSpPr>
+          <p:cNvPr id="61" name="TextBox 60">
+            <a:extLst>
+              <a:ext uri="{FF2B5EF4-FFF2-40B4-BE49-F238E27FC236}">
+                <a16:creationId xmlns:a16="http://schemas.microsoft.com/office/drawing/2014/main" id="{D2BEB01D-2564-F74B-A1BE-D52DBD0A79FA}"/>
+              </a:ext>
+            </a:extLst>
+          </p:cNvPr>
+          <p:cNvSpPr txBox="1"/>
+          <p:nvPr/>
+        </p:nvSpPr>
+        <p:spPr>
+          <a:xfrm>
+            <a:off x="10585607" y="5425033"/>
+            <a:ext cx="851756" cy="166199"/>
+          </a:xfrm>
+          <a:prstGeom prst="rect">
+            <a:avLst/>
+          </a:prstGeom>
+          <a:noFill/>
+        </p:spPr>
+        <p:txBody>
+          <a:bodyPr wrap="square" lIns="0" tIns="0" rIns="0" bIns="0" rtlCol="0" anchor="ctr">
+            <a:spAutoFit/>
+          </a:bodyPr>
+          <a:lstStyle/>
+          <a:p>
+            <a:pPr algn="ctr">
+              <a:lnSpc>
+                <a:spcPct val="90000"/>
+              </a:lnSpc>
+              <a:defRPr/>
+            </a:pPr>
+            <a:r>
+              <a:rPr lang="en-US" sz="1200" dirty="0">
+                <a:gradFill>
+                  <a:gsLst>
+                    <a:gs pos="2917">
+                      <a:prstClr val="black"/>
+                    </a:gs>
+                    <a:gs pos="30000">
+                      <a:prstClr val="black"/>
+                    </a:gs>
+                  </a:gsLst>
+                  <a:lin ang="5400000" scaled="0"/>
+                </a:gradFill>
+                <a:latin typeface="Calibri" panose="020F0502020204030204"/>
+              </a:rPr>
+              <a:t>BackupVault2</a:t>
+            </a:r>
+          </a:p>
+        </p:txBody>
+      </p:sp>
+    </p:spTree>
+    <p:extLst>
+      <p:ext uri="{BB962C8B-B14F-4D97-AF65-F5344CB8AC3E}">
+        <p14:creationId xmlns:p14="http://schemas.microsoft.com/office/powerpoint/2010/main" val="653155429"/>
+      </p:ext>
+    </p:extLst>
+  </p:cSld>
+  <p:clrMapOvr>
+    <a:masterClrMapping/>
+  </p:clrMapOvr>
+  <p:transition>
+    <p:fade/>
+  </p:transition>
+</p:sld>
+</file>
+
+<file path=ppt/slides/slide3.xml><?xml version="1.0" encoding="utf-8"?>
+<p:sld xmlns:a="http://schemas.openxmlformats.org/drawingml/2006/main" xmlns:r="http://schemas.openxmlformats.org/officeDocument/2006/relationships" xmlns:p="http://schemas.openxmlformats.org/presentationml/2006/main">
+  <p:cSld>
+    <p:spTree>
+      <p:nvGrpSpPr>
+        <p:cNvPr id="1" name=""/>
+        <p:cNvGrpSpPr/>
+        <p:nvPr/>
+      </p:nvGrpSpPr>
+      <p:grpSpPr>
+        <a:xfrm>
+          <a:off x="0" y="0"/>
+          <a:ext cx="0" cy="0"/>
+          <a:chOff x="0" y="0"/>
+          <a:chExt cx="0" cy="0"/>
+        </a:xfrm>
+      </p:grpSpPr>
+      <p:sp>
+        <p:nvSpPr>
+          <p:cNvPr id="88" name="Rectangle 87" descr="SQL Server Managed Backup to Microsoft Azure manages and automates SQL Server backups to Microsoft Azure Blob storage. You can choose to allow SQL Server to determine the backup schedule based on the transaction workload of your database. Or, you can use advanced options to define a schedule. The retention settings determine how long the backups are stored in Azure Blob storage. SQL Server Managed Backup to Microsoft Azure supports point in time restore for the retention time period specified." title="SQL Server Managed Backup to Microsoft Azure ">
+            <a:extLst>
+              <a:ext uri="{FF2B5EF4-FFF2-40B4-BE49-F238E27FC236}">
+                <a16:creationId xmlns:a16="http://schemas.microsoft.com/office/drawing/2014/main" id="{785A2117-7E2F-8D45-8925-60B8DE8F79F9}"/>
+              </a:ext>
+            </a:extLst>
+          </p:cNvPr>
+          <p:cNvSpPr/>
+          <p:nvPr/>
+        </p:nvSpPr>
+        <p:spPr bwMode="auto">
+          <a:xfrm>
+            <a:off x="6340383" y="737292"/>
+            <a:ext cx="5567913" cy="5923150"/>
+          </a:xfrm>
+          <a:prstGeom prst="rect">
+            <a:avLst/>
+          </a:prstGeom>
+          <a:solidFill>
+            <a:sysClr val="window" lastClr="FFFFFF"/>
+          </a:solidFill>
+          <a:ln w="12700" cap="flat" cmpd="sng" algn="ctr">
+            <a:solidFill>
+              <a:srgbClr val="000000"/>
+            </a:solidFill>
+            <a:prstDash val="solid"/>
+            <a:miter lim="800000"/>
+            <a:headEnd type="none" w="med" len="med"/>
+            <a:tailEnd type="none" w="med" len="med"/>
+          </a:ln>
+          <a:effectLst/>
+        </p:spPr>
+        <p:txBody>
+          <a:bodyPr rot="0" spcFirstLastPara="0" vertOverflow="overflow" horzOverflow="overflow" vert="horz" wrap="square" lIns="182880" tIns="146304" rIns="182880" bIns="146304" numCol="1" spcCol="0" rtlCol="0" fromWordArt="0" anchor="t" anchorCtr="0" forceAA="0" compatLnSpc="1">
+            <a:prstTxWarp prst="textNoShape">
+              <a:avLst/>
+            </a:prstTxWarp>
+            <a:noAutofit/>
+          </a:bodyPr>
+          <a:lstStyle/>
+          <a:p>
+            <a:pPr marL="0" marR="0" lvl="0" indent="0" algn="ctr" defTabSz="932472" eaLnBrk="1" fontAlgn="base" latinLnBrk="0" hangingPunct="1">
+              <a:lnSpc>
+                <a:spcPct val="90000"/>
+              </a:lnSpc>
+              <a:spcBef>
+                <a:spcPct val="0"/>
+              </a:spcBef>
+              <a:spcAft>
+                <a:spcPct val="0"/>
+              </a:spcAft>
+              <a:buClrTx/>
+              <a:buSzTx/>
+              <a:buFontTx/>
+              <a:buNone/>
+              <a:tabLst/>
+              <a:defRPr/>
+            </a:pPr>
+            <a:r>
+              <a:rPr kumimoji="0" lang="en-US" sz="2400" b="0" i="0" u="none" strike="noStrike" kern="0" cap="none" spc="0" normalizeH="0" baseline="0" noProof="0" dirty="0">
+                <a:ln>
+                  <a:noFill/>
+                </a:ln>
+                <a:gradFill>
+                  <a:gsLst>
+                    <a:gs pos="0">
+                      <a:srgbClr val="FFFFFF"/>
+                    </a:gs>
+                    <a:gs pos="100000">
+                      <a:srgbClr val="FFFFFF"/>
+                    </a:gs>
+                  </a:gsLst>
+                  <a:lin ang="5400000" scaled="0"/>
+                </a:gradFill>
+                <a:effectLst/>
+                <a:uLnTx/>
+                <a:uFillTx/>
+                <a:latin typeface="Calibri" panose="020F0502020204030204"/>
+                <a:ea typeface="Segoe UI" pitchFamily="34" charset="0"/>
+                <a:cs typeface="Segoe UI" pitchFamily="34" charset="0"/>
+              </a:rPr>
+              <a:t>7</a:t>
+            </a:r>
+          </a:p>
+        </p:txBody>
+      </p:sp>
+      <p:sp>
+        <p:nvSpPr>
+          <p:cNvPr id="89" name="Rectangle 88">
+            <a:extLst>
+              <a:ext uri="{FF2B5EF4-FFF2-40B4-BE49-F238E27FC236}">
+                <a16:creationId xmlns:a16="http://schemas.microsoft.com/office/drawing/2014/main" id="{12ECADBA-0392-6C44-BD72-1F8CD96A84E6}"/>
+              </a:ext>
+            </a:extLst>
+          </p:cNvPr>
+          <p:cNvSpPr/>
+          <p:nvPr/>
+        </p:nvSpPr>
+        <p:spPr>
+          <a:xfrm>
+            <a:off x="6520728" y="860808"/>
+            <a:ext cx="5252538" cy="4700159"/>
+          </a:xfrm>
+          <a:prstGeom prst="rect">
+            <a:avLst/>
+          </a:prstGeom>
+          <a:solidFill>
+            <a:sysClr val="window" lastClr="FFFFFF"/>
+          </a:solidFill>
+          <a:ln w="12700" cap="flat" cmpd="sng" algn="ctr">
+            <a:solidFill>
+              <a:srgbClr val="00B0F0"/>
+            </a:solidFill>
+            <a:prstDash val="dash"/>
+            <a:miter lim="800000"/>
+          </a:ln>
+          <a:effectLst/>
+        </p:spPr>
+        <p:txBody>
+          <a:bodyPr rtlCol="0" anchor="ctr"/>
+          <a:lstStyle/>
+          <a:p>
+            <a:pPr marL="0" marR="0" lvl="0" indent="0" algn="ctr" defTabSz="914400" eaLnBrk="1" fontAlgn="auto" latinLnBrk="0" hangingPunct="1">
+              <a:lnSpc>
+                <a:spcPct val="100000"/>
+              </a:lnSpc>
+              <a:spcBef>
+                <a:spcPts val="0"/>
+              </a:spcBef>
+              <a:spcAft>
+                <a:spcPts val="0"/>
+              </a:spcAft>
+              <a:buClrTx/>
+              <a:buSzTx/>
+              <a:buFontTx/>
+              <a:buNone/>
+              <a:tabLst/>
+              <a:defRPr/>
+            </a:pPr>
+            <a:endParaRPr kumimoji="0" lang="en-US" sz="1800" b="0" i="0" u="none" strike="noStrike" kern="0" cap="none" spc="0" normalizeH="0" baseline="0" noProof="0" dirty="0">
+              <a:ln>
+                <a:noFill/>
+              </a:ln>
+              <a:solidFill>
+                <a:prstClr val="white"/>
+              </a:solidFill>
+              <a:effectLst/>
+              <a:uLnTx/>
+              <a:uFillTx/>
+              <a:latin typeface="Calibri" panose="020F0502020204030204"/>
+              <a:ea typeface="+mn-ea"/>
+              <a:cs typeface="+mn-cs"/>
+            </a:endParaRPr>
+          </a:p>
+        </p:txBody>
+      </p:sp>
+      <p:sp>
+        <p:nvSpPr>
+          <p:cNvPr id="90" name="TextBox 89">
+            <a:extLst>
+              <a:ext uri="{FF2B5EF4-FFF2-40B4-BE49-F238E27FC236}">
+                <a16:creationId xmlns:a16="http://schemas.microsoft.com/office/drawing/2014/main" id="{D64D53E3-CDB2-0B43-9D38-23F8028CC504}"/>
+              </a:ext>
+            </a:extLst>
+          </p:cNvPr>
+          <p:cNvSpPr txBox="1"/>
+          <p:nvPr/>
+        </p:nvSpPr>
+        <p:spPr>
+          <a:xfrm>
+            <a:off x="6340383" y="1425125"/>
+            <a:ext cx="1468812" cy="332399"/>
+          </a:xfrm>
+          <a:prstGeom prst="rect">
+            <a:avLst/>
+          </a:prstGeom>
+          <a:noFill/>
+        </p:spPr>
+        <p:txBody>
+          <a:bodyPr wrap="square" lIns="0" tIns="0" rIns="0" bIns="0" rtlCol="0" anchor="ctr">
+            <a:spAutoFit/>
+          </a:bodyPr>
+          <a:lstStyle/>
+          <a:p>
+            <a:pPr algn="ctr">
+              <a:lnSpc>
+                <a:spcPct val="90000"/>
+              </a:lnSpc>
+              <a:defRPr/>
+            </a:pPr>
+            <a:r>
+              <a:rPr lang="en-US" sz="1200" dirty="0">
+                <a:gradFill>
+                  <a:gsLst>
+                    <a:gs pos="2917">
+                      <a:prstClr val="black"/>
+                    </a:gs>
+                    <a:gs pos="30000">
+                      <a:prstClr val="black"/>
+                    </a:gs>
+                  </a:gsLst>
+                  <a:lin ang="5400000" scaled="0"/>
+                </a:gradFill>
+                <a:latin typeface="Calibri" panose="020F0502020204030204"/>
+              </a:rPr>
+              <a:t>Virtual Network</a:t>
+            </a:r>
+          </a:p>
+          <a:p>
+            <a:pPr algn="ctr">
+              <a:lnSpc>
+                <a:spcPct val="90000"/>
+              </a:lnSpc>
+              <a:defRPr/>
+            </a:pPr>
+            <a:r>
+              <a:rPr lang="en-US" sz="1200" dirty="0">
+                <a:gradFill>
+                  <a:gsLst>
+                    <a:gs pos="2917">
+                      <a:prstClr val="black"/>
+                    </a:gs>
+                    <a:gs pos="30000">
+                      <a:prstClr val="black"/>
+                    </a:gs>
+                  </a:gsLst>
+                  <a:lin ang="5400000" scaled="0"/>
+                </a:gradFill>
+                <a:latin typeface="Calibri" panose="020F0502020204030204"/>
+              </a:rPr>
+              <a:t>East US 2</a:t>
+            </a:r>
+          </a:p>
+        </p:txBody>
+      </p:sp>
+      <p:pic>
+        <p:nvPicPr>
+          <p:cNvPr id="91" name="Picture 90">
+            <a:extLst>
+              <a:ext uri="{FF2B5EF4-FFF2-40B4-BE49-F238E27FC236}">
+                <a16:creationId xmlns:a16="http://schemas.microsoft.com/office/drawing/2014/main" id="{ACD82914-3388-C742-AE34-4D3B5FAD18D1}"/>
+              </a:ext>
+            </a:extLst>
+          </p:cNvPr>
+          <p:cNvPicPr>
+            <a:picLocks noChangeAspect="1"/>
+          </p:cNvPicPr>
+          <p:nvPr/>
+        </p:nvPicPr>
+        <p:blipFill>
+          <a:blip r:embed="rId2" cstate="print">
+            <a:extLst>
+              <a:ext uri="{28A0092B-C50C-407E-A947-70E740481C1C}">
+                <a14:useLocalDpi xmlns:a14="http://schemas.microsoft.com/office/drawing/2010/main" val="0"/>
+              </a:ext>
+            </a:extLst>
+          </a:blip>
+          <a:stretch>
+            <a:fillRect/>
+          </a:stretch>
+        </p:blipFill>
+        <p:spPr>
+          <a:xfrm>
+            <a:off x="6649643" y="905850"/>
+            <a:ext cx="538175" cy="505845"/>
+          </a:xfrm>
+          <a:prstGeom prst="rect">
+            <a:avLst/>
+          </a:prstGeom>
+        </p:spPr>
+      </p:pic>
+      <p:pic>
+        <p:nvPicPr>
+          <p:cNvPr id="92" name="Picture 91" descr="Azure DC2" title="Azure DC2">
+            <a:extLst>
+              <a:ext uri="{FF2B5EF4-FFF2-40B4-BE49-F238E27FC236}">
+                <a16:creationId xmlns:a16="http://schemas.microsoft.com/office/drawing/2014/main" id="{AAACBEC0-ADF2-FB43-ABC0-410214F7D649}"/>
+              </a:ext>
+            </a:extLst>
+          </p:cNvPr>
+          <p:cNvPicPr>
+            <a:picLocks noChangeAspect="1"/>
+          </p:cNvPicPr>
+          <p:nvPr/>
+        </p:nvPicPr>
+        <p:blipFill>
+          <a:blip r:embed="rId3" cstate="print">
+            <a:extLst>
+              <a:ext uri="{28A0092B-C50C-407E-A947-70E740481C1C}">
+                <a14:useLocalDpi xmlns:a14="http://schemas.microsoft.com/office/drawing/2010/main" val="0"/>
+              </a:ext>
+            </a:extLst>
+          </a:blip>
+          <a:stretch>
+            <a:fillRect/>
+          </a:stretch>
+        </p:blipFill>
+        <p:spPr>
+          <a:xfrm>
+            <a:off x="7376892" y="3391902"/>
+            <a:ext cx="719446" cy="719446"/>
+          </a:xfrm>
+          <a:prstGeom prst="rect">
+            <a:avLst/>
+          </a:prstGeom>
+        </p:spPr>
+      </p:pic>
+      <p:pic>
+        <p:nvPicPr>
+          <p:cNvPr id="93" name="Picture 92" descr="Azure DC2" title="Azure DC2">
+            <a:extLst>
+              <a:ext uri="{FF2B5EF4-FFF2-40B4-BE49-F238E27FC236}">
+                <a16:creationId xmlns:a16="http://schemas.microsoft.com/office/drawing/2014/main" id="{B8F39F2F-05CA-4149-83A8-1C8AB68A1496}"/>
+              </a:ext>
+            </a:extLst>
+          </p:cNvPr>
+          <p:cNvPicPr>
+            <a:picLocks noChangeAspect="1"/>
+          </p:cNvPicPr>
+          <p:nvPr/>
+        </p:nvPicPr>
+        <p:blipFill>
+          <a:blip r:embed="rId3" cstate="print">
+            <a:extLst>
+              <a:ext uri="{28A0092B-C50C-407E-A947-70E740481C1C}">
+                <a14:useLocalDpi xmlns:a14="http://schemas.microsoft.com/office/drawing/2010/main" val="0"/>
+              </a:ext>
+            </a:extLst>
+          </a:blip>
+          <a:stretch>
+            <a:fillRect/>
+          </a:stretch>
+        </p:blipFill>
+        <p:spPr>
+          <a:xfrm>
+            <a:off x="8433809" y="3391902"/>
+            <a:ext cx="719446" cy="719446"/>
+          </a:xfrm>
+          <a:prstGeom prst="rect">
+            <a:avLst/>
+          </a:prstGeom>
+        </p:spPr>
+      </p:pic>
+      <p:sp>
+        <p:nvSpPr>
+          <p:cNvPr id="94" name="Right Bracket 93">
+            <a:extLst>
+              <a:ext uri="{FF2B5EF4-FFF2-40B4-BE49-F238E27FC236}">
+                <a16:creationId xmlns:a16="http://schemas.microsoft.com/office/drawing/2014/main" id="{DDC6032D-60EC-8A4A-8076-71A603E97C90}"/>
+              </a:ext>
+            </a:extLst>
+          </p:cNvPr>
+          <p:cNvSpPr/>
+          <p:nvPr/>
+        </p:nvSpPr>
+        <p:spPr>
+          <a:xfrm rot="16200000">
+            <a:off x="8194394" y="2889310"/>
+            <a:ext cx="99724" cy="1023109"/>
+          </a:xfrm>
+          <a:prstGeom prst="rightBracket">
+            <a:avLst/>
+          </a:prstGeom>
+          <a:noFill/>
+          <a:ln w="6350" cap="flat" cmpd="sng" algn="ctr">
+            <a:solidFill>
+              <a:srgbClr val="5B9BD5"/>
+            </a:solidFill>
+            <a:prstDash val="solid"/>
+            <a:miter lim="800000"/>
+          </a:ln>
+          <a:effectLst/>
+        </p:spPr>
+        <p:txBody>
+          <a:bodyPr rtlCol="0" anchor="ctr"/>
+          <a:lstStyle/>
+          <a:p>
+            <a:pPr marL="0" marR="0" lvl="0" indent="0" algn="ctr" defTabSz="914400" eaLnBrk="1" fontAlgn="auto" latinLnBrk="0" hangingPunct="1">
+              <a:lnSpc>
+                <a:spcPct val="100000"/>
+              </a:lnSpc>
+              <a:spcBef>
+                <a:spcPts val="0"/>
+              </a:spcBef>
+              <a:spcAft>
+                <a:spcPts val="0"/>
+              </a:spcAft>
+              <a:buClrTx/>
+              <a:buSzTx/>
+              <a:buFontTx/>
+              <a:buNone/>
+              <a:tabLst/>
+              <a:defRPr/>
+            </a:pPr>
+            <a:endParaRPr kumimoji="0" lang="en-US" sz="1800" b="0" i="0" u="none" strike="noStrike" kern="0" cap="none" spc="0" normalizeH="0" baseline="0" noProof="0" dirty="0">
+              <a:ln>
+                <a:noFill/>
+              </a:ln>
+              <a:solidFill>
+                <a:prstClr val="black"/>
+              </a:solidFill>
+              <a:effectLst/>
+              <a:uLnTx/>
+              <a:uFillTx/>
+              <a:latin typeface="Calibri" panose="020F0502020204030204"/>
+              <a:ea typeface="+mn-ea"/>
+              <a:cs typeface="+mn-cs"/>
+            </a:endParaRPr>
+          </a:p>
+        </p:txBody>
+      </p:sp>
+      <p:sp>
+        <p:nvSpPr>
+          <p:cNvPr id="95" name="TextBox 94">
+            <a:extLst>
+              <a:ext uri="{FF2B5EF4-FFF2-40B4-BE49-F238E27FC236}">
+                <a16:creationId xmlns:a16="http://schemas.microsoft.com/office/drawing/2014/main" id="{471815BB-8C6C-014A-BA3F-8FB8E0BD1919}"/>
+              </a:ext>
+            </a:extLst>
+          </p:cNvPr>
+          <p:cNvSpPr txBox="1"/>
+          <p:nvPr/>
+        </p:nvSpPr>
+        <p:spPr>
+          <a:xfrm>
+            <a:off x="7494054" y="3130147"/>
+            <a:ext cx="1468812" cy="166199"/>
+          </a:xfrm>
+          <a:prstGeom prst="rect">
+            <a:avLst/>
+          </a:prstGeom>
+          <a:noFill/>
+        </p:spPr>
+        <p:txBody>
+          <a:bodyPr wrap="square" lIns="0" tIns="0" rIns="0" bIns="0" rtlCol="0" anchor="ctr">
+            <a:spAutoFit/>
+          </a:bodyPr>
+          <a:lstStyle/>
+          <a:p>
+            <a:pPr algn="ctr">
+              <a:lnSpc>
+                <a:spcPct val="90000"/>
+              </a:lnSpc>
+              <a:defRPr/>
+            </a:pPr>
+            <a:r>
+              <a:rPr lang="en-US" sz="1200" dirty="0">
+                <a:gradFill>
+                  <a:gsLst>
+                    <a:gs pos="2917">
+                      <a:prstClr val="black"/>
+                    </a:gs>
+                    <a:gs pos="30000">
+                      <a:prstClr val="black"/>
+                    </a:gs>
+                  </a:gsLst>
+                  <a:lin ang="5400000" scaled="0"/>
+                </a:gradFill>
+                <a:latin typeface="Calibri" panose="020F0502020204030204"/>
+              </a:rPr>
+              <a:t>Availability Set</a:t>
+            </a:r>
+          </a:p>
+        </p:txBody>
+      </p:sp>
+      <p:sp>
+        <p:nvSpPr>
+          <p:cNvPr id="96" name="TextBox 95">
+            <a:extLst>
+              <a:ext uri="{FF2B5EF4-FFF2-40B4-BE49-F238E27FC236}">
+                <a16:creationId xmlns:a16="http://schemas.microsoft.com/office/drawing/2014/main" id="{2F3816A2-D99F-1148-9936-2BFF3B0E384E}"/>
+              </a:ext>
+            </a:extLst>
+          </p:cNvPr>
+          <p:cNvSpPr txBox="1"/>
+          <p:nvPr/>
+        </p:nvSpPr>
+        <p:spPr>
+          <a:xfrm>
+            <a:off x="7323888" y="4244489"/>
+            <a:ext cx="766531" cy="166199"/>
+          </a:xfrm>
+          <a:prstGeom prst="rect">
+            <a:avLst/>
+          </a:prstGeom>
+          <a:noFill/>
+        </p:spPr>
+        <p:txBody>
+          <a:bodyPr wrap="square" lIns="0" tIns="0" rIns="0" bIns="0" rtlCol="0" anchor="ctr">
+            <a:spAutoFit/>
+          </a:bodyPr>
+          <a:lstStyle/>
+          <a:p>
+            <a:pPr algn="ctr">
+              <a:lnSpc>
+                <a:spcPct val="90000"/>
+              </a:lnSpc>
+              <a:defRPr/>
+            </a:pPr>
+            <a:r>
+              <a:rPr lang="en-US" sz="1200" dirty="0">
+                <a:gradFill>
+                  <a:gsLst>
+                    <a:gs pos="2917">
+                      <a:prstClr val="black"/>
+                    </a:gs>
+                    <a:gs pos="30000">
+                      <a:prstClr val="black"/>
+                    </a:gs>
+                  </a:gsLst>
+                  <a:lin ang="5400000" scaled="0"/>
+                </a:gradFill>
+                <a:latin typeface="Calibri" panose="020F0502020204030204"/>
+              </a:rPr>
+              <a:t>SQLVM-0</a:t>
+            </a:r>
+          </a:p>
+        </p:txBody>
+      </p:sp>
+      <p:sp>
+        <p:nvSpPr>
+          <p:cNvPr id="97" name="TextBox 96">
+            <a:extLst>
+              <a:ext uri="{FF2B5EF4-FFF2-40B4-BE49-F238E27FC236}">
+                <a16:creationId xmlns:a16="http://schemas.microsoft.com/office/drawing/2014/main" id="{DAA5BFEB-DF9B-784A-BF71-EEF5F5EED185}"/>
+              </a:ext>
+            </a:extLst>
+          </p:cNvPr>
+          <p:cNvSpPr txBox="1"/>
+          <p:nvPr/>
+        </p:nvSpPr>
+        <p:spPr>
+          <a:xfrm>
+            <a:off x="8386724" y="4247181"/>
+            <a:ext cx="766531" cy="166199"/>
+          </a:xfrm>
+          <a:prstGeom prst="rect">
+            <a:avLst/>
+          </a:prstGeom>
+          <a:noFill/>
+        </p:spPr>
+        <p:txBody>
+          <a:bodyPr wrap="square" lIns="0" tIns="0" rIns="0" bIns="0" rtlCol="0" anchor="ctr">
+            <a:spAutoFit/>
+          </a:bodyPr>
+          <a:lstStyle/>
+          <a:p>
+            <a:pPr algn="ctr">
+              <a:lnSpc>
+                <a:spcPct val="90000"/>
+              </a:lnSpc>
+              <a:defRPr/>
+            </a:pPr>
+            <a:r>
+              <a:rPr lang="en-US" sz="1200" dirty="0">
+                <a:gradFill>
+                  <a:gsLst>
+                    <a:gs pos="2917">
+                      <a:prstClr val="black"/>
+                    </a:gs>
+                    <a:gs pos="30000">
+                      <a:prstClr val="black"/>
+                    </a:gs>
+                  </a:gsLst>
+                  <a:lin ang="5400000" scaled="0"/>
+                </a:gradFill>
+                <a:latin typeface="Calibri" panose="020F0502020204030204"/>
+              </a:rPr>
+              <a:t>SQLVM-1</a:t>
+            </a:r>
+          </a:p>
+        </p:txBody>
+      </p:sp>
+      <p:sp>
+        <p:nvSpPr>
+          <p:cNvPr id="98" name="TextBox 97">
+            <a:extLst>
+              <a:ext uri="{FF2B5EF4-FFF2-40B4-BE49-F238E27FC236}">
+                <a16:creationId xmlns:a16="http://schemas.microsoft.com/office/drawing/2014/main" id="{79EA3E68-2A72-5F4B-A8B4-62B6D00289B4}"/>
+              </a:ext>
+            </a:extLst>
+          </p:cNvPr>
+          <p:cNvSpPr txBox="1"/>
+          <p:nvPr/>
+        </p:nvSpPr>
+        <p:spPr>
+          <a:xfrm>
+            <a:off x="11405146" y="983134"/>
+            <a:ext cx="281961" cy="145424"/>
+          </a:xfrm>
+          <a:prstGeom prst="rect">
+            <a:avLst/>
+          </a:prstGeom>
+          <a:noFill/>
+          <a:ln>
+            <a:solidFill>
+              <a:sysClr val="windowText" lastClr="000000"/>
+            </a:solidFill>
+          </a:ln>
+        </p:spPr>
+        <p:txBody>
+          <a:bodyPr wrap="square" lIns="0" tIns="0" rIns="0" bIns="0" rtlCol="0" anchor="ctr">
+            <a:spAutoFit/>
+          </a:bodyPr>
+          <a:lstStyle/>
+          <a:p>
+            <a:pPr marL="0" marR="0" lvl="0" indent="0" algn="ctr" defTabSz="914400" eaLnBrk="1" fontAlgn="auto" latinLnBrk="0" hangingPunct="1">
+              <a:lnSpc>
+                <a:spcPct val="90000"/>
+              </a:lnSpc>
+              <a:spcBef>
+                <a:spcPts val="0"/>
+              </a:spcBef>
+              <a:spcAft>
+                <a:spcPts val="0"/>
+              </a:spcAft>
+              <a:buClrTx/>
+              <a:buSzTx/>
+              <a:buFontTx/>
+              <a:buNone/>
+              <a:tabLst/>
+              <a:defRPr/>
+            </a:pPr>
+            <a:r>
+              <a:rPr kumimoji="0" lang="en-US" sz="1050" b="0" i="0" u="none" strike="noStrike" kern="0" cap="none" spc="0" normalizeH="0" baseline="0" noProof="0" dirty="0">
+                <a:ln>
+                  <a:noFill/>
+                </a:ln>
+                <a:gradFill>
+                  <a:gsLst>
+                    <a:gs pos="2917">
+                      <a:prstClr val="black"/>
+                    </a:gs>
+                    <a:gs pos="30000">
+                      <a:prstClr val="black"/>
+                    </a:gs>
+                  </a:gsLst>
+                  <a:lin ang="5400000" scaled="0"/>
+                </a:gradFill>
+                <a:effectLst/>
+                <a:uLnTx/>
+                <a:uFillTx/>
+                <a:latin typeface="Calibri" panose="020F0502020204030204"/>
+              </a:rPr>
+              <a:t>NSG</a:t>
+            </a:r>
+          </a:p>
+        </p:txBody>
+      </p:sp>
+      <p:sp>
+        <p:nvSpPr>
+          <p:cNvPr id="99" name="TextBox 98">
+            <a:extLst>
+              <a:ext uri="{FF2B5EF4-FFF2-40B4-BE49-F238E27FC236}">
+                <a16:creationId xmlns:a16="http://schemas.microsoft.com/office/drawing/2014/main" id="{DEB1D451-2A2C-204F-8EC2-F23CB809A839}"/>
+              </a:ext>
+            </a:extLst>
+          </p:cNvPr>
+          <p:cNvSpPr txBox="1"/>
+          <p:nvPr/>
+        </p:nvSpPr>
+        <p:spPr>
+          <a:xfrm>
+            <a:off x="7758190" y="5208749"/>
+            <a:ext cx="1032541" cy="332399"/>
+          </a:xfrm>
+          <a:prstGeom prst="rect">
+            <a:avLst/>
+          </a:prstGeom>
+          <a:noFill/>
+        </p:spPr>
+        <p:txBody>
+          <a:bodyPr wrap="square" lIns="0" tIns="0" rIns="0" bIns="0" rtlCol="0" anchor="ctr">
+            <a:spAutoFit/>
+          </a:bodyPr>
+          <a:lstStyle/>
+          <a:p>
+            <a:pPr algn="ctr">
+              <a:lnSpc>
+                <a:spcPct val="90000"/>
+              </a:lnSpc>
+              <a:defRPr/>
+            </a:pPr>
+            <a:r>
+              <a:rPr lang="en-US" sz="1200" dirty="0">
+                <a:gradFill>
+                  <a:gsLst>
+                    <a:gs pos="2917">
+                      <a:prstClr val="black"/>
+                    </a:gs>
+                    <a:gs pos="30000">
+                      <a:prstClr val="black"/>
+                    </a:gs>
+                  </a:gsLst>
+                  <a:lin ang="5400000" scaled="0"/>
+                </a:gradFill>
+                <a:latin typeface="Calibri" panose="020F0502020204030204"/>
+              </a:rPr>
+              <a:t>Cloud Storage as Witness</a:t>
+            </a:r>
+          </a:p>
+        </p:txBody>
+      </p:sp>
+      <p:pic>
+        <p:nvPicPr>
+          <p:cNvPr id="100" name="Picture 99">
+            <a:extLst>
+              <a:ext uri="{FF2B5EF4-FFF2-40B4-BE49-F238E27FC236}">
+                <a16:creationId xmlns:a16="http://schemas.microsoft.com/office/drawing/2014/main" id="{546AE455-DB0B-CA47-A764-5096A090FF32}"/>
+              </a:ext>
+            </a:extLst>
+          </p:cNvPr>
+          <p:cNvPicPr>
+            <a:picLocks noChangeAspect="1"/>
+          </p:cNvPicPr>
+          <p:nvPr/>
+        </p:nvPicPr>
+        <p:blipFill>
+          <a:blip r:embed="rId4" cstate="print">
+            <a:extLst>
+              <a:ext uri="{28A0092B-C50C-407E-A947-70E740481C1C}">
+                <a14:useLocalDpi xmlns:a14="http://schemas.microsoft.com/office/drawing/2010/main" val="0"/>
+              </a:ext>
+            </a:extLst>
+          </a:blip>
+          <a:stretch>
+            <a:fillRect/>
+          </a:stretch>
+        </p:blipFill>
+        <p:spPr>
+          <a:xfrm>
+            <a:off x="7930199" y="2468111"/>
+            <a:ext cx="596522" cy="596522"/>
+          </a:xfrm>
+          <a:prstGeom prst="rect">
+            <a:avLst/>
+          </a:prstGeom>
+        </p:spPr>
+      </p:pic>
+      <p:pic>
+        <p:nvPicPr>
+          <p:cNvPr id="101" name="Picture 100">
+            <a:extLst>
+              <a:ext uri="{FF2B5EF4-FFF2-40B4-BE49-F238E27FC236}">
+                <a16:creationId xmlns:a16="http://schemas.microsoft.com/office/drawing/2014/main" id="{76E5147F-7BCD-A74E-9D04-7485BE359A78}"/>
+              </a:ext>
+            </a:extLst>
+          </p:cNvPr>
+          <p:cNvPicPr>
+            <a:picLocks noChangeAspect="1"/>
+          </p:cNvPicPr>
+          <p:nvPr/>
+        </p:nvPicPr>
+        <p:blipFill>
+          <a:blip r:embed="rId4" cstate="print">
+            <a:extLst>
+              <a:ext uri="{28A0092B-C50C-407E-A947-70E740481C1C}">
+                <a14:useLocalDpi xmlns:a14="http://schemas.microsoft.com/office/drawing/2010/main" val="0"/>
+              </a:ext>
+            </a:extLst>
+          </a:blip>
+          <a:stretch>
+            <a:fillRect/>
+          </a:stretch>
+        </p:blipFill>
+        <p:spPr>
+          <a:xfrm>
+            <a:off x="7901079" y="856821"/>
+            <a:ext cx="596522" cy="596522"/>
+          </a:xfrm>
+          <a:prstGeom prst="rect">
+            <a:avLst/>
+          </a:prstGeom>
+        </p:spPr>
+      </p:pic>
+      <p:sp>
+        <p:nvSpPr>
+          <p:cNvPr id="102" name="TextBox 101">
+            <a:extLst>
+              <a:ext uri="{FF2B5EF4-FFF2-40B4-BE49-F238E27FC236}">
+                <a16:creationId xmlns:a16="http://schemas.microsoft.com/office/drawing/2014/main" id="{626DB074-390A-9342-9B28-EC6D7489E20B}"/>
+              </a:ext>
+            </a:extLst>
+          </p:cNvPr>
+          <p:cNvSpPr txBox="1"/>
+          <p:nvPr/>
+        </p:nvSpPr>
+        <p:spPr>
+          <a:xfrm>
+            <a:off x="8412591" y="2588786"/>
+            <a:ext cx="1194457" cy="332399"/>
+          </a:xfrm>
+          <a:prstGeom prst="rect">
+            <a:avLst/>
+          </a:prstGeom>
+          <a:noFill/>
+        </p:spPr>
+        <p:txBody>
+          <a:bodyPr wrap="square" lIns="0" tIns="0" rIns="0" bIns="0" rtlCol="0" anchor="ctr">
+            <a:spAutoFit/>
+          </a:bodyPr>
+          <a:lstStyle/>
+          <a:p>
+            <a:pPr algn="ctr">
+              <a:lnSpc>
+                <a:spcPct val="90000"/>
+              </a:lnSpc>
+              <a:defRPr/>
+            </a:pPr>
+            <a:r>
+              <a:rPr lang="en-US" sz="1200" dirty="0">
+                <a:gradFill>
+                  <a:gsLst>
+                    <a:gs pos="2917">
+                      <a:prstClr val="black"/>
+                    </a:gs>
+                    <a:gs pos="30000">
+                      <a:prstClr val="black"/>
+                    </a:gs>
+                  </a:gsLst>
+                  <a:lin ang="5400000" scaled="0"/>
+                </a:gradFill>
+                <a:latin typeface="Calibri" panose="020F0502020204030204"/>
+              </a:rPr>
+              <a:t>Internal Load Balancer SQL</a:t>
+            </a:r>
+          </a:p>
+        </p:txBody>
+      </p:sp>
+      <p:sp>
+        <p:nvSpPr>
+          <p:cNvPr id="103" name="TextBox 102">
+            <a:extLst>
+              <a:ext uri="{FF2B5EF4-FFF2-40B4-BE49-F238E27FC236}">
+                <a16:creationId xmlns:a16="http://schemas.microsoft.com/office/drawing/2014/main" id="{B8834DD4-CE93-4A41-B47E-B553BAC01AE2}"/>
+              </a:ext>
+            </a:extLst>
+          </p:cNvPr>
+          <p:cNvSpPr txBox="1"/>
+          <p:nvPr/>
+        </p:nvSpPr>
+        <p:spPr>
+          <a:xfrm>
+            <a:off x="8517164" y="1027198"/>
+            <a:ext cx="1699043" cy="332399"/>
+          </a:xfrm>
+          <a:prstGeom prst="rect">
+            <a:avLst/>
+          </a:prstGeom>
+          <a:noFill/>
+        </p:spPr>
+        <p:txBody>
+          <a:bodyPr wrap="square" lIns="0" tIns="0" rIns="0" bIns="0" rtlCol="0" anchor="ctr">
+            <a:spAutoFit/>
+          </a:bodyPr>
+          <a:lstStyle/>
+          <a:p>
+            <a:pPr algn="ctr">
+              <a:lnSpc>
+                <a:spcPct val="90000"/>
+              </a:lnSpc>
+              <a:defRPr/>
+            </a:pPr>
+            <a:r>
+              <a:rPr lang="en-US" sz="1200" dirty="0">
+                <a:gradFill>
+                  <a:gsLst>
+                    <a:gs pos="2917">
+                      <a:prstClr val="black"/>
+                    </a:gs>
+                    <a:gs pos="30000">
+                      <a:prstClr val="black"/>
+                    </a:gs>
+                  </a:gsLst>
+                  <a:lin ang="5400000" scaled="0"/>
+                </a:gradFill>
+                <a:latin typeface="Calibri" panose="020F0502020204030204"/>
+              </a:rPr>
+              <a:t>External Load Balancer Web (HTTP Health Probe)</a:t>
+            </a:r>
+          </a:p>
+        </p:txBody>
+      </p:sp>
+      <p:cxnSp>
+        <p:nvCxnSpPr>
+          <p:cNvPr id="104" name="Straight Connector 103">
+            <a:extLst>
+              <a:ext uri="{FF2B5EF4-FFF2-40B4-BE49-F238E27FC236}">
+                <a16:creationId xmlns:a16="http://schemas.microsoft.com/office/drawing/2014/main" id="{2DAB08E3-3A74-8C46-882A-B09A721C83A8}"/>
+              </a:ext>
+            </a:extLst>
+          </p:cNvPr>
+          <p:cNvCxnSpPr>
+            <a:cxnSpLocks/>
+            <a:stCxn id="101" idx="2"/>
+          </p:cNvCxnSpPr>
+          <p:nvPr/>
+        </p:nvCxnSpPr>
+        <p:spPr>
+          <a:xfrm flipH="1">
+            <a:off x="7901079" y="1453343"/>
+            <a:ext cx="298261" cy="304181"/>
+          </a:xfrm>
+          <a:prstGeom prst="line">
+            <a:avLst/>
+          </a:prstGeom>
+          <a:noFill/>
+          <a:ln w="6350" cap="flat" cmpd="sng" algn="ctr">
+            <a:solidFill>
+              <a:srgbClr val="5B9BD5"/>
+            </a:solidFill>
+            <a:prstDash val="solid"/>
+            <a:miter lim="800000"/>
+          </a:ln>
+          <a:effectLst/>
+        </p:spPr>
+      </p:cxnSp>
+      <p:cxnSp>
+        <p:nvCxnSpPr>
+          <p:cNvPr id="105" name="Straight Connector 104">
+            <a:extLst>
+              <a:ext uri="{FF2B5EF4-FFF2-40B4-BE49-F238E27FC236}">
+                <a16:creationId xmlns:a16="http://schemas.microsoft.com/office/drawing/2014/main" id="{19707B97-BC82-EC4E-9E41-3D33B8178EA4}"/>
+              </a:ext>
+            </a:extLst>
+          </p:cNvPr>
+          <p:cNvCxnSpPr>
+            <a:cxnSpLocks/>
+          </p:cNvCxnSpPr>
+          <p:nvPr/>
+        </p:nvCxnSpPr>
+        <p:spPr>
+          <a:xfrm>
+            <a:off x="7809195" y="2332086"/>
+            <a:ext cx="241014" cy="220234"/>
+          </a:xfrm>
+          <a:prstGeom prst="line">
+            <a:avLst/>
+          </a:prstGeom>
+          <a:noFill/>
+          <a:ln w="6350" cap="flat" cmpd="sng" algn="ctr">
+            <a:solidFill>
+              <a:srgbClr val="5B9BD5"/>
+            </a:solidFill>
+            <a:prstDash val="solid"/>
+            <a:miter lim="800000"/>
+          </a:ln>
+          <a:effectLst/>
+        </p:spPr>
+      </p:cxnSp>
+      <p:sp>
+        <p:nvSpPr>
+          <p:cNvPr id="106" name="TextBox 105">
+            <a:extLst>
+              <a:ext uri="{FF2B5EF4-FFF2-40B4-BE49-F238E27FC236}">
+                <a16:creationId xmlns:a16="http://schemas.microsoft.com/office/drawing/2014/main" id="{C949AC49-5068-3F47-969B-5598021FB3E0}"/>
+              </a:ext>
+            </a:extLst>
+          </p:cNvPr>
+          <p:cNvSpPr txBox="1"/>
+          <p:nvPr/>
+        </p:nvSpPr>
+        <p:spPr>
+          <a:xfrm>
+            <a:off x="9244324" y="3460025"/>
+            <a:ext cx="2220271" cy="332399"/>
+          </a:xfrm>
+          <a:prstGeom prst="rect">
+            <a:avLst/>
+          </a:prstGeom>
+          <a:noFill/>
+        </p:spPr>
+        <p:txBody>
+          <a:bodyPr wrap="square" lIns="0" tIns="0" rIns="0" bIns="0" rtlCol="0" anchor="ctr">
+            <a:spAutoFit/>
+          </a:bodyPr>
+          <a:lstStyle/>
+          <a:p>
+            <a:pPr algn="ctr">
+              <a:lnSpc>
+                <a:spcPct val="90000"/>
+              </a:lnSpc>
+              <a:defRPr/>
+            </a:pPr>
+            <a:r>
+              <a:rPr lang="en-US" sz="1200" dirty="0">
+                <a:gradFill>
+                  <a:gsLst>
+                    <a:gs pos="2917">
+                      <a:prstClr val="black"/>
+                    </a:gs>
+                    <a:gs pos="30000">
+                      <a:prstClr val="black"/>
+                    </a:gs>
+                  </a:gsLst>
+                  <a:lin ang="5400000" scaled="0"/>
+                </a:gradFill>
+                <a:latin typeface="Calibri" panose="020F0502020204030204"/>
+              </a:rPr>
+              <a:t>SQL Server Always On – Configured with Cloud Storage as witness</a:t>
+            </a:r>
+          </a:p>
+        </p:txBody>
+      </p:sp>
+      <p:pic>
+        <p:nvPicPr>
+          <p:cNvPr id="107" name="Picture 106">
+            <a:extLst>
+              <a:ext uri="{FF2B5EF4-FFF2-40B4-BE49-F238E27FC236}">
+                <a16:creationId xmlns:a16="http://schemas.microsoft.com/office/drawing/2014/main" id="{E49E2E83-143B-7D4E-BEE7-B3B4414212BD}"/>
+              </a:ext>
+            </a:extLst>
+          </p:cNvPr>
+          <p:cNvPicPr>
+            <a:picLocks noChangeAspect="1"/>
+          </p:cNvPicPr>
+          <p:nvPr/>
+        </p:nvPicPr>
+        <p:blipFill>
+          <a:blip r:embed="rId5" cstate="print">
+            <a:extLst>
+              <a:ext uri="{28A0092B-C50C-407E-A947-70E740481C1C}">
+                <a14:useLocalDpi xmlns:a14="http://schemas.microsoft.com/office/drawing/2010/main" val="0"/>
+              </a:ext>
+            </a:extLst>
+          </a:blip>
+          <a:stretch>
+            <a:fillRect/>
+          </a:stretch>
+        </p:blipFill>
+        <p:spPr>
+          <a:xfrm>
+            <a:off x="9883557" y="4288747"/>
+            <a:ext cx="470903" cy="470903"/>
+          </a:xfrm>
+          <a:prstGeom prst="rect">
+            <a:avLst/>
+          </a:prstGeom>
+        </p:spPr>
+      </p:pic>
+      <p:sp>
+        <p:nvSpPr>
+          <p:cNvPr id="108" name="TextBox 107">
+            <a:extLst>
+              <a:ext uri="{FF2B5EF4-FFF2-40B4-BE49-F238E27FC236}">
+                <a16:creationId xmlns:a16="http://schemas.microsoft.com/office/drawing/2014/main" id="{421D1E5C-BB17-A642-A46E-0313FD46FA4C}"/>
+              </a:ext>
+            </a:extLst>
+          </p:cNvPr>
+          <p:cNvSpPr txBox="1"/>
+          <p:nvPr/>
+        </p:nvSpPr>
+        <p:spPr>
+          <a:xfrm>
+            <a:off x="9602737" y="4734224"/>
+            <a:ext cx="1032541" cy="332399"/>
+          </a:xfrm>
+          <a:prstGeom prst="rect">
+            <a:avLst/>
+          </a:prstGeom>
+          <a:noFill/>
+        </p:spPr>
+        <p:txBody>
+          <a:bodyPr wrap="square" lIns="0" tIns="0" rIns="0" bIns="0" rtlCol="0" anchor="ctr">
+            <a:spAutoFit/>
+          </a:bodyPr>
+          <a:lstStyle/>
+          <a:p>
+            <a:pPr algn="ctr">
+              <a:lnSpc>
+                <a:spcPct val="90000"/>
+              </a:lnSpc>
+              <a:defRPr/>
+            </a:pPr>
+            <a:r>
+              <a:rPr lang="en-US" sz="1200" dirty="0">
+                <a:gradFill>
+                  <a:gsLst>
+                    <a:gs pos="2917">
+                      <a:prstClr val="black"/>
+                    </a:gs>
+                    <a:gs pos="30000">
+                      <a:prstClr val="black"/>
+                    </a:gs>
+                  </a:gsLst>
+                  <a:lin ang="5400000" scaled="0"/>
+                </a:gradFill>
+                <a:latin typeface="Calibri" panose="020F0502020204030204"/>
+              </a:rPr>
+              <a:t>SQL Backup Storage</a:t>
+            </a:r>
+          </a:p>
+        </p:txBody>
+      </p:sp>
+      <p:graphicFrame>
+        <p:nvGraphicFramePr>
+          <p:cNvPr id="109" name="Table 108">
+            <a:extLst>
+              <a:ext uri="{FF2B5EF4-FFF2-40B4-BE49-F238E27FC236}">
+                <a16:creationId xmlns:a16="http://schemas.microsoft.com/office/drawing/2014/main" id="{8DBB6B2C-D69C-BC41-82F4-3B1B962901EB}"/>
+              </a:ext>
+            </a:extLst>
+          </p:cNvPr>
+          <p:cNvGraphicFramePr>
+            <a:graphicFrameLocks noGrp="1"/>
+          </p:cNvGraphicFramePr>
+          <p:nvPr>
+            <p:extLst>
+              <p:ext uri="{D42A27DB-BD31-4B8C-83A1-F6EECF244321}">
+                <p14:modId xmlns:p14="http://schemas.microsoft.com/office/powerpoint/2010/main" val="4267784554"/>
+              </p:ext>
+            </p:extLst>
+          </p:nvPr>
+        </p:nvGraphicFramePr>
+        <p:xfrm>
+          <a:off x="6740129" y="5854669"/>
+          <a:ext cx="5083175" cy="779145"/>
+        </p:xfrm>
+        <a:graphic>
+          <a:graphicData uri="http://schemas.openxmlformats.org/drawingml/2006/table">
+            <a:tbl>
+              <a:tblPr firstRow="1" firstCol="1" bandRow="1"/>
+              <a:tblGrid>
+                <a:gridCol w="854075">
+                  <a:extLst>
+                    <a:ext uri="{9D8B030D-6E8A-4147-A177-3AD203B41FA5}">
+                      <a16:colId xmlns:a16="http://schemas.microsoft.com/office/drawing/2014/main" val="3744367968"/>
+                    </a:ext>
+                  </a:extLst>
+                </a:gridCol>
+                <a:gridCol w="742950">
+                  <a:extLst>
+                    <a:ext uri="{9D8B030D-6E8A-4147-A177-3AD203B41FA5}">
+                      <a16:colId xmlns:a16="http://schemas.microsoft.com/office/drawing/2014/main" val="3160413599"/>
+                    </a:ext>
+                  </a:extLst>
+                </a:gridCol>
+                <a:gridCol w="3486150">
+                  <a:extLst>
+                    <a:ext uri="{9D8B030D-6E8A-4147-A177-3AD203B41FA5}">
+                      <a16:colId xmlns:a16="http://schemas.microsoft.com/office/drawing/2014/main" val="1028924837"/>
+                    </a:ext>
+                  </a:extLst>
+                </a:gridCol>
+              </a:tblGrid>
+              <a:tr h="0">
+                <a:tc>
+                  <a:txBody>
+                    <a:bodyPr/>
+                    <a:lstStyle>
+                      <a:lvl1pPr marL="0" algn="l" defTabSz="914367" rtl="0" eaLnBrk="1" latinLnBrk="0" hangingPunct="1">
+                        <a:defRPr sz="1765" kern="1200">
+                          <a:solidFill>
+                            <a:schemeClr val="tx1"/>
+                          </a:solidFill>
+                          <a:latin typeface="Calibri" panose="020F0502020204030204"/>
+                        </a:defRPr>
+                      </a:lvl1pPr>
+                      <a:lvl2pPr marL="457183" algn="l" defTabSz="914367" rtl="0" eaLnBrk="1" latinLnBrk="0" hangingPunct="1">
+                        <a:defRPr sz="1765" kern="1200">
+                          <a:solidFill>
+                            <a:schemeClr val="tx1"/>
+                          </a:solidFill>
+                          <a:latin typeface="Calibri" panose="020F0502020204030204"/>
+                        </a:defRPr>
+                      </a:lvl2pPr>
+                      <a:lvl3pPr marL="914367" algn="l" defTabSz="914367" rtl="0" eaLnBrk="1" latinLnBrk="0" hangingPunct="1">
+                        <a:defRPr sz="1765" kern="1200">
+                          <a:solidFill>
+                            <a:schemeClr val="tx1"/>
+                          </a:solidFill>
+                          <a:latin typeface="Calibri" panose="020F0502020204030204"/>
+                        </a:defRPr>
+                      </a:lvl3pPr>
+                      <a:lvl4pPr marL="1371550" algn="l" defTabSz="914367" rtl="0" eaLnBrk="1" latinLnBrk="0" hangingPunct="1">
+                        <a:defRPr sz="1765" kern="1200">
+                          <a:solidFill>
+                            <a:schemeClr val="tx1"/>
+                          </a:solidFill>
+                          <a:latin typeface="Calibri" panose="020F0502020204030204"/>
+                        </a:defRPr>
+                      </a:lvl4pPr>
+                      <a:lvl5pPr marL="1828734" algn="l" defTabSz="914367" rtl="0" eaLnBrk="1" latinLnBrk="0" hangingPunct="1">
+                        <a:defRPr sz="1765" kern="1200">
+                          <a:solidFill>
+                            <a:schemeClr val="tx1"/>
+                          </a:solidFill>
+                          <a:latin typeface="Calibri" panose="020F0502020204030204"/>
+                        </a:defRPr>
+                      </a:lvl5pPr>
+                      <a:lvl6pPr marL="2285918" algn="l" defTabSz="914367" rtl="0" eaLnBrk="1" latinLnBrk="0" hangingPunct="1">
+                        <a:defRPr sz="1765" kern="1200">
+                          <a:solidFill>
+                            <a:schemeClr val="tx1"/>
+                          </a:solidFill>
+                          <a:latin typeface="Calibri" panose="020F0502020204030204"/>
+                        </a:defRPr>
+                      </a:lvl6pPr>
+                      <a:lvl7pPr marL="2743101" algn="l" defTabSz="914367" rtl="0" eaLnBrk="1" latinLnBrk="0" hangingPunct="1">
+                        <a:defRPr sz="1765" kern="1200">
+                          <a:solidFill>
+                            <a:schemeClr val="tx1"/>
+                          </a:solidFill>
+                          <a:latin typeface="Calibri" panose="020F0502020204030204"/>
+                        </a:defRPr>
+                      </a:lvl7pPr>
+                      <a:lvl8pPr marL="3200284" algn="l" defTabSz="914367" rtl="0" eaLnBrk="1" latinLnBrk="0" hangingPunct="1">
+                        <a:defRPr sz="1765" kern="1200">
+                          <a:solidFill>
+                            <a:schemeClr val="tx1"/>
+                          </a:solidFill>
+                          <a:latin typeface="Calibri" panose="020F0502020204030204"/>
+                        </a:defRPr>
+                      </a:lvl8pPr>
+                      <a:lvl9pPr marL="3657469" algn="l" defTabSz="914367" rtl="0" eaLnBrk="1" latinLnBrk="0" hangingPunct="1">
+                        <a:defRPr sz="1765" kern="1200">
+                          <a:solidFill>
+                            <a:schemeClr val="tx1"/>
+                          </a:solidFill>
+                          <a:latin typeface="Calibri" panose="020F0502020204030204"/>
+                        </a:defRPr>
+                      </a:lvl9pPr>
+                    </a:lstStyle>
+                    <a:p>
+                      <a:pPr marL="0" marR="0">
+                        <a:lnSpc>
+                          <a:spcPct val="107000"/>
+                        </a:lnSpc>
+                        <a:spcBef>
+                          <a:spcPts val="0"/>
+                        </a:spcBef>
+                        <a:spcAft>
+                          <a:spcPts val="0"/>
+                        </a:spcAft>
+                      </a:pPr>
+                      <a:r>
+                        <a:rPr lang="en-US" sz="1000" b="1" dirty="0">
+                          <a:solidFill>
+                            <a:srgbClr val="FFFFFF"/>
+                          </a:solidFill>
+                          <a:effectLst/>
+                          <a:latin typeface="Segoe UI" panose="020B0502040204020203" pitchFamily="34" charset="0"/>
+                          <a:ea typeface="Segoe UI" panose="020B0502040204020203" pitchFamily="34" charset="0"/>
+                          <a:cs typeface="Segoe UI" panose="020B0502040204020203" pitchFamily="34" charset="0"/>
+                        </a:rPr>
+                        <a:t>Drive</a:t>
+                      </a:r>
+                      <a:endParaRPr lang="en-US" sz="1000" dirty="0">
+                        <a:effectLst/>
+                        <a:latin typeface="Segoe UI" panose="020B0502040204020203" pitchFamily="34" charset="0"/>
+                        <a:ea typeface="Segoe UI" panose="020B0502040204020203" pitchFamily="34" charset="0"/>
+                        <a:cs typeface="Times New Roman" panose="02020603050405020304" pitchFamily="18" charset="0"/>
+                      </a:endParaRPr>
+                    </a:p>
+                  </a:txBody>
+                  <a:tcPr marL="68580" marR="68580" marT="0" marB="0">
+                    <a:lnL w="12700" cap="flat" cmpd="sng" algn="ctr">
+                      <a:solidFill>
+                        <a:srgbClr val="353535"/>
+                      </a:solidFill>
+                      <a:prstDash val="solid"/>
+                      <a:round/>
+                      <a:headEnd type="none" w="med" len="med"/>
+                      <a:tailEnd type="none" w="med" len="med"/>
+                    </a:lnL>
+                    <a:lnR>
+                      <a:noFill/>
+                    </a:lnR>
+                    <a:lnT w="12700" cap="flat" cmpd="sng" algn="ctr">
+                      <a:solidFill>
+                        <a:srgbClr val="353535"/>
+                      </a:solidFill>
+                      <a:prstDash val="solid"/>
+                      <a:round/>
+                      <a:headEnd type="none" w="med" len="med"/>
+                      <a:tailEnd type="none" w="med" len="med"/>
+                    </a:lnT>
+                    <a:lnB w="12700" cap="flat" cmpd="sng" algn="ctr">
+                      <a:solidFill>
+                        <a:srgbClr val="353535"/>
+                      </a:solidFill>
+                      <a:prstDash val="solid"/>
+                      <a:round/>
+                      <a:headEnd type="none" w="med" len="med"/>
+                      <a:tailEnd type="none" w="med" len="med"/>
+                    </a:lnB>
+                    <a:lnTlToBr w="12700" cmpd="sng">
+                      <a:noFill/>
+                      <a:prstDash val="solid"/>
+                    </a:lnTlToBr>
+                    <a:lnBlToTr w="12700" cmpd="sng">
+                      <a:noFill/>
+                      <a:prstDash val="solid"/>
+                    </a:lnBlToTr>
+                    <a:solidFill>
+                      <a:srgbClr val="353535"/>
+                    </a:solidFill>
+                  </a:tcPr>
+                </a:tc>
+                <a:tc>
+                  <a:txBody>
+                    <a:bodyPr/>
+                    <a:lstStyle>
+                      <a:lvl1pPr marL="0" algn="l" defTabSz="914367" rtl="0" eaLnBrk="1" latinLnBrk="0" hangingPunct="1">
+                        <a:defRPr sz="1765" kern="1200">
+                          <a:solidFill>
+                            <a:schemeClr val="tx1"/>
+                          </a:solidFill>
+                          <a:latin typeface="Calibri" panose="020F0502020204030204"/>
+                        </a:defRPr>
+                      </a:lvl1pPr>
+                      <a:lvl2pPr marL="457183" algn="l" defTabSz="914367" rtl="0" eaLnBrk="1" latinLnBrk="0" hangingPunct="1">
+                        <a:defRPr sz="1765" kern="1200">
+                          <a:solidFill>
+                            <a:schemeClr val="tx1"/>
+                          </a:solidFill>
+                          <a:latin typeface="Calibri" panose="020F0502020204030204"/>
+                        </a:defRPr>
+                      </a:lvl2pPr>
+                      <a:lvl3pPr marL="914367" algn="l" defTabSz="914367" rtl="0" eaLnBrk="1" latinLnBrk="0" hangingPunct="1">
+                        <a:defRPr sz="1765" kern="1200">
+                          <a:solidFill>
+                            <a:schemeClr val="tx1"/>
+                          </a:solidFill>
+                          <a:latin typeface="Calibri" panose="020F0502020204030204"/>
+                        </a:defRPr>
+                      </a:lvl3pPr>
+                      <a:lvl4pPr marL="1371550" algn="l" defTabSz="914367" rtl="0" eaLnBrk="1" latinLnBrk="0" hangingPunct="1">
+                        <a:defRPr sz="1765" kern="1200">
+                          <a:solidFill>
+                            <a:schemeClr val="tx1"/>
+                          </a:solidFill>
+                          <a:latin typeface="Calibri" panose="020F0502020204030204"/>
+                        </a:defRPr>
+                      </a:lvl4pPr>
+                      <a:lvl5pPr marL="1828734" algn="l" defTabSz="914367" rtl="0" eaLnBrk="1" latinLnBrk="0" hangingPunct="1">
+                        <a:defRPr sz="1765" kern="1200">
+                          <a:solidFill>
+                            <a:schemeClr val="tx1"/>
+                          </a:solidFill>
+                          <a:latin typeface="Calibri" panose="020F0502020204030204"/>
+                        </a:defRPr>
+                      </a:lvl5pPr>
+                      <a:lvl6pPr marL="2285918" algn="l" defTabSz="914367" rtl="0" eaLnBrk="1" latinLnBrk="0" hangingPunct="1">
+                        <a:defRPr sz="1765" kern="1200">
+                          <a:solidFill>
+                            <a:schemeClr val="tx1"/>
+                          </a:solidFill>
+                          <a:latin typeface="Calibri" panose="020F0502020204030204"/>
+                        </a:defRPr>
+                      </a:lvl6pPr>
+                      <a:lvl7pPr marL="2743101" algn="l" defTabSz="914367" rtl="0" eaLnBrk="1" latinLnBrk="0" hangingPunct="1">
+                        <a:defRPr sz="1765" kern="1200">
+                          <a:solidFill>
+                            <a:schemeClr val="tx1"/>
+                          </a:solidFill>
+                          <a:latin typeface="Calibri" panose="020F0502020204030204"/>
+                        </a:defRPr>
+                      </a:lvl7pPr>
+                      <a:lvl8pPr marL="3200284" algn="l" defTabSz="914367" rtl="0" eaLnBrk="1" latinLnBrk="0" hangingPunct="1">
+                        <a:defRPr sz="1765" kern="1200">
+                          <a:solidFill>
+                            <a:schemeClr val="tx1"/>
+                          </a:solidFill>
+                          <a:latin typeface="Calibri" panose="020F0502020204030204"/>
+                        </a:defRPr>
+                      </a:lvl8pPr>
+                      <a:lvl9pPr marL="3657469" algn="l" defTabSz="914367" rtl="0" eaLnBrk="1" latinLnBrk="0" hangingPunct="1">
+                        <a:defRPr sz="1765" kern="1200">
+                          <a:solidFill>
+                            <a:schemeClr val="tx1"/>
+                          </a:solidFill>
+                          <a:latin typeface="Calibri" panose="020F0502020204030204"/>
+                        </a:defRPr>
+                      </a:lvl9pPr>
+                    </a:lstStyle>
+                    <a:p>
+                      <a:pPr marL="0" marR="0">
+                        <a:lnSpc>
+                          <a:spcPct val="107000"/>
+                        </a:lnSpc>
+                        <a:spcBef>
+                          <a:spcPts val="0"/>
+                        </a:spcBef>
+                        <a:spcAft>
+                          <a:spcPts val="0"/>
+                        </a:spcAft>
+                      </a:pPr>
+                      <a:r>
+                        <a:rPr lang="en-US" sz="1000" b="1" dirty="0">
+                          <a:solidFill>
+                            <a:srgbClr val="FFFFFF"/>
+                          </a:solidFill>
+                          <a:effectLst/>
+                          <a:latin typeface="Segoe UI" panose="020B0502040204020203" pitchFamily="34" charset="0"/>
+                          <a:ea typeface="Segoe UI" panose="020B0502040204020203" pitchFamily="34" charset="0"/>
+                          <a:cs typeface="Segoe UI" panose="020B0502040204020203" pitchFamily="34" charset="0"/>
+                        </a:rPr>
+                        <a:t>Type</a:t>
+                      </a:r>
+                      <a:endParaRPr lang="en-US" sz="1000" dirty="0">
+                        <a:effectLst/>
+                        <a:latin typeface="Segoe UI" panose="020B0502040204020203" pitchFamily="34" charset="0"/>
+                        <a:ea typeface="Segoe UI" panose="020B0502040204020203" pitchFamily="34" charset="0"/>
+                        <a:cs typeface="Times New Roman" panose="02020603050405020304" pitchFamily="18" charset="0"/>
+                      </a:endParaRPr>
+                    </a:p>
+                  </a:txBody>
+                  <a:tcPr marL="68580" marR="68580" marT="0" marB="0">
+                    <a:lnL>
+                      <a:noFill/>
+                    </a:lnL>
+                    <a:lnR>
+                      <a:noFill/>
+                    </a:lnR>
+                    <a:lnT w="12700" cap="flat" cmpd="sng" algn="ctr">
+                      <a:solidFill>
+                        <a:srgbClr val="353535"/>
+                      </a:solidFill>
+                      <a:prstDash val="solid"/>
+                      <a:round/>
+                      <a:headEnd type="none" w="med" len="med"/>
+                      <a:tailEnd type="none" w="med" len="med"/>
+                    </a:lnT>
+                    <a:lnB w="12700" cap="flat" cmpd="sng" algn="ctr">
+                      <a:solidFill>
+                        <a:srgbClr val="353535"/>
+                      </a:solidFill>
+                      <a:prstDash val="solid"/>
+                      <a:round/>
+                      <a:headEnd type="none" w="med" len="med"/>
+                      <a:tailEnd type="none" w="med" len="med"/>
+                    </a:lnB>
+                    <a:lnTlToBr w="12700" cmpd="sng">
+                      <a:noFill/>
+                      <a:prstDash val="solid"/>
+                    </a:lnTlToBr>
+                    <a:lnBlToTr w="12700" cmpd="sng">
+                      <a:noFill/>
+                      <a:prstDash val="solid"/>
+                    </a:lnBlToTr>
+                    <a:solidFill>
+                      <a:srgbClr val="353535"/>
+                    </a:solidFill>
+                  </a:tcPr>
+                </a:tc>
+                <a:tc>
+                  <a:txBody>
+                    <a:bodyPr/>
+                    <a:lstStyle>
+                      <a:lvl1pPr marL="0" algn="l" defTabSz="914367" rtl="0" eaLnBrk="1" latinLnBrk="0" hangingPunct="1">
+                        <a:defRPr sz="1765" kern="1200">
+                          <a:solidFill>
+                            <a:schemeClr val="tx1"/>
+                          </a:solidFill>
+                          <a:latin typeface="Calibri" panose="020F0502020204030204"/>
+                        </a:defRPr>
+                      </a:lvl1pPr>
+                      <a:lvl2pPr marL="457183" algn="l" defTabSz="914367" rtl="0" eaLnBrk="1" latinLnBrk="0" hangingPunct="1">
+                        <a:defRPr sz="1765" kern="1200">
+                          <a:solidFill>
+                            <a:schemeClr val="tx1"/>
+                          </a:solidFill>
+                          <a:latin typeface="Calibri" panose="020F0502020204030204"/>
+                        </a:defRPr>
+                      </a:lvl2pPr>
+                      <a:lvl3pPr marL="914367" algn="l" defTabSz="914367" rtl="0" eaLnBrk="1" latinLnBrk="0" hangingPunct="1">
+                        <a:defRPr sz="1765" kern="1200">
+                          <a:solidFill>
+                            <a:schemeClr val="tx1"/>
+                          </a:solidFill>
+                          <a:latin typeface="Calibri" panose="020F0502020204030204"/>
+                        </a:defRPr>
+                      </a:lvl3pPr>
+                      <a:lvl4pPr marL="1371550" algn="l" defTabSz="914367" rtl="0" eaLnBrk="1" latinLnBrk="0" hangingPunct="1">
+                        <a:defRPr sz="1765" kern="1200">
+                          <a:solidFill>
+                            <a:schemeClr val="tx1"/>
+                          </a:solidFill>
+                          <a:latin typeface="Calibri" panose="020F0502020204030204"/>
+                        </a:defRPr>
+                      </a:lvl4pPr>
+                      <a:lvl5pPr marL="1828734" algn="l" defTabSz="914367" rtl="0" eaLnBrk="1" latinLnBrk="0" hangingPunct="1">
+                        <a:defRPr sz="1765" kern="1200">
+                          <a:solidFill>
+                            <a:schemeClr val="tx1"/>
+                          </a:solidFill>
+                          <a:latin typeface="Calibri" panose="020F0502020204030204"/>
+                        </a:defRPr>
+                      </a:lvl5pPr>
+                      <a:lvl6pPr marL="2285918" algn="l" defTabSz="914367" rtl="0" eaLnBrk="1" latinLnBrk="0" hangingPunct="1">
+                        <a:defRPr sz="1765" kern="1200">
+                          <a:solidFill>
+                            <a:schemeClr val="tx1"/>
+                          </a:solidFill>
+                          <a:latin typeface="Calibri" panose="020F0502020204030204"/>
+                        </a:defRPr>
+                      </a:lvl6pPr>
+                      <a:lvl7pPr marL="2743101" algn="l" defTabSz="914367" rtl="0" eaLnBrk="1" latinLnBrk="0" hangingPunct="1">
+                        <a:defRPr sz="1765" kern="1200">
+                          <a:solidFill>
+                            <a:schemeClr val="tx1"/>
+                          </a:solidFill>
+                          <a:latin typeface="Calibri" panose="020F0502020204030204"/>
+                        </a:defRPr>
+                      </a:lvl7pPr>
+                      <a:lvl8pPr marL="3200284" algn="l" defTabSz="914367" rtl="0" eaLnBrk="1" latinLnBrk="0" hangingPunct="1">
+                        <a:defRPr sz="1765" kern="1200">
+                          <a:solidFill>
+                            <a:schemeClr val="tx1"/>
+                          </a:solidFill>
+                          <a:latin typeface="Calibri" panose="020F0502020204030204"/>
+                        </a:defRPr>
+                      </a:lvl8pPr>
+                      <a:lvl9pPr marL="3657469" algn="l" defTabSz="914367" rtl="0" eaLnBrk="1" latinLnBrk="0" hangingPunct="1">
+                        <a:defRPr sz="1765" kern="1200">
+                          <a:solidFill>
+                            <a:schemeClr val="tx1"/>
+                          </a:solidFill>
+                          <a:latin typeface="Calibri" panose="020F0502020204030204"/>
+                        </a:defRPr>
+                      </a:lvl9pPr>
+                    </a:lstStyle>
+                    <a:p>
+                      <a:pPr marL="0" marR="0">
+                        <a:lnSpc>
+                          <a:spcPct val="107000"/>
+                        </a:lnSpc>
+                        <a:spcBef>
+                          <a:spcPts val="0"/>
+                        </a:spcBef>
+                        <a:spcAft>
+                          <a:spcPts val="0"/>
+                        </a:spcAft>
+                      </a:pPr>
+                      <a:r>
+                        <a:rPr lang="en-US" sz="1000" b="1" dirty="0">
+                          <a:solidFill>
+                            <a:srgbClr val="FFFFFF"/>
+                          </a:solidFill>
+                          <a:effectLst/>
+                          <a:latin typeface="Segoe UI" panose="020B0502040204020203" pitchFamily="34" charset="0"/>
+                          <a:ea typeface="Segoe UI" panose="020B0502040204020203" pitchFamily="34" charset="0"/>
+                          <a:cs typeface="Segoe UI" panose="020B0502040204020203" pitchFamily="34" charset="0"/>
+                        </a:rPr>
+                        <a:t>Purpose</a:t>
+                      </a:r>
+                      <a:endParaRPr lang="en-US" sz="1000" dirty="0">
+                        <a:effectLst/>
+                        <a:latin typeface="Segoe UI" panose="020B0502040204020203" pitchFamily="34" charset="0"/>
+                        <a:ea typeface="Segoe UI" panose="020B0502040204020203" pitchFamily="34" charset="0"/>
+                        <a:cs typeface="Times New Roman" panose="02020603050405020304" pitchFamily="18" charset="0"/>
+                      </a:endParaRPr>
+                    </a:p>
+                  </a:txBody>
+                  <a:tcPr marL="68580" marR="68580" marT="0" marB="0">
+                    <a:lnL>
+                      <a:noFill/>
+                    </a:lnL>
+                    <a:lnR w="12700" cap="flat" cmpd="sng" algn="ctr">
+                      <a:solidFill>
+                        <a:srgbClr val="353535"/>
+                      </a:solidFill>
+                      <a:prstDash val="solid"/>
+                      <a:round/>
+                      <a:headEnd type="none" w="med" len="med"/>
+                      <a:tailEnd type="none" w="med" len="med"/>
+                    </a:lnR>
+                    <a:lnT w="12700" cap="flat" cmpd="sng" algn="ctr">
+                      <a:solidFill>
+                        <a:srgbClr val="353535"/>
+                      </a:solidFill>
+                      <a:prstDash val="solid"/>
+                      <a:round/>
+                      <a:headEnd type="none" w="med" len="med"/>
+                      <a:tailEnd type="none" w="med" len="med"/>
+                    </a:lnT>
+                    <a:lnB w="12700" cap="flat" cmpd="sng" algn="ctr">
+                      <a:solidFill>
+                        <a:srgbClr val="353535"/>
+                      </a:solidFill>
+                      <a:prstDash val="solid"/>
+                      <a:round/>
+                      <a:headEnd type="none" w="med" len="med"/>
+                      <a:tailEnd type="none" w="med" len="med"/>
+                    </a:lnB>
+                    <a:lnTlToBr w="12700" cmpd="sng">
+                      <a:noFill/>
+                      <a:prstDash val="solid"/>
+                    </a:lnTlToBr>
+                    <a:lnBlToTr w="12700" cmpd="sng">
+                      <a:noFill/>
+                      <a:prstDash val="solid"/>
+                    </a:lnBlToTr>
+                    <a:solidFill>
+                      <a:srgbClr val="353535"/>
+                    </a:solidFill>
+                  </a:tcPr>
+                </a:tc>
+                <a:extLst>
+                  <a:ext uri="{0D108BD9-81ED-4DB2-BD59-A6C34878D82A}">
+                    <a16:rowId xmlns:a16="http://schemas.microsoft.com/office/drawing/2014/main" val="934923780"/>
+                  </a:ext>
+                </a:extLst>
+              </a:tr>
+              <a:tr h="0">
+                <a:tc>
+                  <a:txBody>
+                    <a:bodyPr/>
+                    <a:lstStyle>
+                      <a:lvl1pPr marL="0" algn="l" defTabSz="914367" rtl="0" eaLnBrk="1" latinLnBrk="0" hangingPunct="1">
+                        <a:defRPr sz="1765" kern="1200">
+                          <a:solidFill>
+                            <a:schemeClr val="tx1"/>
+                          </a:solidFill>
+                          <a:latin typeface="Calibri" panose="020F0502020204030204"/>
+                        </a:defRPr>
+                      </a:lvl1pPr>
+                      <a:lvl2pPr marL="457183" algn="l" defTabSz="914367" rtl="0" eaLnBrk="1" latinLnBrk="0" hangingPunct="1">
+                        <a:defRPr sz="1765" kern="1200">
+                          <a:solidFill>
+                            <a:schemeClr val="tx1"/>
+                          </a:solidFill>
+                          <a:latin typeface="Calibri" panose="020F0502020204030204"/>
+                        </a:defRPr>
+                      </a:lvl2pPr>
+                      <a:lvl3pPr marL="914367" algn="l" defTabSz="914367" rtl="0" eaLnBrk="1" latinLnBrk="0" hangingPunct="1">
+                        <a:defRPr sz="1765" kern="1200">
+                          <a:solidFill>
+                            <a:schemeClr val="tx1"/>
+                          </a:solidFill>
+                          <a:latin typeface="Calibri" panose="020F0502020204030204"/>
+                        </a:defRPr>
+                      </a:lvl3pPr>
+                      <a:lvl4pPr marL="1371550" algn="l" defTabSz="914367" rtl="0" eaLnBrk="1" latinLnBrk="0" hangingPunct="1">
+                        <a:defRPr sz="1765" kern="1200">
+                          <a:solidFill>
+                            <a:schemeClr val="tx1"/>
+                          </a:solidFill>
+                          <a:latin typeface="Calibri" panose="020F0502020204030204"/>
+                        </a:defRPr>
+                      </a:lvl4pPr>
+                      <a:lvl5pPr marL="1828734" algn="l" defTabSz="914367" rtl="0" eaLnBrk="1" latinLnBrk="0" hangingPunct="1">
+                        <a:defRPr sz="1765" kern="1200">
+                          <a:solidFill>
+                            <a:schemeClr val="tx1"/>
+                          </a:solidFill>
+                          <a:latin typeface="Calibri" panose="020F0502020204030204"/>
+                        </a:defRPr>
+                      </a:lvl5pPr>
+                      <a:lvl6pPr marL="2285918" algn="l" defTabSz="914367" rtl="0" eaLnBrk="1" latinLnBrk="0" hangingPunct="1">
+                        <a:defRPr sz="1765" kern="1200">
+                          <a:solidFill>
+                            <a:schemeClr val="tx1"/>
+                          </a:solidFill>
+                          <a:latin typeface="Calibri" panose="020F0502020204030204"/>
+                        </a:defRPr>
+                      </a:lvl6pPr>
+                      <a:lvl7pPr marL="2743101" algn="l" defTabSz="914367" rtl="0" eaLnBrk="1" latinLnBrk="0" hangingPunct="1">
+                        <a:defRPr sz="1765" kern="1200">
+                          <a:solidFill>
+                            <a:schemeClr val="tx1"/>
+                          </a:solidFill>
+                          <a:latin typeface="Calibri" panose="020F0502020204030204"/>
+                        </a:defRPr>
+                      </a:lvl7pPr>
+                      <a:lvl8pPr marL="3200284" algn="l" defTabSz="914367" rtl="0" eaLnBrk="1" latinLnBrk="0" hangingPunct="1">
+                        <a:defRPr sz="1765" kern="1200">
+                          <a:solidFill>
+                            <a:schemeClr val="tx1"/>
+                          </a:solidFill>
+                          <a:latin typeface="Calibri" panose="020F0502020204030204"/>
+                        </a:defRPr>
+                      </a:lvl8pPr>
+                      <a:lvl9pPr marL="3657469" algn="l" defTabSz="914367" rtl="0" eaLnBrk="1" latinLnBrk="0" hangingPunct="1">
+                        <a:defRPr sz="1765" kern="1200">
+                          <a:solidFill>
+                            <a:schemeClr val="tx1"/>
+                          </a:solidFill>
+                          <a:latin typeface="Calibri" panose="020F0502020204030204"/>
+                        </a:defRPr>
+                      </a:lvl9pPr>
+                    </a:lstStyle>
+                    <a:p>
+                      <a:pPr marL="0" marR="0" algn="ctr">
+                        <a:lnSpc>
+                          <a:spcPct val="107000"/>
+                        </a:lnSpc>
+                        <a:spcBef>
+                          <a:spcPts val="0"/>
+                        </a:spcBef>
+                        <a:spcAft>
+                          <a:spcPts val="0"/>
+                        </a:spcAft>
+                      </a:pPr>
+                      <a:r>
+                        <a:rPr lang="en-US" sz="1000" b="1" dirty="0">
+                          <a:effectLst/>
+                          <a:latin typeface="Segoe UI" panose="020B0502040204020203" pitchFamily="34" charset="0"/>
+                          <a:ea typeface="Segoe UI" panose="020B0502040204020203" pitchFamily="34" charset="0"/>
+                          <a:cs typeface="Segoe UI" panose="020B0502040204020203" pitchFamily="34" charset="0"/>
+                        </a:rPr>
+                        <a:t>C:\</a:t>
+                      </a:r>
+                      <a:endParaRPr lang="en-US" sz="1000" dirty="0">
+                        <a:effectLst/>
+                        <a:latin typeface="Segoe UI" panose="020B0502040204020203" pitchFamily="34" charset="0"/>
+                        <a:ea typeface="Segoe UI" panose="020B0502040204020203" pitchFamily="34" charset="0"/>
+                        <a:cs typeface="Times New Roman" panose="02020603050405020304" pitchFamily="18" charset="0"/>
+                      </a:endParaRPr>
+                    </a:p>
+                  </a:txBody>
+                  <a:tcPr marL="68580" marR="68580" marT="0" marB="0">
+                    <a:lnL w="12700" cap="flat" cmpd="sng" algn="ctr">
+                      <a:solidFill>
+                        <a:srgbClr val="858585"/>
+                      </a:solidFill>
+                      <a:prstDash val="solid"/>
+                      <a:round/>
+                      <a:headEnd type="none" w="med" len="med"/>
+                      <a:tailEnd type="none" w="med" len="med"/>
+                    </a:lnL>
+                    <a:lnR w="12700" cap="flat" cmpd="sng" algn="ctr">
+                      <a:solidFill>
+                        <a:srgbClr val="858585"/>
+                      </a:solidFill>
+                      <a:prstDash val="solid"/>
+                      <a:round/>
+                      <a:headEnd type="none" w="med" len="med"/>
+                      <a:tailEnd type="none" w="med" len="med"/>
+                    </a:lnR>
+                    <a:lnT w="12700" cap="flat" cmpd="sng" algn="ctr">
+                      <a:solidFill>
+                        <a:srgbClr val="353535"/>
+                      </a:solidFill>
+                      <a:prstDash val="solid"/>
+                      <a:round/>
+                      <a:headEnd type="none" w="med" len="med"/>
+                      <a:tailEnd type="none" w="med" len="med"/>
+                    </a:lnT>
+                    <a:lnB w="12700" cap="flat" cmpd="sng" algn="ctr">
+                      <a:solidFill>
+                        <a:srgbClr val="858585"/>
+                      </a:solidFill>
+                      <a:prstDash val="solid"/>
+                      <a:round/>
+                      <a:headEnd type="none" w="med" len="med"/>
+                      <a:tailEnd type="none" w="med" len="med"/>
+                    </a:lnB>
+                    <a:lnTlToBr w="12700" cmpd="sng">
+                      <a:noFill/>
+                      <a:prstDash val="solid"/>
+                    </a:lnTlToBr>
+                    <a:lnBlToTr w="12700" cmpd="sng">
+                      <a:noFill/>
+                      <a:prstDash val="solid"/>
+                    </a:lnBlToTr>
+                    <a:solidFill>
+                      <a:srgbClr val="D6D6D6"/>
+                    </a:solidFill>
+                  </a:tcPr>
+                </a:tc>
+                <a:tc>
+                  <a:txBody>
+                    <a:bodyPr/>
+                    <a:lstStyle>
+                      <a:lvl1pPr marL="0" algn="l" defTabSz="914367" rtl="0" eaLnBrk="1" latinLnBrk="0" hangingPunct="1">
+                        <a:defRPr sz="1765" kern="1200">
+                          <a:solidFill>
+                            <a:schemeClr val="tx1"/>
+                          </a:solidFill>
+                          <a:latin typeface="Calibri" panose="020F0502020204030204"/>
+                        </a:defRPr>
+                      </a:lvl1pPr>
+                      <a:lvl2pPr marL="457183" algn="l" defTabSz="914367" rtl="0" eaLnBrk="1" latinLnBrk="0" hangingPunct="1">
+                        <a:defRPr sz="1765" kern="1200">
+                          <a:solidFill>
+                            <a:schemeClr val="tx1"/>
+                          </a:solidFill>
+                          <a:latin typeface="Calibri" panose="020F0502020204030204"/>
+                        </a:defRPr>
+                      </a:lvl2pPr>
+                      <a:lvl3pPr marL="914367" algn="l" defTabSz="914367" rtl="0" eaLnBrk="1" latinLnBrk="0" hangingPunct="1">
+                        <a:defRPr sz="1765" kern="1200">
+                          <a:solidFill>
+                            <a:schemeClr val="tx1"/>
+                          </a:solidFill>
+                          <a:latin typeface="Calibri" panose="020F0502020204030204"/>
+                        </a:defRPr>
+                      </a:lvl3pPr>
+                      <a:lvl4pPr marL="1371550" algn="l" defTabSz="914367" rtl="0" eaLnBrk="1" latinLnBrk="0" hangingPunct="1">
+                        <a:defRPr sz="1765" kern="1200">
+                          <a:solidFill>
+                            <a:schemeClr val="tx1"/>
+                          </a:solidFill>
+                          <a:latin typeface="Calibri" panose="020F0502020204030204"/>
+                        </a:defRPr>
+                      </a:lvl4pPr>
+                      <a:lvl5pPr marL="1828734" algn="l" defTabSz="914367" rtl="0" eaLnBrk="1" latinLnBrk="0" hangingPunct="1">
+                        <a:defRPr sz="1765" kern="1200">
+                          <a:solidFill>
+                            <a:schemeClr val="tx1"/>
+                          </a:solidFill>
+                          <a:latin typeface="Calibri" panose="020F0502020204030204"/>
+                        </a:defRPr>
+                      </a:lvl5pPr>
+                      <a:lvl6pPr marL="2285918" algn="l" defTabSz="914367" rtl="0" eaLnBrk="1" latinLnBrk="0" hangingPunct="1">
+                        <a:defRPr sz="1765" kern="1200">
+                          <a:solidFill>
+                            <a:schemeClr val="tx1"/>
+                          </a:solidFill>
+                          <a:latin typeface="Calibri" panose="020F0502020204030204"/>
+                        </a:defRPr>
+                      </a:lvl6pPr>
+                      <a:lvl7pPr marL="2743101" algn="l" defTabSz="914367" rtl="0" eaLnBrk="1" latinLnBrk="0" hangingPunct="1">
+                        <a:defRPr sz="1765" kern="1200">
+                          <a:solidFill>
+                            <a:schemeClr val="tx1"/>
+                          </a:solidFill>
+                          <a:latin typeface="Calibri" panose="020F0502020204030204"/>
+                        </a:defRPr>
+                      </a:lvl7pPr>
+                      <a:lvl8pPr marL="3200284" algn="l" defTabSz="914367" rtl="0" eaLnBrk="1" latinLnBrk="0" hangingPunct="1">
+                        <a:defRPr sz="1765" kern="1200">
+                          <a:solidFill>
+                            <a:schemeClr val="tx1"/>
+                          </a:solidFill>
+                          <a:latin typeface="Calibri" panose="020F0502020204030204"/>
+                        </a:defRPr>
+                      </a:lvl8pPr>
+                      <a:lvl9pPr marL="3657469" algn="l" defTabSz="914367" rtl="0" eaLnBrk="1" latinLnBrk="0" hangingPunct="1">
+                        <a:defRPr sz="1765" kern="1200">
+                          <a:solidFill>
+                            <a:schemeClr val="tx1"/>
+                          </a:solidFill>
+                          <a:latin typeface="Calibri" panose="020F0502020204030204"/>
+                        </a:defRPr>
+                      </a:lvl9pPr>
+                    </a:lstStyle>
+                    <a:p>
+                      <a:pPr marL="0" marR="0" algn="ctr">
+                        <a:lnSpc>
+                          <a:spcPct val="107000"/>
+                        </a:lnSpc>
+                        <a:spcBef>
+                          <a:spcPts val="0"/>
+                        </a:spcBef>
+                        <a:spcAft>
+                          <a:spcPts val="0"/>
+                        </a:spcAft>
+                      </a:pPr>
+                      <a:r>
+                        <a:rPr lang="en-US" sz="1000" dirty="0">
+                          <a:effectLst/>
+                          <a:latin typeface="Segoe UI" panose="020B0502040204020203" pitchFamily="34" charset="0"/>
+                          <a:ea typeface="Segoe UI" panose="020B0502040204020203" pitchFamily="34" charset="0"/>
+                          <a:cs typeface="Segoe UI" panose="020B0502040204020203" pitchFamily="34" charset="0"/>
+                        </a:rPr>
+                        <a:t>S10</a:t>
+                      </a:r>
+                      <a:endParaRPr lang="en-US" sz="1000" dirty="0">
+                        <a:effectLst/>
+                        <a:latin typeface="Segoe UI" panose="020B0502040204020203" pitchFamily="34" charset="0"/>
+                        <a:ea typeface="Segoe UI" panose="020B0502040204020203" pitchFamily="34" charset="0"/>
+                        <a:cs typeface="Times New Roman" panose="02020603050405020304" pitchFamily="18" charset="0"/>
+                      </a:endParaRPr>
+                    </a:p>
+                  </a:txBody>
+                  <a:tcPr marL="68580" marR="68580" marT="0" marB="0">
+                    <a:lnL w="12700" cap="flat" cmpd="sng" algn="ctr">
+                      <a:solidFill>
+                        <a:srgbClr val="858585"/>
+                      </a:solidFill>
+                      <a:prstDash val="solid"/>
+                      <a:round/>
+                      <a:headEnd type="none" w="med" len="med"/>
+                      <a:tailEnd type="none" w="med" len="med"/>
+                    </a:lnL>
+                    <a:lnR w="12700" cap="flat" cmpd="sng" algn="ctr">
+                      <a:solidFill>
+                        <a:srgbClr val="858585"/>
+                      </a:solidFill>
+                      <a:prstDash val="solid"/>
+                      <a:round/>
+                      <a:headEnd type="none" w="med" len="med"/>
+                      <a:tailEnd type="none" w="med" len="med"/>
+                    </a:lnR>
+                    <a:lnT w="12700" cap="flat" cmpd="sng" algn="ctr">
+                      <a:solidFill>
+                        <a:srgbClr val="353535"/>
+                      </a:solidFill>
+                      <a:prstDash val="solid"/>
+                      <a:round/>
+                      <a:headEnd type="none" w="med" len="med"/>
+                      <a:tailEnd type="none" w="med" len="med"/>
+                    </a:lnT>
+                    <a:lnB w="12700" cap="flat" cmpd="sng" algn="ctr">
+                      <a:solidFill>
+                        <a:srgbClr val="858585"/>
+                      </a:solidFill>
+                      <a:prstDash val="solid"/>
+                      <a:round/>
+                      <a:headEnd type="none" w="med" len="med"/>
+                      <a:tailEnd type="none" w="med" len="med"/>
+                    </a:lnB>
+                    <a:lnTlToBr w="12700" cmpd="sng">
+                      <a:noFill/>
+                      <a:prstDash val="solid"/>
+                    </a:lnTlToBr>
+                    <a:lnBlToTr w="12700" cmpd="sng">
+                      <a:noFill/>
+                      <a:prstDash val="solid"/>
+                    </a:lnBlToTr>
+                    <a:solidFill>
+                      <a:srgbClr val="D6D6D6"/>
+                    </a:solidFill>
+                  </a:tcPr>
+                </a:tc>
+                <a:tc>
+                  <a:txBody>
+                    <a:bodyPr/>
+                    <a:lstStyle>
+                      <a:lvl1pPr marL="0" algn="l" defTabSz="914367" rtl="0" eaLnBrk="1" latinLnBrk="0" hangingPunct="1">
+                        <a:defRPr sz="1765" kern="1200">
+                          <a:solidFill>
+                            <a:schemeClr val="tx1"/>
+                          </a:solidFill>
+                          <a:latin typeface="Calibri" panose="020F0502020204030204"/>
+                        </a:defRPr>
+                      </a:lvl1pPr>
+                      <a:lvl2pPr marL="457183" algn="l" defTabSz="914367" rtl="0" eaLnBrk="1" latinLnBrk="0" hangingPunct="1">
+                        <a:defRPr sz="1765" kern="1200">
+                          <a:solidFill>
+                            <a:schemeClr val="tx1"/>
+                          </a:solidFill>
+                          <a:latin typeface="Calibri" panose="020F0502020204030204"/>
+                        </a:defRPr>
+                      </a:lvl2pPr>
+                      <a:lvl3pPr marL="914367" algn="l" defTabSz="914367" rtl="0" eaLnBrk="1" latinLnBrk="0" hangingPunct="1">
+                        <a:defRPr sz="1765" kern="1200">
+                          <a:solidFill>
+                            <a:schemeClr val="tx1"/>
+                          </a:solidFill>
+                          <a:latin typeface="Calibri" panose="020F0502020204030204"/>
+                        </a:defRPr>
+                      </a:lvl3pPr>
+                      <a:lvl4pPr marL="1371550" algn="l" defTabSz="914367" rtl="0" eaLnBrk="1" latinLnBrk="0" hangingPunct="1">
+                        <a:defRPr sz="1765" kern="1200">
+                          <a:solidFill>
+                            <a:schemeClr val="tx1"/>
+                          </a:solidFill>
+                          <a:latin typeface="Calibri" panose="020F0502020204030204"/>
+                        </a:defRPr>
+                      </a:lvl4pPr>
+                      <a:lvl5pPr marL="1828734" algn="l" defTabSz="914367" rtl="0" eaLnBrk="1" latinLnBrk="0" hangingPunct="1">
+                        <a:defRPr sz="1765" kern="1200">
+                          <a:solidFill>
+                            <a:schemeClr val="tx1"/>
+                          </a:solidFill>
+                          <a:latin typeface="Calibri" panose="020F0502020204030204"/>
+                        </a:defRPr>
+                      </a:lvl5pPr>
+                      <a:lvl6pPr marL="2285918" algn="l" defTabSz="914367" rtl="0" eaLnBrk="1" latinLnBrk="0" hangingPunct="1">
+                        <a:defRPr sz="1765" kern="1200">
+                          <a:solidFill>
+                            <a:schemeClr val="tx1"/>
+                          </a:solidFill>
+                          <a:latin typeface="Calibri" panose="020F0502020204030204"/>
+                        </a:defRPr>
+                      </a:lvl6pPr>
+                      <a:lvl7pPr marL="2743101" algn="l" defTabSz="914367" rtl="0" eaLnBrk="1" latinLnBrk="0" hangingPunct="1">
+                        <a:defRPr sz="1765" kern="1200">
+                          <a:solidFill>
+                            <a:schemeClr val="tx1"/>
+                          </a:solidFill>
+                          <a:latin typeface="Calibri" panose="020F0502020204030204"/>
+                        </a:defRPr>
+                      </a:lvl7pPr>
+                      <a:lvl8pPr marL="3200284" algn="l" defTabSz="914367" rtl="0" eaLnBrk="1" latinLnBrk="0" hangingPunct="1">
+                        <a:defRPr sz="1765" kern="1200">
+                          <a:solidFill>
+                            <a:schemeClr val="tx1"/>
+                          </a:solidFill>
+                          <a:latin typeface="Calibri" panose="020F0502020204030204"/>
+                        </a:defRPr>
+                      </a:lvl8pPr>
+                      <a:lvl9pPr marL="3657469" algn="l" defTabSz="914367" rtl="0" eaLnBrk="1" latinLnBrk="0" hangingPunct="1">
+                        <a:defRPr sz="1765" kern="1200">
+                          <a:solidFill>
+                            <a:schemeClr val="tx1"/>
+                          </a:solidFill>
+                          <a:latin typeface="Calibri" panose="020F0502020204030204"/>
+                        </a:defRPr>
+                      </a:lvl9pPr>
+                    </a:lstStyle>
+                    <a:p>
+                      <a:pPr marL="0" marR="0">
+                        <a:lnSpc>
+                          <a:spcPct val="107000"/>
+                        </a:lnSpc>
+                        <a:spcBef>
+                          <a:spcPts val="0"/>
+                        </a:spcBef>
+                        <a:spcAft>
+                          <a:spcPts val="0"/>
+                        </a:spcAft>
+                      </a:pPr>
+                      <a:r>
+                        <a:rPr lang="en-US" sz="1000" dirty="0">
+                          <a:effectLst/>
+                          <a:latin typeface="Segoe UI" panose="020B0502040204020203" pitchFamily="34" charset="0"/>
+                          <a:ea typeface="Segoe UI" panose="020B0502040204020203" pitchFamily="34" charset="0"/>
+                          <a:cs typeface="Segoe UI" panose="020B0502040204020203" pitchFamily="34" charset="0"/>
+                        </a:rPr>
+                        <a:t>OS</a:t>
+                      </a:r>
+                      <a:endParaRPr lang="en-US" sz="1000" dirty="0">
+                        <a:effectLst/>
+                        <a:latin typeface="Segoe UI" panose="020B0502040204020203" pitchFamily="34" charset="0"/>
+                        <a:ea typeface="Segoe UI" panose="020B0502040204020203" pitchFamily="34" charset="0"/>
+                        <a:cs typeface="Times New Roman" panose="02020603050405020304" pitchFamily="18" charset="0"/>
+                      </a:endParaRPr>
+                    </a:p>
+                  </a:txBody>
+                  <a:tcPr marL="68580" marR="68580" marT="0" marB="0">
+                    <a:lnL w="12700" cap="flat" cmpd="sng" algn="ctr">
+                      <a:solidFill>
+                        <a:srgbClr val="858585"/>
+                      </a:solidFill>
+                      <a:prstDash val="solid"/>
+                      <a:round/>
+                      <a:headEnd type="none" w="med" len="med"/>
+                      <a:tailEnd type="none" w="med" len="med"/>
+                    </a:lnL>
+                    <a:lnR w="12700" cap="flat" cmpd="sng" algn="ctr">
+                      <a:solidFill>
+                        <a:srgbClr val="858585"/>
+                      </a:solidFill>
+                      <a:prstDash val="solid"/>
+                      <a:round/>
+                      <a:headEnd type="none" w="med" len="med"/>
+                      <a:tailEnd type="none" w="med" len="med"/>
+                    </a:lnR>
+                    <a:lnT w="12700" cap="flat" cmpd="sng" algn="ctr">
+                      <a:solidFill>
+                        <a:srgbClr val="353535"/>
+                      </a:solidFill>
+                      <a:prstDash val="solid"/>
+                      <a:round/>
+                      <a:headEnd type="none" w="med" len="med"/>
+                      <a:tailEnd type="none" w="med" len="med"/>
+                    </a:lnT>
+                    <a:lnB w="12700" cap="flat" cmpd="sng" algn="ctr">
+                      <a:solidFill>
+                        <a:srgbClr val="858585"/>
+                      </a:solidFill>
+                      <a:prstDash val="solid"/>
+                      <a:round/>
+                      <a:headEnd type="none" w="med" len="med"/>
+                      <a:tailEnd type="none" w="med" len="med"/>
+                    </a:lnB>
+                    <a:lnTlToBr w="12700" cmpd="sng">
+                      <a:noFill/>
+                      <a:prstDash val="solid"/>
+                    </a:lnTlToBr>
+                    <a:lnBlToTr w="12700" cmpd="sng">
+                      <a:noFill/>
+                      <a:prstDash val="solid"/>
+                    </a:lnBlToTr>
+                    <a:solidFill>
+                      <a:srgbClr val="D6D6D6"/>
+                    </a:solidFill>
+                  </a:tcPr>
+                </a:tc>
+                <a:extLst>
+                  <a:ext uri="{0D108BD9-81ED-4DB2-BD59-A6C34878D82A}">
+                    <a16:rowId xmlns:a16="http://schemas.microsoft.com/office/drawing/2014/main" val="2726490877"/>
+                  </a:ext>
+                </a:extLst>
+              </a:tr>
+              <a:tr h="0">
+                <a:tc>
+                  <a:txBody>
+                    <a:bodyPr/>
+                    <a:lstStyle>
+                      <a:lvl1pPr marL="0" algn="l" defTabSz="914367" rtl="0" eaLnBrk="1" latinLnBrk="0" hangingPunct="1">
+                        <a:defRPr sz="1765" kern="1200">
+                          <a:solidFill>
+                            <a:schemeClr val="tx1"/>
+                          </a:solidFill>
+                          <a:latin typeface="Calibri" panose="020F0502020204030204"/>
+                        </a:defRPr>
+                      </a:lvl1pPr>
+                      <a:lvl2pPr marL="457183" algn="l" defTabSz="914367" rtl="0" eaLnBrk="1" latinLnBrk="0" hangingPunct="1">
+                        <a:defRPr sz="1765" kern="1200">
+                          <a:solidFill>
+                            <a:schemeClr val="tx1"/>
+                          </a:solidFill>
+                          <a:latin typeface="Calibri" panose="020F0502020204030204"/>
+                        </a:defRPr>
+                      </a:lvl2pPr>
+                      <a:lvl3pPr marL="914367" algn="l" defTabSz="914367" rtl="0" eaLnBrk="1" latinLnBrk="0" hangingPunct="1">
+                        <a:defRPr sz="1765" kern="1200">
+                          <a:solidFill>
+                            <a:schemeClr val="tx1"/>
+                          </a:solidFill>
+                          <a:latin typeface="Calibri" panose="020F0502020204030204"/>
+                        </a:defRPr>
+                      </a:lvl3pPr>
+                      <a:lvl4pPr marL="1371550" algn="l" defTabSz="914367" rtl="0" eaLnBrk="1" latinLnBrk="0" hangingPunct="1">
+                        <a:defRPr sz="1765" kern="1200">
+                          <a:solidFill>
+                            <a:schemeClr val="tx1"/>
+                          </a:solidFill>
+                          <a:latin typeface="Calibri" panose="020F0502020204030204"/>
+                        </a:defRPr>
+                      </a:lvl4pPr>
+                      <a:lvl5pPr marL="1828734" algn="l" defTabSz="914367" rtl="0" eaLnBrk="1" latinLnBrk="0" hangingPunct="1">
+                        <a:defRPr sz="1765" kern="1200">
+                          <a:solidFill>
+                            <a:schemeClr val="tx1"/>
+                          </a:solidFill>
+                          <a:latin typeface="Calibri" panose="020F0502020204030204"/>
+                        </a:defRPr>
+                      </a:lvl5pPr>
+                      <a:lvl6pPr marL="2285918" algn="l" defTabSz="914367" rtl="0" eaLnBrk="1" latinLnBrk="0" hangingPunct="1">
+                        <a:defRPr sz="1765" kern="1200">
+                          <a:solidFill>
+                            <a:schemeClr val="tx1"/>
+                          </a:solidFill>
+                          <a:latin typeface="Calibri" panose="020F0502020204030204"/>
+                        </a:defRPr>
+                      </a:lvl6pPr>
+                      <a:lvl7pPr marL="2743101" algn="l" defTabSz="914367" rtl="0" eaLnBrk="1" latinLnBrk="0" hangingPunct="1">
+                        <a:defRPr sz="1765" kern="1200">
+                          <a:solidFill>
+                            <a:schemeClr val="tx1"/>
+                          </a:solidFill>
+                          <a:latin typeface="Calibri" panose="020F0502020204030204"/>
+                        </a:defRPr>
+                      </a:lvl7pPr>
+                      <a:lvl8pPr marL="3200284" algn="l" defTabSz="914367" rtl="0" eaLnBrk="1" latinLnBrk="0" hangingPunct="1">
+                        <a:defRPr sz="1765" kern="1200">
+                          <a:solidFill>
+                            <a:schemeClr val="tx1"/>
+                          </a:solidFill>
+                          <a:latin typeface="Calibri" panose="020F0502020204030204"/>
+                        </a:defRPr>
+                      </a:lvl8pPr>
+                      <a:lvl9pPr marL="3657469" algn="l" defTabSz="914367" rtl="0" eaLnBrk="1" latinLnBrk="0" hangingPunct="1">
+                        <a:defRPr sz="1765" kern="1200">
+                          <a:solidFill>
+                            <a:schemeClr val="tx1"/>
+                          </a:solidFill>
+                          <a:latin typeface="Calibri" panose="020F0502020204030204"/>
+                        </a:defRPr>
+                      </a:lvl9pPr>
+                    </a:lstStyle>
+                    <a:p>
+                      <a:pPr marL="0" marR="0" algn="ctr">
+                        <a:lnSpc>
+                          <a:spcPct val="107000"/>
+                        </a:lnSpc>
+                        <a:spcBef>
+                          <a:spcPts val="0"/>
+                        </a:spcBef>
+                        <a:spcAft>
+                          <a:spcPts val="0"/>
+                        </a:spcAft>
+                      </a:pPr>
+                      <a:r>
+                        <a:rPr lang="en-US" sz="1000" b="1" dirty="0">
+                          <a:effectLst/>
+                          <a:latin typeface="Segoe UI" panose="020B0502040204020203" pitchFamily="34" charset="0"/>
+                          <a:ea typeface="Segoe UI" panose="020B0502040204020203" pitchFamily="34" charset="0"/>
+                          <a:cs typeface="Segoe UI" panose="020B0502040204020203" pitchFamily="34" charset="0"/>
+                        </a:rPr>
+                        <a:t>D:\</a:t>
+                      </a:r>
+                      <a:endParaRPr lang="en-US" sz="1000" dirty="0">
+                        <a:effectLst/>
+                        <a:latin typeface="Segoe UI" panose="020B0502040204020203" pitchFamily="34" charset="0"/>
+                        <a:ea typeface="Segoe UI" panose="020B0502040204020203" pitchFamily="34" charset="0"/>
+                        <a:cs typeface="Times New Roman" panose="02020603050405020304" pitchFamily="18" charset="0"/>
+                      </a:endParaRPr>
+                    </a:p>
+                  </a:txBody>
+                  <a:tcPr marL="68580" marR="68580" marT="0" marB="0">
+                    <a:lnL w="12700" cap="flat" cmpd="sng" algn="ctr">
+                      <a:solidFill>
+                        <a:srgbClr val="858585"/>
+                      </a:solidFill>
+                      <a:prstDash val="solid"/>
+                      <a:round/>
+                      <a:headEnd type="none" w="med" len="med"/>
+                      <a:tailEnd type="none" w="med" len="med"/>
+                    </a:lnL>
+                    <a:lnR w="12700" cap="flat" cmpd="sng" algn="ctr">
+                      <a:solidFill>
+                        <a:srgbClr val="858585"/>
+                      </a:solidFill>
+                      <a:prstDash val="solid"/>
+                      <a:round/>
+                      <a:headEnd type="none" w="med" len="med"/>
+                      <a:tailEnd type="none" w="med" len="med"/>
+                    </a:lnR>
+                    <a:lnT w="12700" cap="flat" cmpd="sng" algn="ctr">
+                      <a:solidFill>
+                        <a:srgbClr val="858585"/>
+                      </a:solidFill>
+                      <a:prstDash val="solid"/>
+                      <a:round/>
+                      <a:headEnd type="none" w="med" len="med"/>
+                      <a:tailEnd type="none" w="med" len="med"/>
+                    </a:lnT>
+                    <a:lnB w="12700" cap="flat" cmpd="sng" algn="ctr">
+                      <a:solidFill>
+                        <a:srgbClr val="858585"/>
+                      </a:solidFill>
+                      <a:prstDash val="solid"/>
+                      <a:round/>
+                      <a:headEnd type="none" w="med" len="med"/>
+                      <a:tailEnd type="none" w="med" len="med"/>
+                    </a:lnB>
+                    <a:lnTlToBr w="12700" cmpd="sng">
+                      <a:noFill/>
+                      <a:prstDash val="solid"/>
+                    </a:lnTlToBr>
+                    <a:lnBlToTr w="12700" cmpd="sng">
+                      <a:noFill/>
+                      <a:prstDash val="solid"/>
+                    </a:lnBlToTr>
+                    <a:noFill/>
+                  </a:tcPr>
+                </a:tc>
+                <a:tc>
+                  <a:txBody>
+                    <a:bodyPr/>
+                    <a:lstStyle>
+                      <a:lvl1pPr marL="0" algn="l" defTabSz="914367" rtl="0" eaLnBrk="1" latinLnBrk="0" hangingPunct="1">
+                        <a:defRPr sz="1765" kern="1200">
+                          <a:solidFill>
+                            <a:schemeClr val="tx1"/>
+                          </a:solidFill>
+                          <a:latin typeface="Calibri" panose="020F0502020204030204"/>
+                        </a:defRPr>
+                      </a:lvl1pPr>
+                      <a:lvl2pPr marL="457183" algn="l" defTabSz="914367" rtl="0" eaLnBrk="1" latinLnBrk="0" hangingPunct="1">
+                        <a:defRPr sz="1765" kern="1200">
+                          <a:solidFill>
+                            <a:schemeClr val="tx1"/>
+                          </a:solidFill>
+                          <a:latin typeface="Calibri" panose="020F0502020204030204"/>
+                        </a:defRPr>
+                      </a:lvl2pPr>
+                      <a:lvl3pPr marL="914367" algn="l" defTabSz="914367" rtl="0" eaLnBrk="1" latinLnBrk="0" hangingPunct="1">
+                        <a:defRPr sz="1765" kern="1200">
+                          <a:solidFill>
+                            <a:schemeClr val="tx1"/>
+                          </a:solidFill>
+                          <a:latin typeface="Calibri" panose="020F0502020204030204"/>
+                        </a:defRPr>
+                      </a:lvl3pPr>
+                      <a:lvl4pPr marL="1371550" algn="l" defTabSz="914367" rtl="0" eaLnBrk="1" latinLnBrk="0" hangingPunct="1">
+                        <a:defRPr sz="1765" kern="1200">
+                          <a:solidFill>
+                            <a:schemeClr val="tx1"/>
+                          </a:solidFill>
+                          <a:latin typeface="Calibri" panose="020F0502020204030204"/>
+                        </a:defRPr>
+                      </a:lvl4pPr>
+                      <a:lvl5pPr marL="1828734" algn="l" defTabSz="914367" rtl="0" eaLnBrk="1" latinLnBrk="0" hangingPunct="1">
+                        <a:defRPr sz="1765" kern="1200">
+                          <a:solidFill>
+                            <a:schemeClr val="tx1"/>
+                          </a:solidFill>
+                          <a:latin typeface="Calibri" panose="020F0502020204030204"/>
+                        </a:defRPr>
+                      </a:lvl5pPr>
+                      <a:lvl6pPr marL="2285918" algn="l" defTabSz="914367" rtl="0" eaLnBrk="1" latinLnBrk="0" hangingPunct="1">
+                        <a:defRPr sz="1765" kern="1200">
+                          <a:solidFill>
+                            <a:schemeClr val="tx1"/>
+                          </a:solidFill>
+                          <a:latin typeface="Calibri" panose="020F0502020204030204"/>
+                        </a:defRPr>
+                      </a:lvl6pPr>
+                      <a:lvl7pPr marL="2743101" algn="l" defTabSz="914367" rtl="0" eaLnBrk="1" latinLnBrk="0" hangingPunct="1">
+                        <a:defRPr sz="1765" kern="1200">
+                          <a:solidFill>
+                            <a:schemeClr val="tx1"/>
+                          </a:solidFill>
+                          <a:latin typeface="Calibri" panose="020F0502020204030204"/>
+                        </a:defRPr>
+                      </a:lvl7pPr>
+                      <a:lvl8pPr marL="3200284" algn="l" defTabSz="914367" rtl="0" eaLnBrk="1" latinLnBrk="0" hangingPunct="1">
+                        <a:defRPr sz="1765" kern="1200">
+                          <a:solidFill>
+                            <a:schemeClr val="tx1"/>
+                          </a:solidFill>
+                          <a:latin typeface="Calibri" panose="020F0502020204030204"/>
+                        </a:defRPr>
+                      </a:lvl8pPr>
+                      <a:lvl9pPr marL="3657469" algn="l" defTabSz="914367" rtl="0" eaLnBrk="1" latinLnBrk="0" hangingPunct="1">
+                        <a:defRPr sz="1765" kern="1200">
+                          <a:solidFill>
+                            <a:schemeClr val="tx1"/>
+                          </a:solidFill>
+                          <a:latin typeface="Calibri" panose="020F0502020204030204"/>
+                        </a:defRPr>
+                      </a:lvl9pPr>
+                    </a:lstStyle>
+                    <a:p>
+                      <a:pPr marL="0" marR="0" algn="ctr">
+                        <a:lnSpc>
+                          <a:spcPct val="107000"/>
+                        </a:lnSpc>
+                        <a:spcBef>
+                          <a:spcPts val="0"/>
+                        </a:spcBef>
+                        <a:spcAft>
+                          <a:spcPts val="0"/>
+                        </a:spcAft>
+                      </a:pPr>
+                      <a:r>
+                        <a:rPr lang="en-US" sz="1000" dirty="0">
+                          <a:effectLst/>
+                          <a:latin typeface="Segoe UI" panose="020B0502040204020203" pitchFamily="34" charset="0"/>
+                          <a:ea typeface="Segoe UI" panose="020B0502040204020203" pitchFamily="34" charset="0"/>
+                          <a:cs typeface="Segoe UI" panose="020B0502040204020203" pitchFamily="34" charset="0"/>
+                        </a:rPr>
+                        <a:t>Local SSD</a:t>
+                      </a:r>
+                      <a:endParaRPr lang="en-US" sz="1000" dirty="0">
+                        <a:effectLst/>
+                        <a:latin typeface="Segoe UI" panose="020B0502040204020203" pitchFamily="34" charset="0"/>
+                        <a:ea typeface="Segoe UI" panose="020B0502040204020203" pitchFamily="34" charset="0"/>
+                        <a:cs typeface="Times New Roman" panose="02020603050405020304" pitchFamily="18" charset="0"/>
+                      </a:endParaRPr>
+                    </a:p>
+                  </a:txBody>
+                  <a:tcPr marL="68580" marR="68580" marT="0" marB="0">
+                    <a:lnL w="12700" cap="flat" cmpd="sng" algn="ctr">
+                      <a:solidFill>
+                        <a:srgbClr val="858585"/>
+                      </a:solidFill>
+                      <a:prstDash val="solid"/>
+                      <a:round/>
+                      <a:headEnd type="none" w="med" len="med"/>
+                      <a:tailEnd type="none" w="med" len="med"/>
+                    </a:lnL>
+                    <a:lnR w="12700" cap="flat" cmpd="sng" algn="ctr">
+                      <a:solidFill>
+                        <a:srgbClr val="858585"/>
+                      </a:solidFill>
+                      <a:prstDash val="solid"/>
+                      <a:round/>
+                      <a:headEnd type="none" w="med" len="med"/>
+                      <a:tailEnd type="none" w="med" len="med"/>
+                    </a:lnR>
+                    <a:lnT w="12700" cap="flat" cmpd="sng" algn="ctr">
+                      <a:solidFill>
+                        <a:srgbClr val="858585"/>
+                      </a:solidFill>
+                      <a:prstDash val="solid"/>
+                      <a:round/>
+                      <a:headEnd type="none" w="med" len="med"/>
+                      <a:tailEnd type="none" w="med" len="med"/>
+                    </a:lnT>
+                    <a:lnB w="12700" cap="flat" cmpd="sng" algn="ctr">
+                      <a:solidFill>
+                        <a:srgbClr val="858585"/>
+                      </a:solidFill>
+                      <a:prstDash val="solid"/>
+                      <a:round/>
+                      <a:headEnd type="none" w="med" len="med"/>
+                      <a:tailEnd type="none" w="med" len="med"/>
+                    </a:lnB>
+                    <a:lnTlToBr w="12700" cmpd="sng">
+                      <a:noFill/>
+                      <a:prstDash val="solid"/>
+                    </a:lnTlToBr>
+                    <a:lnBlToTr w="12700" cmpd="sng">
+                      <a:noFill/>
+                      <a:prstDash val="solid"/>
+                    </a:lnBlToTr>
+                    <a:noFill/>
+                  </a:tcPr>
+                </a:tc>
+                <a:tc>
+                  <a:txBody>
+                    <a:bodyPr/>
+                    <a:lstStyle>
+                      <a:lvl1pPr marL="0" algn="l" defTabSz="914367" rtl="0" eaLnBrk="1" latinLnBrk="0" hangingPunct="1">
+                        <a:defRPr sz="1765" kern="1200">
+                          <a:solidFill>
+                            <a:schemeClr val="tx1"/>
+                          </a:solidFill>
+                          <a:latin typeface="Calibri" panose="020F0502020204030204"/>
+                        </a:defRPr>
+                      </a:lvl1pPr>
+                      <a:lvl2pPr marL="457183" algn="l" defTabSz="914367" rtl="0" eaLnBrk="1" latinLnBrk="0" hangingPunct="1">
+                        <a:defRPr sz="1765" kern="1200">
+                          <a:solidFill>
+                            <a:schemeClr val="tx1"/>
+                          </a:solidFill>
+                          <a:latin typeface="Calibri" panose="020F0502020204030204"/>
+                        </a:defRPr>
+                      </a:lvl2pPr>
+                      <a:lvl3pPr marL="914367" algn="l" defTabSz="914367" rtl="0" eaLnBrk="1" latinLnBrk="0" hangingPunct="1">
+                        <a:defRPr sz="1765" kern="1200">
+                          <a:solidFill>
+                            <a:schemeClr val="tx1"/>
+                          </a:solidFill>
+                          <a:latin typeface="Calibri" panose="020F0502020204030204"/>
+                        </a:defRPr>
+                      </a:lvl3pPr>
+                      <a:lvl4pPr marL="1371550" algn="l" defTabSz="914367" rtl="0" eaLnBrk="1" latinLnBrk="0" hangingPunct="1">
+                        <a:defRPr sz="1765" kern="1200">
+                          <a:solidFill>
+                            <a:schemeClr val="tx1"/>
+                          </a:solidFill>
+                          <a:latin typeface="Calibri" panose="020F0502020204030204"/>
+                        </a:defRPr>
+                      </a:lvl4pPr>
+                      <a:lvl5pPr marL="1828734" algn="l" defTabSz="914367" rtl="0" eaLnBrk="1" latinLnBrk="0" hangingPunct="1">
+                        <a:defRPr sz="1765" kern="1200">
+                          <a:solidFill>
+                            <a:schemeClr val="tx1"/>
+                          </a:solidFill>
+                          <a:latin typeface="Calibri" panose="020F0502020204030204"/>
+                        </a:defRPr>
+                      </a:lvl5pPr>
+                      <a:lvl6pPr marL="2285918" algn="l" defTabSz="914367" rtl="0" eaLnBrk="1" latinLnBrk="0" hangingPunct="1">
+                        <a:defRPr sz="1765" kern="1200">
+                          <a:solidFill>
+                            <a:schemeClr val="tx1"/>
+                          </a:solidFill>
+                          <a:latin typeface="Calibri" panose="020F0502020204030204"/>
+                        </a:defRPr>
+                      </a:lvl6pPr>
+                      <a:lvl7pPr marL="2743101" algn="l" defTabSz="914367" rtl="0" eaLnBrk="1" latinLnBrk="0" hangingPunct="1">
+                        <a:defRPr sz="1765" kern="1200">
+                          <a:solidFill>
+                            <a:schemeClr val="tx1"/>
+                          </a:solidFill>
+                          <a:latin typeface="Calibri" panose="020F0502020204030204"/>
+                        </a:defRPr>
+                      </a:lvl7pPr>
+                      <a:lvl8pPr marL="3200284" algn="l" defTabSz="914367" rtl="0" eaLnBrk="1" latinLnBrk="0" hangingPunct="1">
+                        <a:defRPr sz="1765" kern="1200">
+                          <a:solidFill>
+                            <a:schemeClr val="tx1"/>
+                          </a:solidFill>
+                          <a:latin typeface="Calibri" panose="020F0502020204030204"/>
+                        </a:defRPr>
+                      </a:lvl8pPr>
+                      <a:lvl9pPr marL="3657469" algn="l" defTabSz="914367" rtl="0" eaLnBrk="1" latinLnBrk="0" hangingPunct="1">
+                        <a:defRPr sz="1765" kern="1200">
+                          <a:solidFill>
+                            <a:schemeClr val="tx1"/>
+                          </a:solidFill>
+                          <a:latin typeface="Calibri" panose="020F0502020204030204"/>
+                        </a:defRPr>
+                      </a:lvl9pPr>
+                    </a:lstStyle>
+                    <a:p>
+                      <a:pPr marL="0" marR="0">
+                        <a:lnSpc>
+                          <a:spcPct val="107000"/>
+                        </a:lnSpc>
+                        <a:spcBef>
+                          <a:spcPts val="0"/>
+                        </a:spcBef>
+                        <a:spcAft>
+                          <a:spcPts val="0"/>
+                        </a:spcAft>
+                      </a:pPr>
+                      <a:r>
+                        <a:rPr lang="en-US" sz="1000" dirty="0">
+                          <a:effectLst/>
+                          <a:latin typeface="Segoe UI" panose="020B0502040204020203" pitchFamily="34" charset="0"/>
+                          <a:ea typeface="Segoe UI" panose="020B0502040204020203" pitchFamily="34" charset="0"/>
+                          <a:cs typeface="Segoe UI" panose="020B0502040204020203" pitchFamily="34" charset="0"/>
+                        </a:rPr>
+                        <a:t>TempDB broken into multiple files (match number of cores)</a:t>
+                      </a:r>
+                      <a:endParaRPr lang="en-US" sz="1000" dirty="0">
+                        <a:effectLst/>
+                        <a:latin typeface="Segoe UI" panose="020B0502040204020203" pitchFamily="34" charset="0"/>
+                        <a:ea typeface="Segoe UI" panose="020B0502040204020203" pitchFamily="34" charset="0"/>
+                        <a:cs typeface="Times New Roman" panose="02020603050405020304" pitchFamily="18" charset="0"/>
+                      </a:endParaRPr>
+                    </a:p>
+                  </a:txBody>
+                  <a:tcPr marL="68580" marR="68580" marT="0" marB="0">
+                    <a:lnL w="12700" cap="flat" cmpd="sng" algn="ctr">
+                      <a:solidFill>
+                        <a:srgbClr val="858585"/>
+                      </a:solidFill>
+                      <a:prstDash val="solid"/>
+                      <a:round/>
+                      <a:headEnd type="none" w="med" len="med"/>
+                      <a:tailEnd type="none" w="med" len="med"/>
+                    </a:lnL>
+                    <a:lnR w="12700" cap="flat" cmpd="sng" algn="ctr">
+                      <a:solidFill>
+                        <a:srgbClr val="858585"/>
+                      </a:solidFill>
+                      <a:prstDash val="solid"/>
+                      <a:round/>
+                      <a:headEnd type="none" w="med" len="med"/>
+                      <a:tailEnd type="none" w="med" len="med"/>
+                    </a:lnR>
+                    <a:lnT w="12700" cap="flat" cmpd="sng" algn="ctr">
+                      <a:solidFill>
+                        <a:srgbClr val="858585"/>
+                      </a:solidFill>
+                      <a:prstDash val="solid"/>
+                      <a:round/>
+                      <a:headEnd type="none" w="med" len="med"/>
+                      <a:tailEnd type="none" w="med" len="med"/>
+                    </a:lnT>
+                    <a:lnB w="12700" cap="flat" cmpd="sng" algn="ctr">
+                      <a:solidFill>
+                        <a:srgbClr val="858585"/>
+                      </a:solidFill>
+                      <a:prstDash val="solid"/>
+                      <a:round/>
+                      <a:headEnd type="none" w="med" len="med"/>
+                      <a:tailEnd type="none" w="med" len="med"/>
+                    </a:lnB>
+                    <a:lnTlToBr w="12700" cmpd="sng">
+                      <a:noFill/>
+                      <a:prstDash val="solid"/>
+                    </a:lnTlToBr>
+                    <a:lnBlToTr w="12700" cmpd="sng">
+                      <a:noFill/>
+                      <a:prstDash val="solid"/>
+                    </a:lnBlToTr>
+                    <a:noFill/>
+                  </a:tcPr>
+                </a:tc>
+                <a:extLst>
+                  <a:ext uri="{0D108BD9-81ED-4DB2-BD59-A6C34878D82A}">
+                    <a16:rowId xmlns:a16="http://schemas.microsoft.com/office/drawing/2014/main" val="341790498"/>
+                  </a:ext>
+                </a:extLst>
+              </a:tr>
+              <a:tr h="0">
+                <a:tc>
+                  <a:txBody>
+                    <a:bodyPr/>
+                    <a:lstStyle>
+                      <a:lvl1pPr marL="0" algn="l" defTabSz="914367" rtl="0" eaLnBrk="1" latinLnBrk="0" hangingPunct="1">
+                        <a:defRPr sz="1765" kern="1200">
+                          <a:solidFill>
+                            <a:schemeClr val="tx1"/>
+                          </a:solidFill>
+                          <a:latin typeface="Calibri" panose="020F0502020204030204"/>
+                        </a:defRPr>
+                      </a:lvl1pPr>
+                      <a:lvl2pPr marL="457183" algn="l" defTabSz="914367" rtl="0" eaLnBrk="1" latinLnBrk="0" hangingPunct="1">
+                        <a:defRPr sz="1765" kern="1200">
+                          <a:solidFill>
+                            <a:schemeClr val="tx1"/>
+                          </a:solidFill>
+                          <a:latin typeface="Calibri" panose="020F0502020204030204"/>
+                        </a:defRPr>
+                      </a:lvl2pPr>
+                      <a:lvl3pPr marL="914367" algn="l" defTabSz="914367" rtl="0" eaLnBrk="1" latinLnBrk="0" hangingPunct="1">
+                        <a:defRPr sz="1765" kern="1200">
+                          <a:solidFill>
+                            <a:schemeClr val="tx1"/>
+                          </a:solidFill>
+                          <a:latin typeface="Calibri" panose="020F0502020204030204"/>
+                        </a:defRPr>
+                      </a:lvl3pPr>
+                      <a:lvl4pPr marL="1371550" algn="l" defTabSz="914367" rtl="0" eaLnBrk="1" latinLnBrk="0" hangingPunct="1">
+                        <a:defRPr sz="1765" kern="1200">
+                          <a:solidFill>
+                            <a:schemeClr val="tx1"/>
+                          </a:solidFill>
+                          <a:latin typeface="Calibri" panose="020F0502020204030204"/>
+                        </a:defRPr>
+                      </a:lvl4pPr>
+                      <a:lvl5pPr marL="1828734" algn="l" defTabSz="914367" rtl="0" eaLnBrk="1" latinLnBrk="0" hangingPunct="1">
+                        <a:defRPr sz="1765" kern="1200">
+                          <a:solidFill>
+                            <a:schemeClr val="tx1"/>
+                          </a:solidFill>
+                          <a:latin typeface="Calibri" panose="020F0502020204030204"/>
+                        </a:defRPr>
+                      </a:lvl5pPr>
+                      <a:lvl6pPr marL="2285918" algn="l" defTabSz="914367" rtl="0" eaLnBrk="1" latinLnBrk="0" hangingPunct="1">
+                        <a:defRPr sz="1765" kern="1200">
+                          <a:solidFill>
+                            <a:schemeClr val="tx1"/>
+                          </a:solidFill>
+                          <a:latin typeface="Calibri" panose="020F0502020204030204"/>
+                        </a:defRPr>
+                      </a:lvl6pPr>
+                      <a:lvl7pPr marL="2743101" algn="l" defTabSz="914367" rtl="0" eaLnBrk="1" latinLnBrk="0" hangingPunct="1">
+                        <a:defRPr sz="1765" kern="1200">
+                          <a:solidFill>
+                            <a:schemeClr val="tx1"/>
+                          </a:solidFill>
+                          <a:latin typeface="Calibri" panose="020F0502020204030204"/>
+                        </a:defRPr>
+                      </a:lvl7pPr>
+                      <a:lvl8pPr marL="3200284" algn="l" defTabSz="914367" rtl="0" eaLnBrk="1" latinLnBrk="0" hangingPunct="1">
+                        <a:defRPr sz="1765" kern="1200">
+                          <a:solidFill>
+                            <a:schemeClr val="tx1"/>
+                          </a:solidFill>
+                          <a:latin typeface="Calibri" panose="020F0502020204030204"/>
+                        </a:defRPr>
+                      </a:lvl8pPr>
+                      <a:lvl9pPr marL="3657469" algn="l" defTabSz="914367" rtl="0" eaLnBrk="1" latinLnBrk="0" hangingPunct="1">
+                        <a:defRPr sz="1765" kern="1200">
+                          <a:solidFill>
+                            <a:schemeClr val="tx1"/>
+                          </a:solidFill>
+                          <a:latin typeface="Calibri" panose="020F0502020204030204"/>
+                        </a:defRPr>
+                      </a:lvl9pPr>
+                    </a:lstStyle>
+                    <a:p>
+                      <a:pPr marL="0" marR="0" algn="ctr">
+                        <a:lnSpc>
+                          <a:spcPct val="107000"/>
+                        </a:lnSpc>
+                        <a:spcBef>
+                          <a:spcPts val="0"/>
+                        </a:spcBef>
+                        <a:spcAft>
+                          <a:spcPts val="0"/>
+                        </a:spcAft>
+                      </a:pPr>
+                      <a:r>
+                        <a:rPr lang="en-US" sz="1000" b="1" dirty="0">
+                          <a:effectLst/>
+                          <a:latin typeface="Segoe UI" panose="020B0502040204020203" pitchFamily="34" charset="0"/>
+                          <a:ea typeface="Segoe UI" panose="020B0502040204020203" pitchFamily="34" charset="0"/>
+                          <a:cs typeface="Segoe UI" panose="020B0502040204020203" pitchFamily="34" charset="0"/>
+                        </a:rPr>
+                        <a:t>F:\</a:t>
+                      </a:r>
+                      <a:endParaRPr lang="en-US" sz="1000" dirty="0">
+                        <a:effectLst/>
+                        <a:latin typeface="Segoe UI" panose="020B0502040204020203" pitchFamily="34" charset="0"/>
+                        <a:ea typeface="Segoe UI" panose="020B0502040204020203" pitchFamily="34" charset="0"/>
+                        <a:cs typeface="Times New Roman" panose="02020603050405020304" pitchFamily="18" charset="0"/>
+                      </a:endParaRPr>
+                    </a:p>
+                  </a:txBody>
+                  <a:tcPr marL="68580" marR="68580" marT="0" marB="0">
+                    <a:lnL w="12700" cap="flat" cmpd="sng" algn="ctr">
+                      <a:solidFill>
+                        <a:srgbClr val="858585"/>
+                      </a:solidFill>
+                      <a:prstDash val="solid"/>
+                      <a:round/>
+                      <a:headEnd type="none" w="med" len="med"/>
+                      <a:tailEnd type="none" w="med" len="med"/>
+                    </a:lnL>
+                    <a:lnR w="12700" cap="flat" cmpd="sng" algn="ctr">
+                      <a:solidFill>
+                        <a:srgbClr val="858585"/>
+                      </a:solidFill>
+                      <a:prstDash val="solid"/>
+                      <a:round/>
+                      <a:headEnd type="none" w="med" len="med"/>
+                      <a:tailEnd type="none" w="med" len="med"/>
+                    </a:lnR>
+                    <a:lnT w="12700" cap="flat" cmpd="sng" algn="ctr">
+                      <a:solidFill>
+                        <a:srgbClr val="858585"/>
+                      </a:solidFill>
+                      <a:prstDash val="solid"/>
+                      <a:round/>
+                      <a:headEnd type="none" w="med" len="med"/>
+                      <a:tailEnd type="none" w="med" len="med"/>
+                    </a:lnT>
+                    <a:lnB w="12700" cap="flat" cmpd="sng" algn="ctr">
+                      <a:solidFill>
+                        <a:srgbClr val="858585"/>
+                      </a:solidFill>
+                      <a:prstDash val="solid"/>
+                      <a:round/>
+                      <a:headEnd type="none" w="med" len="med"/>
+                      <a:tailEnd type="none" w="med" len="med"/>
+                    </a:lnB>
+                    <a:lnTlToBr w="12700" cmpd="sng">
+                      <a:noFill/>
+                      <a:prstDash val="solid"/>
+                    </a:lnTlToBr>
+                    <a:lnBlToTr w="12700" cmpd="sng">
+                      <a:noFill/>
+                      <a:prstDash val="solid"/>
+                    </a:lnBlToTr>
+                    <a:solidFill>
+                      <a:srgbClr val="D6D6D6"/>
+                    </a:solidFill>
+                  </a:tcPr>
+                </a:tc>
+                <a:tc>
+                  <a:txBody>
+                    <a:bodyPr/>
+                    <a:lstStyle>
+                      <a:lvl1pPr marL="0" algn="l" defTabSz="914367" rtl="0" eaLnBrk="1" latinLnBrk="0" hangingPunct="1">
+                        <a:defRPr sz="1765" kern="1200">
+                          <a:solidFill>
+                            <a:schemeClr val="tx1"/>
+                          </a:solidFill>
+                          <a:latin typeface="Calibri" panose="020F0502020204030204"/>
+                        </a:defRPr>
+                      </a:lvl1pPr>
+                      <a:lvl2pPr marL="457183" algn="l" defTabSz="914367" rtl="0" eaLnBrk="1" latinLnBrk="0" hangingPunct="1">
+                        <a:defRPr sz="1765" kern="1200">
+                          <a:solidFill>
+                            <a:schemeClr val="tx1"/>
+                          </a:solidFill>
+                          <a:latin typeface="Calibri" panose="020F0502020204030204"/>
+                        </a:defRPr>
+                      </a:lvl2pPr>
+                      <a:lvl3pPr marL="914367" algn="l" defTabSz="914367" rtl="0" eaLnBrk="1" latinLnBrk="0" hangingPunct="1">
+                        <a:defRPr sz="1765" kern="1200">
+                          <a:solidFill>
+                            <a:schemeClr val="tx1"/>
+                          </a:solidFill>
+                          <a:latin typeface="Calibri" panose="020F0502020204030204"/>
+                        </a:defRPr>
+                      </a:lvl3pPr>
+                      <a:lvl4pPr marL="1371550" algn="l" defTabSz="914367" rtl="0" eaLnBrk="1" latinLnBrk="0" hangingPunct="1">
+                        <a:defRPr sz="1765" kern="1200">
+                          <a:solidFill>
+                            <a:schemeClr val="tx1"/>
+                          </a:solidFill>
+                          <a:latin typeface="Calibri" panose="020F0502020204030204"/>
+                        </a:defRPr>
+                      </a:lvl4pPr>
+                      <a:lvl5pPr marL="1828734" algn="l" defTabSz="914367" rtl="0" eaLnBrk="1" latinLnBrk="0" hangingPunct="1">
+                        <a:defRPr sz="1765" kern="1200">
+                          <a:solidFill>
+                            <a:schemeClr val="tx1"/>
+                          </a:solidFill>
+                          <a:latin typeface="Calibri" panose="020F0502020204030204"/>
+                        </a:defRPr>
+                      </a:lvl5pPr>
+                      <a:lvl6pPr marL="2285918" algn="l" defTabSz="914367" rtl="0" eaLnBrk="1" latinLnBrk="0" hangingPunct="1">
+                        <a:defRPr sz="1765" kern="1200">
+                          <a:solidFill>
+                            <a:schemeClr val="tx1"/>
+                          </a:solidFill>
+                          <a:latin typeface="Calibri" panose="020F0502020204030204"/>
+                        </a:defRPr>
+                      </a:lvl6pPr>
+                      <a:lvl7pPr marL="2743101" algn="l" defTabSz="914367" rtl="0" eaLnBrk="1" latinLnBrk="0" hangingPunct="1">
+                        <a:defRPr sz="1765" kern="1200">
+                          <a:solidFill>
+                            <a:schemeClr val="tx1"/>
+                          </a:solidFill>
+                          <a:latin typeface="Calibri" panose="020F0502020204030204"/>
+                        </a:defRPr>
+                      </a:lvl7pPr>
+                      <a:lvl8pPr marL="3200284" algn="l" defTabSz="914367" rtl="0" eaLnBrk="1" latinLnBrk="0" hangingPunct="1">
+                        <a:defRPr sz="1765" kern="1200">
+                          <a:solidFill>
+                            <a:schemeClr val="tx1"/>
+                          </a:solidFill>
+                          <a:latin typeface="Calibri" panose="020F0502020204030204"/>
+                        </a:defRPr>
+                      </a:lvl8pPr>
+                      <a:lvl9pPr marL="3657469" algn="l" defTabSz="914367" rtl="0" eaLnBrk="1" latinLnBrk="0" hangingPunct="1">
+                        <a:defRPr sz="1765" kern="1200">
+                          <a:solidFill>
+                            <a:schemeClr val="tx1"/>
+                          </a:solidFill>
+                          <a:latin typeface="Calibri" panose="020F0502020204030204"/>
+                        </a:defRPr>
+                      </a:lvl9pPr>
+                    </a:lstStyle>
+                    <a:p>
+                      <a:pPr marL="0" marR="0" algn="ctr">
+                        <a:lnSpc>
+                          <a:spcPct val="107000"/>
+                        </a:lnSpc>
+                        <a:spcBef>
+                          <a:spcPts val="0"/>
+                        </a:spcBef>
+                        <a:spcAft>
+                          <a:spcPts val="0"/>
+                        </a:spcAft>
+                      </a:pPr>
+                      <a:r>
+                        <a:rPr lang="en-US" sz="1000" dirty="0">
+                          <a:effectLst/>
+                          <a:latin typeface="Segoe UI" panose="020B0502040204020203" pitchFamily="34" charset="0"/>
+                          <a:ea typeface="Segoe UI" panose="020B0502040204020203" pitchFamily="34" charset="0"/>
+                          <a:cs typeface="Segoe UI" panose="020B0502040204020203" pitchFamily="34" charset="0"/>
+                        </a:rPr>
+                        <a:t>P20</a:t>
+                      </a:r>
+                      <a:endParaRPr lang="en-US" sz="1000" dirty="0">
+                        <a:effectLst/>
+                        <a:latin typeface="Segoe UI" panose="020B0502040204020203" pitchFamily="34" charset="0"/>
+                        <a:ea typeface="Segoe UI" panose="020B0502040204020203" pitchFamily="34" charset="0"/>
+                        <a:cs typeface="Times New Roman" panose="02020603050405020304" pitchFamily="18" charset="0"/>
+                      </a:endParaRPr>
+                    </a:p>
+                  </a:txBody>
+                  <a:tcPr marL="68580" marR="68580" marT="0" marB="0">
+                    <a:lnL w="12700" cap="flat" cmpd="sng" algn="ctr">
+                      <a:solidFill>
+                        <a:srgbClr val="858585"/>
+                      </a:solidFill>
+                      <a:prstDash val="solid"/>
+                      <a:round/>
+                      <a:headEnd type="none" w="med" len="med"/>
+                      <a:tailEnd type="none" w="med" len="med"/>
+                    </a:lnL>
+                    <a:lnR w="12700" cap="flat" cmpd="sng" algn="ctr">
+                      <a:solidFill>
+                        <a:srgbClr val="858585"/>
+                      </a:solidFill>
+                      <a:prstDash val="solid"/>
+                      <a:round/>
+                      <a:headEnd type="none" w="med" len="med"/>
+                      <a:tailEnd type="none" w="med" len="med"/>
+                    </a:lnR>
+                    <a:lnT w="12700" cap="flat" cmpd="sng" algn="ctr">
+                      <a:solidFill>
+                        <a:srgbClr val="858585"/>
+                      </a:solidFill>
+                      <a:prstDash val="solid"/>
+                      <a:round/>
+                      <a:headEnd type="none" w="med" len="med"/>
+                      <a:tailEnd type="none" w="med" len="med"/>
+                    </a:lnT>
+                    <a:lnB w="12700" cap="flat" cmpd="sng" algn="ctr">
+                      <a:solidFill>
+                        <a:srgbClr val="858585"/>
+                      </a:solidFill>
+                      <a:prstDash val="solid"/>
+                      <a:round/>
+                      <a:headEnd type="none" w="med" len="med"/>
+                      <a:tailEnd type="none" w="med" len="med"/>
+                    </a:lnB>
+                    <a:lnTlToBr w="12700" cmpd="sng">
+                      <a:noFill/>
+                      <a:prstDash val="solid"/>
+                    </a:lnTlToBr>
+                    <a:lnBlToTr w="12700" cmpd="sng">
+                      <a:noFill/>
+                      <a:prstDash val="solid"/>
+                    </a:lnBlToTr>
+                    <a:solidFill>
+                      <a:srgbClr val="D6D6D6"/>
+                    </a:solidFill>
+                  </a:tcPr>
+                </a:tc>
+                <a:tc>
+                  <a:txBody>
+                    <a:bodyPr/>
+                    <a:lstStyle>
+                      <a:lvl1pPr marL="0" algn="l" defTabSz="914367" rtl="0" eaLnBrk="1" latinLnBrk="0" hangingPunct="1">
+                        <a:defRPr sz="1765" kern="1200">
+                          <a:solidFill>
+                            <a:schemeClr val="tx1"/>
+                          </a:solidFill>
+                          <a:latin typeface="Calibri" panose="020F0502020204030204"/>
+                        </a:defRPr>
+                      </a:lvl1pPr>
+                      <a:lvl2pPr marL="457183" algn="l" defTabSz="914367" rtl="0" eaLnBrk="1" latinLnBrk="0" hangingPunct="1">
+                        <a:defRPr sz="1765" kern="1200">
+                          <a:solidFill>
+                            <a:schemeClr val="tx1"/>
+                          </a:solidFill>
+                          <a:latin typeface="Calibri" panose="020F0502020204030204"/>
+                        </a:defRPr>
+                      </a:lvl2pPr>
+                      <a:lvl3pPr marL="914367" algn="l" defTabSz="914367" rtl="0" eaLnBrk="1" latinLnBrk="0" hangingPunct="1">
+                        <a:defRPr sz="1765" kern="1200">
+                          <a:solidFill>
+                            <a:schemeClr val="tx1"/>
+                          </a:solidFill>
+                          <a:latin typeface="Calibri" panose="020F0502020204030204"/>
+                        </a:defRPr>
+                      </a:lvl3pPr>
+                      <a:lvl4pPr marL="1371550" algn="l" defTabSz="914367" rtl="0" eaLnBrk="1" latinLnBrk="0" hangingPunct="1">
+                        <a:defRPr sz="1765" kern="1200">
+                          <a:solidFill>
+                            <a:schemeClr val="tx1"/>
+                          </a:solidFill>
+                          <a:latin typeface="Calibri" panose="020F0502020204030204"/>
+                        </a:defRPr>
+                      </a:lvl4pPr>
+                      <a:lvl5pPr marL="1828734" algn="l" defTabSz="914367" rtl="0" eaLnBrk="1" latinLnBrk="0" hangingPunct="1">
+                        <a:defRPr sz="1765" kern="1200">
+                          <a:solidFill>
+                            <a:schemeClr val="tx1"/>
+                          </a:solidFill>
+                          <a:latin typeface="Calibri" panose="020F0502020204030204"/>
+                        </a:defRPr>
+                      </a:lvl5pPr>
+                      <a:lvl6pPr marL="2285918" algn="l" defTabSz="914367" rtl="0" eaLnBrk="1" latinLnBrk="0" hangingPunct="1">
+                        <a:defRPr sz="1765" kern="1200">
+                          <a:solidFill>
+                            <a:schemeClr val="tx1"/>
+                          </a:solidFill>
+                          <a:latin typeface="Calibri" panose="020F0502020204030204"/>
+                        </a:defRPr>
+                      </a:lvl6pPr>
+                      <a:lvl7pPr marL="2743101" algn="l" defTabSz="914367" rtl="0" eaLnBrk="1" latinLnBrk="0" hangingPunct="1">
+                        <a:defRPr sz="1765" kern="1200">
+                          <a:solidFill>
+                            <a:schemeClr val="tx1"/>
+                          </a:solidFill>
+                          <a:latin typeface="Calibri" panose="020F0502020204030204"/>
+                        </a:defRPr>
+                      </a:lvl7pPr>
+                      <a:lvl8pPr marL="3200284" algn="l" defTabSz="914367" rtl="0" eaLnBrk="1" latinLnBrk="0" hangingPunct="1">
+                        <a:defRPr sz="1765" kern="1200">
+                          <a:solidFill>
+                            <a:schemeClr val="tx1"/>
+                          </a:solidFill>
+                          <a:latin typeface="Calibri" panose="020F0502020204030204"/>
+                        </a:defRPr>
+                      </a:lvl8pPr>
+                      <a:lvl9pPr marL="3657469" algn="l" defTabSz="914367" rtl="0" eaLnBrk="1" latinLnBrk="0" hangingPunct="1">
+                        <a:defRPr sz="1765" kern="1200">
+                          <a:solidFill>
+                            <a:schemeClr val="tx1"/>
+                          </a:solidFill>
+                          <a:latin typeface="Calibri" panose="020F0502020204030204"/>
+                        </a:defRPr>
+                      </a:lvl9pPr>
+                    </a:lstStyle>
+                    <a:p>
+                      <a:pPr marL="0" marR="0">
+                        <a:lnSpc>
+                          <a:spcPct val="107000"/>
+                        </a:lnSpc>
+                        <a:spcBef>
+                          <a:spcPts val="0"/>
+                        </a:spcBef>
+                        <a:spcAft>
+                          <a:spcPts val="0"/>
+                        </a:spcAft>
+                      </a:pPr>
+                      <a:r>
+                        <a:rPr lang="en-US" sz="1000" dirty="0">
+                          <a:effectLst/>
+                          <a:latin typeface="Segoe UI" panose="020B0502040204020203" pitchFamily="34" charset="0"/>
+                          <a:ea typeface="Segoe UI" panose="020B0502040204020203" pitchFamily="34" charset="0"/>
+                          <a:cs typeface="Segoe UI" panose="020B0502040204020203" pitchFamily="34" charset="0"/>
+                        </a:rPr>
+                        <a:t>SQL Database Files</a:t>
+                      </a:r>
+                      <a:endParaRPr lang="en-US" sz="1000" dirty="0">
+                        <a:effectLst/>
+                        <a:latin typeface="Segoe UI" panose="020B0502040204020203" pitchFamily="34" charset="0"/>
+                        <a:ea typeface="Segoe UI" panose="020B0502040204020203" pitchFamily="34" charset="0"/>
+                        <a:cs typeface="Times New Roman" panose="02020603050405020304" pitchFamily="18" charset="0"/>
+                      </a:endParaRPr>
+                    </a:p>
+                  </a:txBody>
+                  <a:tcPr marL="68580" marR="68580" marT="0" marB="0">
+                    <a:lnL w="12700" cap="flat" cmpd="sng" algn="ctr">
+                      <a:solidFill>
+                        <a:srgbClr val="858585"/>
+                      </a:solidFill>
+                      <a:prstDash val="solid"/>
+                      <a:round/>
+                      <a:headEnd type="none" w="med" len="med"/>
+                      <a:tailEnd type="none" w="med" len="med"/>
+                    </a:lnL>
+                    <a:lnR w="12700" cap="flat" cmpd="sng" algn="ctr">
+                      <a:solidFill>
+                        <a:srgbClr val="858585"/>
+                      </a:solidFill>
+                      <a:prstDash val="solid"/>
+                      <a:round/>
+                      <a:headEnd type="none" w="med" len="med"/>
+                      <a:tailEnd type="none" w="med" len="med"/>
+                    </a:lnR>
+                    <a:lnT w="12700" cap="flat" cmpd="sng" algn="ctr">
+                      <a:solidFill>
+                        <a:srgbClr val="858585"/>
+                      </a:solidFill>
+                      <a:prstDash val="solid"/>
+                      <a:round/>
+                      <a:headEnd type="none" w="med" len="med"/>
+                      <a:tailEnd type="none" w="med" len="med"/>
+                    </a:lnT>
+                    <a:lnB w="12700" cap="flat" cmpd="sng" algn="ctr">
+                      <a:solidFill>
+                        <a:srgbClr val="858585"/>
+                      </a:solidFill>
+                      <a:prstDash val="solid"/>
+                      <a:round/>
+                      <a:headEnd type="none" w="med" len="med"/>
+                      <a:tailEnd type="none" w="med" len="med"/>
+                    </a:lnB>
+                    <a:lnTlToBr w="12700" cmpd="sng">
+                      <a:noFill/>
+                      <a:prstDash val="solid"/>
+                    </a:lnTlToBr>
+                    <a:lnBlToTr w="12700" cmpd="sng">
+                      <a:noFill/>
+                      <a:prstDash val="solid"/>
+                    </a:lnBlToTr>
+                    <a:solidFill>
+                      <a:srgbClr val="D6D6D6"/>
+                    </a:solidFill>
+                  </a:tcPr>
+                </a:tc>
+                <a:extLst>
+                  <a:ext uri="{0D108BD9-81ED-4DB2-BD59-A6C34878D82A}">
+                    <a16:rowId xmlns:a16="http://schemas.microsoft.com/office/drawing/2014/main" val="965051450"/>
+                  </a:ext>
+                </a:extLst>
+              </a:tr>
+              <a:tr h="0">
+                <a:tc>
+                  <a:txBody>
+                    <a:bodyPr/>
+                    <a:lstStyle>
+                      <a:lvl1pPr marL="0" algn="l" defTabSz="914367" rtl="0" eaLnBrk="1" latinLnBrk="0" hangingPunct="1">
+                        <a:defRPr sz="1765" kern="1200">
+                          <a:solidFill>
+                            <a:schemeClr val="tx1"/>
+                          </a:solidFill>
+                          <a:latin typeface="Calibri" panose="020F0502020204030204"/>
+                        </a:defRPr>
+                      </a:lvl1pPr>
+                      <a:lvl2pPr marL="457183" algn="l" defTabSz="914367" rtl="0" eaLnBrk="1" latinLnBrk="0" hangingPunct="1">
+                        <a:defRPr sz="1765" kern="1200">
+                          <a:solidFill>
+                            <a:schemeClr val="tx1"/>
+                          </a:solidFill>
+                          <a:latin typeface="Calibri" panose="020F0502020204030204"/>
+                        </a:defRPr>
+                      </a:lvl2pPr>
+                      <a:lvl3pPr marL="914367" algn="l" defTabSz="914367" rtl="0" eaLnBrk="1" latinLnBrk="0" hangingPunct="1">
+                        <a:defRPr sz="1765" kern="1200">
+                          <a:solidFill>
+                            <a:schemeClr val="tx1"/>
+                          </a:solidFill>
+                          <a:latin typeface="Calibri" panose="020F0502020204030204"/>
+                        </a:defRPr>
+                      </a:lvl3pPr>
+                      <a:lvl4pPr marL="1371550" algn="l" defTabSz="914367" rtl="0" eaLnBrk="1" latinLnBrk="0" hangingPunct="1">
+                        <a:defRPr sz="1765" kern="1200">
+                          <a:solidFill>
+                            <a:schemeClr val="tx1"/>
+                          </a:solidFill>
+                          <a:latin typeface="Calibri" panose="020F0502020204030204"/>
+                        </a:defRPr>
+                      </a:lvl4pPr>
+                      <a:lvl5pPr marL="1828734" algn="l" defTabSz="914367" rtl="0" eaLnBrk="1" latinLnBrk="0" hangingPunct="1">
+                        <a:defRPr sz="1765" kern="1200">
+                          <a:solidFill>
+                            <a:schemeClr val="tx1"/>
+                          </a:solidFill>
+                          <a:latin typeface="Calibri" panose="020F0502020204030204"/>
+                        </a:defRPr>
+                      </a:lvl5pPr>
+                      <a:lvl6pPr marL="2285918" algn="l" defTabSz="914367" rtl="0" eaLnBrk="1" latinLnBrk="0" hangingPunct="1">
+                        <a:defRPr sz="1765" kern="1200">
+                          <a:solidFill>
+                            <a:schemeClr val="tx1"/>
+                          </a:solidFill>
+                          <a:latin typeface="Calibri" panose="020F0502020204030204"/>
+                        </a:defRPr>
+                      </a:lvl6pPr>
+                      <a:lvl7pPr marL="2743101" algn="l" defTabSz="914367" rtl="0" eaLnBrk="1" latinLnBrk="0" hangingPunct="1">
+                        <a:defRPr sz="1765" kern="1200">
+                          <a:solidFill>
+                            <a:schemeClr val="tx1"/>
+                          </a:solidFill>
+                          <a:latin typeface="Calibri" panose="020F0502020204030204"/>
+                        </a:defRPr>
+                      </a:lvl7pPr>
+                      <a:lvl8pPr marL="3200284" algn="l" defTabSz="914367" rtl="0" eaLnBrk="1" latinLnBrk="0" hangingPunct="1">
+                        <a:defRPr sz="1765" kern="1200">
+                          <a:solidFill>
+                            <a:schemeClr val="tx1"/>
+                          </a:solidFill>
+                          <a:latin typeface="Calibri" panose="020F0502020204030204"/>
+                        </a:defRPr>
+                      </a:lvl8pPr>
+                      <a:lvl9pPr marL="3657469" algn="l" defTabSz="914367" rtl="0" eaLnBrk="1" latinLnBrk="0" hangingPunct="1">
+                        <a:defRPr sz="1765" kern="1200">
+                          <a:solidFill>
+                            <a:schemeClr val="tx1"/>
+                          </a:solidFill>
+                          <a:latin typeface="Calibri" panose="020F0502020204030204"/>
+                        </a:defRPr>
+                      </a:lvl9pPr>
+                    </a:lstStyle>
+                    <a:p>
+                      <a:pPr marL="0" marR="0" algn="ctr">
+                        <a:lnSpc>
+                          <a:spcPct val="107000"/>
+                        </a:lnSpc>
+                        <a:spcBef>
+                          <a:spcPts val="0"/>
+                        </a:spcBef>
+                        <a:spcAft>
+                          <a:spcPts val="0"/>
+                        </a:spcAft>
+                      </a:pPr>
+                      <a:r>
+                        <a:rPr lang="en-US" sz="1000" b="1" dirty="0">
+                          <a:effectLst/>
+                          <a:latin typeface="Segoe UI" panose="020B0502040204020203" pitchFamily="34" charset="0"/>
+                          <a:ea typeface="Segoe UI" panose="020B0502040204020203" pitchFamily="34" charset="0"/>
+                          <a:cs typeface="Segoe UI" panose="020B0502040204020203" pitchFamily="34" charset="0"/>
+                        </a:rPr>
+                        <a:t>G:\</a:t>
+                      </a:r>
+                      <a:endParaRPr lang="en-US" sz="1000" dirty="0">
+                        <a:effectLst/>
+                        <a:latin typeface="Segoe UI" panose="020B0502040204020203" pitchFamily="34" charset="0"/>
+                        <a:ea typeface="Segoe UI" panose="020B0502040204020203" pitchFamily="34" charset="0"/>
+                        <a:cs typeface="Times New Roman" panose="02020603050405020304" pitchFamily="18" charset="0"/>
+                      </a:endParaRPr>
+                    </a:p>
+                  </a:txBody>
+                  <a:tcPr marL="68580" marR="68580" marT="0" marB="0">
+                    <a:lnL w="12700" cap="flat" cmpd="sng" algn="ctr">
+                      <a:solidFill>
+                        <a:srgbClr val="858585"/>
+                      </a:solidFill>
+                      <a:prstDash val="solid"/>
+                      <a:round/>
+                      <a:headEnd type="none" w="med" len="med"/>
+                      <a:tailEnd type="none" w="med" len="med"/>
+                    </a:lnL>
+                    <a:lnR w="12700" cap="flat" cmpd="sng" algn="ctr">
+                      <a:solidFill>
+                        <a:srgbClr val="858585"/>
+                      </a:solidFill>
+                      <a:prstDash val="solid"/>
+                      <a:round/>
+                      <a:headEnd type="none" w="med" len="med"/>
+                      <a:tailEnd type="none" w="med" len="med"/>
+                    </a:lnR>
+                    <a:lnT w="12700" cap="flat" cmpd="sng" algn="ctr">
+                      <a:solidFill>
+                        <a:srgbClr val="858585"/>
+                      </a:solidFill>
+                      <a:prstDash val="solid"/>
+                      <a:round/>
+                      <a:headEnd type="none" w="med" len="med"/>
+                      <a:tailEnd type="none" w="med" len="med"/>
+                    </a:lnT>
+                    <a:lnB w="12700" cap="flat" cmpd="sng" algn="ctr">
+                      <a:solidFill>
+                        <a:srgbClr val="858585"/>
+                      </a:solidFill>
+                      <a:prstDash val="solid"/>
+                      <a:round/>
+                      <a:headEnd type="none" w="med" len="med"/>
+                      <a:tailEnd type="none" w="med" len="med"/>
+                    </a:lnB>
+                    <a:lnTlToBr w="12700" cmpd="sng">
+                      <a:noFill/>
+                      <a:prstDash val="solid"/>
+                    </a:lnTlToBr>
+                    <a:lnBlToTr w="12700" cmpd="sng">
+                      <a:noFill/>
+                      <a:prstDash val="solid"/>
+                    </a:lnBlToTr>
+                    <a:noFill/>
+                  </a:tcPr>
+                </a:tc>
+                <a:tc>
+                  <a:txBody>
+                    <a:bodyPr/>
+                    <a:lstStyle>
+                      <a:lvl1pPr marL="0" algn="l" defTabSz="914367" rtl="0" eaLnBrk="1" latinLnBrk="0" hangingPunct="1">
+                        <a:defRPr sz="1765" kern="1200">
+                          <a:solidFill>
+                            <a:schemeClr val="tx1"/>
+                          </a:solidFill>
+                          <a:latin typeface="Calibri" panose="020F0502020204030204"/>
+                        </a:defRPr>
+                      </a:lvl1pPr>
+                      <a:lvl2pPr marL="457183" algn="l" defTabSz="914367" rtl="0" eaLnBrk="1" latinLnBrk="0" hangingPunct="1">
+                        <a:defRPr sz="1765" kern="1200">
+                          <a:solidFill>
+                            <a:schemeClr val="tx1"/>
+                          </a:solidFill>
+                          <a:latin typeface="Calibri" panose="020F0502020204030204"/>
+                        </a:defRPr>
+                      </a:lvl2pPr>
+                      <a:lvl3pPr marL="914367" algn="l" defTabSz="914367" rtl="0" eaLnBrk="1" latinLnBrk="0" hangingPunct="1">
+                        <a:defRPr sz="1765" kern="1200">
+                          <a:solidFill>
+                            <a:schemeClr val="tx1"/>
+                          </a:solidFill>
+                          <a:latin typeface="Calibri" panose="020F0502020204030204"/>
+                        </a:defRPr>
+                      </a:lvl3pPr>
+                      <a:lvl4pPr marL="1371550" algn="l" defTabSz="914367" rtl="0" eaLnBrk="1" latinLnBrk="0" hangingPunct="1">
+                        <a:defRPr sz="1765" kern="1200">
+                          <a:solidFill>
+                            <a:schemeClr val="tx1"/>
+                          </a:solidFill>
+                          <a:latin typeface="Calibri" panose="020F0502020204030204"/>
+                        </a:defRPr>
+                      </a:lvl4pPr>
+                      <a:lvl5pPr marL="1828734" algn="l" defTabSz="914367" rtl="0" eaLnBrk="1" latinLnBrk="0" hangingPunct="1">
+                        <a:defRPr sz="1765" kern="1200">
+                          <a:solidFill>
+                            <a:schemeClr val="tx1"/>
+                          </a:solidFill>
+                          <a:latin typeface="Calibri" panose="020F0502020204030204"/>
+                        </a:defRPr>
+                      </a:lvl5pPr>
+                      <a:lvl6pPr marL="2285918" algn="l" defTabSz="914367" rtl="0" eaLnBrk="1" latinLnBrk="0" hangingPunct="1">
+                        <a:defRPr sz="1765" kern="1200">
+                          <a:solidFill>
+                            <a:schemeClr val="tx1"/>
+                          </a:solidFill>
+                          <a:latin typeface="Calibri" panose="020F0502020204030204"/>
+                        </a:defRPr>
+                      </a:lvl6pPr>
+                      <a:lvl7pPr marL="2743101" algn="l" defTabSz="914367" rtl="0" eaLnBrk="1" latinLnBrk="0" hangingPunct="1">
+                        <a:defRPr sz="1765" kern="1200">
+                          <a:solidFill>
+                            <a:schemeClr val="tx1"/>
+                          </a:solidFill>
+                          <a:latin typeface="Calibri" panose="020F0502020204030204"/>
+                        </a:defRPr>
+                      </a:lvl7pPr>
+                      <a:lvl8pPr marL="3200284" algn="l" defTabSz="914367" rtl="0" eaLnBrk="1" latinLnBrk="0" hangingPunct="1">
+                        <a:defRPr sz="1765" kern="1200">
+                          <a:solidFill>
+                            <a:schemeClr val="tx1"/>
+                          </a:solidFill>
+                          <a:latin typeface="Calibri" panose="020F0502020204030204"/>
+                        </a:defRPr>
+                      </a:lvl8pPr>
+                      <a:lvl9pPr marL="3657469" algn="l" defTabSz="914367" rtl="0" eaLnBrk="1" latinLnBrk="0" hangingPunct="1">
+                        <a:defRPr sz="1765" kern="1200">
+                          <a:solidFill>
+                            <a:schemeClr val="tx1"/>
+                          </a:solidFill>
+                          <a:latin typeface="Calibri" panose="020F0502020204030204"/>
+                        </a:defRPr>
+                      </a:lvl9pPr>
+                    </a:lstStyle>
+                    <a:p>
+                      <a:pPr marL="0" marR="0" algn="ctr">
+                        <a:lnSpc>
+                          <a:spcPct val="107000"/>
+                        </a:lnSpc>
+                        <a:spcBef>
+                          <a:spcPts val="0"/>
+                        </a:spcBef>
+                        <a:spcAft>
+                          <a:spcPts val="0"/>
+                        </a:spcAft>
+                      </a:pPr>
+                      <a:r>
+                        <a:rPr lang="en-US" sz="1000" dirty="0">
+                          <a:effectLst/>
+                          <a:latin typeface="Segoe UI" panose="020B0502040204020203" pitchFamily="34" charset="0"/>
+                          <a:ea typeface="Segoe UI" panose="020B0502040204020203" pitchFamily="34" charset="0"/>
+                          <a:cs typeface="Segoe UI" panose="020B0502040204020203" pitchFamily="34" charset="0"/>
+                        </a:rPr>
+                        <a:t>P20</a:t>
+                      </a:r>
+                      <a:endParaRPr lang="en-US" sz="1000" dirty="0">
+                        <a:effectLst/>
+                        <a:latin typeface="Segoe UI" panose="020B0502040204020203" pitchFamily="34" charset="0"/>
+                        <a:ea typeface="Segoe UI" panose="020B0502040204020203" pitchFamily="34" charset="0"/>
+                        <a:cs typeface="Times New Roman" panose="02020603050405020304" pitchFamily="18" charset="0"/>
+                      </a:endParaRPr>
+                    </a:p>
+                  </a:txBody>
+                  <a:tcPr marL="68580" marR="68580" marT="0" marB="0">
+                    <a:lnL w="12700" cap="flat" cmpd="sng" algn="ctr">
+                      <a:solidFill>
+                        <a:srgbClr val="858585"/>
+                      </a:solidFill>
+                      <a:prstDash val="solid"/>
+                      <a:round/>
+                      <a:headEnd type="none" w="med" len="med"/>
+                      <a:tailEnd type="none" w="med" len="med"/>
+                    </a:lnL>
+                    <a:lnR w="12700" cap="flat" cmpd="sng" algn="ctr">
+                      <a:solidFill>
+                        <a:srgbClr val="858585"/>
+                      </a:solidFill>
+                      <a:prstDash val="solid"/>
+                      <a:round/>
+                      <a:headEnd type="none" w="med" len="med"/>
+                      <a:tailEnd type="none" w="med" len="med"/>
+                    </a:lnR>
+                    <a:lnT w="12700" cap="flat" cmpd="sng" algn="ctr">
+                      <a:solidFill>
+                        <a:srgbClr val="858585"/>
+                      </a:solidFill>
+                      <a:prstDash val="solid"/>
+                      <a:round/>
+                      <a:headEnd type="none" w="med" len="med"/>
+                      <a:tailEnd type="none" w="med" len="med"/>
+                    </a:lnT>
+                    <a:lnB w="12700" cap="flat" cmpd="sng" algn="ctr">
+                      <a:solidFill>
+                        <a:srgbClr val="858585"/>
+                      </a:solidFill>
+                      <a:prstDash val="solid"/>
+                      <a:round/>
+                      <a:headEnd type="none" w="med" len="med"/>
+                      <a:tailEnd type="none" w="med" len="med"/>
+                    </a:lnB>
+                    <a:lnTlToBr w="12700" cmpd="sng">
+                      <a:noFill/>
+                      <a:prstDash val="solid"/>
+                    </a:lnTlToBr>
+                    <a:lnBlToTr w="12700" cmpd="sng">
+                      <a:noFill/>
+                      <a:prstDash val="solid"/>
+                    </a:lnBlToTr>
+                    <a:noFill/>
+                  </a:tcPr>
+                </a:tc>
+                <a:tc>
+                  <a:txBody>
+                    <a:bodyPr/>
+                    <a:lstStyle>
+                      <a:lvl1pPr marL="0" algn="l" defTabSz="914367" rtl="0" eaLnBrk="1" latinLnBrk="0" hangingPunct="1">
+                        <a:defRPr sz="1765" kern="1200">
+                          <a:solidFill>
+                            <a:schemeClr val="tx1"/>
+                          </a:solidFill>
+                          <a:latin typeface="Calibri" panose="020F0502020204030204"/>
+                        </a:defRPr>
+                      </a:lvl1pPr>
+                      <a:lvl2pPr marL="457183" algn="l" defTabSz="914367" rtl="0" eaLnBrk="1" latinLnBrk="0" hangingPunct="1">
+                        <a:defRPr sz="1765" kern="1200">
+                          <a:solidFill>
+                            <a:schemeClr val="tx1"/>
+                          </a:solidFill>
+                          <a:latin typeface="Calibri" panose="020F0502020204030204"/>
+                        </a:defRPr>
+                      </a:lvl2pPr>
+                      <a:lvl3pPr marL="914367" algn="l" defTabSz="914367" rtl="0" eaLnBrk="1" latinLnBrk="0" hangingPunct="1">
+                        <a:defRPr sz="1765" kern="1200">
+                          <a:solidFill>
+                            <a:schemeClr val="tx1"/>
+                          </a:solidFill>
+                          <a:latin typeface="Calibri" panose="020F0502020204030204"/>
+                        </a:defRPr>
+                      </a:lvl3pPr>
+                      <a:lvl4pPr marL="1371550" algn="l" defTabSz="914367" rtl="0" eaLnBrk="1" latinLnBrk="0" hangingPunct="1">
+                        <a:defRPr sz="1765" kern="1200">
+                          <a:solidFill>
+                            <a:schemeClr val="tx1"/>
+                          </a:solidFill>
+                          <a:latin typeface="Calibri" panose="020F0502020204030204"/>
+                        </a:defRPr>
+                      </a:lvl4pPr>
+                      <a:lvl5pPr marL="1828734" algn="l" defTabSz="914367" rtl="0" eaLnBrk="1" latinLnBrk="0" hangingPunct="1">
+                        <a:defRPr sz="1765" kern="1200">
+                          <a:solidFill>
+                            <a:schemeClr val="tx1"/>
+                          </a:solidFill>
+                          <a:latin typeface="Calibri" panose="020F0502020204030204"/>
+                        </a:defRPr>
+                      </a:lvl5pPr>
+                      <a:lvl6pPr marL="2285918" algn="l" defTabSz="914367" rtl="0" eaLnBrk="1" latinLnBrk="0" hangingPunct="1">
+                        <a:defRPr sz="1765" kern="1200">
+                          <a:solidFill>
+                            <a:schemeClr val="tx1"/>
+                          </a:solidFill>
+                          <a:latin typeface="Calibri" panose="020F0502020204030204"/>
+                        </a:defRPr>
+                      </a:lvl6pPr>
+                      <a:lvl7pPr marL="2743101" algn="l" defTabSz="914367" rtl="0" eaLnBrk="1" latinLnBrk="0" hangingPunct="1">
+                        <a:defRPr sz="1765" kern="1200">
+                          <a:solidFill>
+                            <a:schemeClr val="tx1"/>
+                          </a:solidFill>
+                          <a:latin typeface="Calibri" panose="020F0502020204030204"/>
+                        </a:defRPr>
+                      </a:lvl7pPr>
+                      <a:lvl8pPr marL="3200284" algn="l" defTabSz="914367" rtl="0" eaLnBrk="1" latinLnBrk="0" hangingPunct="1">
+                        <a:defRPr sz="1765" kern="1200">
+                          <a:solidFill>
+                            <a:schemeClr val="tx1"/>
+                          </a:solidFill>
+                          <a:latin typeface="Calibri" panose="020F0502020204030204"/>
+                        </a:defRPr>
+                      </a:lvl8pPr>
+                      <a:lvl9pPr marL="3657469" algn="l" defTabSz="914367" rtl="0" eaLnBrk="1" latinLnBrk="0" hangingPunct="1">
+                        <a:defRPr sz="1765" kern="1200">
+                          <a:solidFill>
+                            <a:schemeClr val="tx1"/>
+                          </a:solidFill>
+                          <a:latin typeface="Calibri" panose="020F0502020204030204"/>
+                        </a:defRPr>
+                      </a:lvl9pPr>
+                    </a:lstStyle>
+                    <a:p>
+                      <a:pPr marL="0" marR="0">
+                        <a:lnSpc>
+                          <a:spcPct val="107000"/>
+                        </a:lnSpc>
+                        <a:spcBef>
+                          <a:spcPts val="0"/>
+                        </a:spcBef>
+                        <a:spcAft>
+                          <a:spcPts val="0"/>
+                        </a:spcAft>
+                      </a:pPr>
+                      <a:r>
+                        <a:rPr lang="en-US" sz="1000" dirty="0">
+                          <a:effectLst/>
+                          <a:latin typeface="Segoe UI" panose="020B0502040204020203" pitchFamily="34" charset="0"/>
+                          <a:ea typeface="Segoe UI" panose="020B0502040204020203" pitchFamily="34" charset="0"/>
+                          <a:cs typeface="Segoe UI" panose="020B0502040204020203" pitchFamily="34" charset="0"/>
+                        </a:rPr>
+                        <a:t>SQL Database Log Files</a:t>
+                      </a:r>
+                      <a:endParaRPr lang="en-US" sz="1000" dirty="0">
+                        <a:effectLst/>
+                        <a:latin typeface="Segoe UI" panose="020B0502040204020203" pitchFamily="34" charset="0"/>
+                        <a:ea typeface="Segoe UI" panose="020B0502040204020203" pitchFamily="34" charset="0"/>
+                        <a:cs typeface="Times New Roman" panose="02020603050405020304" pitchFamily="18" charset="0"/>
+                      </a:endParaRPr>
+                    </a:p>
+                  </a:txBody>
+                  <a:tcPr marL="68580" marR="68580" marT="0" marB="0">
+                    <a:lnL w="12700" cap="flat" cmpd="sng" algn="ctr">
+                      <a:solidFill>
+                        <a:srgbClr val="858585"/>
+                      </a:solidFill>
+                      <a:prstDash val="solid"/>
+                      <a:round/>
+                      <a:headEnd type="none" w="med" len="med"/>
+                      <a:tailEnd type="none" w="med" len="med"/>
+                    </a:lnL>
+                    <a:lnR w="12700" cap="flat" cmpd="sng" algn="ctr">
+                      <a:solidFill>
+                        <a:srgbClr val="858585"/>
+                      </a:solidFill>
+                      <a:prstDash val="solid"/>
+                      <a:round/>
+                      <a:headEnd type="none" w="med" len="med"/>
+                      <a:tailEnd type="none" w="med" len="med"/>
+                    </a:lnR>
+                    <a:lnT w="12700" cap="flat" cmpd="sng" algn="ctr">
+                      <a:solidFill>
+                        <a:srgbClr val="858585"/>
+                      </a:solidFill>
+                      <a:prstDash val="solid"/>
+                      <a:round/>
+                      <a:headEnd type="none" w="med" len="med"/>
+                      <a:tailEnd type="none" w="med" len="med"/>
+                    </a:lnT>
+                    <a:lnB w="12700" cap="flat" cmpd="sng" algn="ctr">
+                      <a:solidFill>
+                        <a:srgbClr val="858585"/>
+                      </a:solidFill>
+                      <a:prstDash val="solid"/>
+                      <a:round/>
+                      <a:headEnd type="none" w="med" len="med"/>
+                      <a:tailEnd type="none" w="med" len="med"/>
+                    </a:lnB>
+                    <a:lnTlToBr w="12700" cmpd="sng">
+                      <a:noFill/>
+                      <a:prstDash val="solid"/>
+                    </a:lnTlToBr>
+                    <a:lnBlToTr w="12700" cmpd="sng">
+                      <a:noFill/>
+                      <a:prstDash val="solid"/>
+                    </a:lnBlToTr>
+                    <a:noFill/>
+                  </a:tcPr>
+                </a:tc>
+                <a:extLst>
+                  <a:ext uri="{0D108BD9-81ED-4DB2-BD59-A6C34878D82A}">
+                    <a16:rowId xmlns:a16="http://schemas.microsoft.com/office/drawing/2014/main" val="240385844"/>
+                  </a:ext>
+                </a:extLst>
+              </a:tr>
+            </a:tbl>
+          </a:graphicData>
+        </a:graphic>
+      </p:graphicFrame>
+      <p:sp>
+        <p:nvSpPr>
+          <p:cNvPr id="110" name="TextBox 109">
+            <a:extLst>
+              <a:ext uri="{FF2B5EF4-FFF2-40B4-BE49-F238E27FC236}">
+                <a16:creationId xmlns:a16="http://schemas.microsoft.com/office/drawing/2014/main" id="{264187E5-7BFF-B24D-B167-2BF4782ADFC0}"/>
+              </a:ext>
+            </a:extLst>
+          </p:cNvPr>
+          <p:cNvSpPr txBox="1"/>
+          <p:nvPr/>
+        </p:nvSpPr>
+        <p:spPr>
+          <a:xfrm>
+            <a:off x="6726264" y="5688470"/>
+            <a:ext cx="2774082" cy="166199"/>
+          </a:xfrm>
+          <a:prstGeom prst="rect">
+            <a:avLst/>
+          </a:prstGeom>
+          <a:noFill/>
+        </p:spPr>
+        <p:txBody>
+          <a:bodyPr wrap="square" lIns="0" tIns="0" rIns="0" bIns="0" rtlCol="0" anchor="ctr">
+            <a:spAutoFit/>
+          </a:bodyPr>
+          <a:lstStyle/>
+          <a:p>
+            <a:pPr>
+              <a:lnSpc>
+                <a:spcPct val="90000"/>
+              </a:lnSpc>
+              <a:defRPr/>
+            </a:pPr>
+            <a:r>
+              <a:rPr lang="en-US" sz="1200" dirty="0">
+                <a:gradFill>
+                  <a:gsLst>
+                    <a:gs pos="2917">
+                      <a:prstClr val="black"/>
+                    </a:gs>
+                    <a:gs pos="30000">
+                      <a:prstClr val="black"/>
+                    </a:gs>
+                  </a:gsLst>
+                  <a:lin ang="5400000" scaled="0"/>
+                </a:gradFill>
+                <a:latin typeface="Calibri" panose="020F0502020204030204"/>
+              </a:rPr>
+              <a:t>Storage configuration for SQL Server</a:t>
+            </a:r>
+          </a:p>
+        </p:txBody>
+      </p:sp>
+      <p:pic>
+        <p:nvPicPr>
+          <p:cNvPr id="111" name="Picture 110" descr="Azure DC2" title="Azure DC2">
+            <a:extLst>
+              <a:ext uri="{FF2B5EF4-FFF2-40B4-BE49-F238E27FC236}">
+                <a16:creationId xmlns:a16="http://schemas.microsoft.com/office/drawing/2014/main" id="{4E4B5966-39DE-E443-840A-FC0A814450C3}"/>
+              </a:ext>
+            </a:extLst>
+          </p:cNvPr>
+          <p:cNvPicPr>
+            <a:picLocks noChangeAspect="1"/>
+          </p:cNvPicPr>
+          <p:nvPr/>
+        </p:nvPicPr>
+        <p:blipFill>
+          <a:blip r:embed="rId3" cstate="print">
+            <a:extLst>
+              <a:ext uri="{28A0092B-C50C-407E-A947-70E740481C1C}">
+                <a14:useLocalDpi xmlns:a14="http://schemas.microsoft.com/office/drawing/2010/main" val="0"/>
+              </a:ext>
+            </a:extLst>
+          </a:blip>
+          <a:stretch>
+            <a:fillRect/>
+          </a:stretch>
+        </p:blipFill>
+        <p:spPr>
+          <a:xfrm>
+            <a:off x="7403806" y="1709358"/>
+            <a:ext cx="719446" cy="719446"/>
+          </a:xfrm>
+          <a:prstGeom prst="rect">
+            <a:avLst/>
+          </a:prstGeom>
+        </p:spPr>
+      </p:pic>
+      <p:pic>
+        <p:nvPicPr>
+          <p:cNvPr id="112" name="Picture 111">
+            <a:extLst>
+              <a:ext uri="{FF2B5EF4-FFF2-40B4-BE49-F238E27FC236}">
+                <a16:creationId xmlns:a16="http://schemas.microsoft.com/office/drawing/2014/main" id="{C0912C4A-6823-BB4C-AAEB-D51D0EE6BFAB}"/>
+              </a:ext>
+            </a:extLst>
+          </p:cNvPr>
+          <p:cNvPicPr>
+            <a:picLocks noChangeAspect="1"/>
+          </p:cNvPicPr>
+          <p:nvPr/>
+        </p:nvPicPr>
+        <p:blipFill>
+          <a:blip r:embed="rId5" cstate="print">
+            <a:extLst>
+              <a:ext uri="{28A0092B-C50C-407E-A947-70E740481C1C}">
+                <a14:useLocalDpi xmlns:a14="http://schemas.microsoft.com/office/drawing/2010/main" val="0"/>
+              </a:ext>
+            </a:extLst>
+          </a:blip>
+          <a:stretch>
+            <a:fillRect/>
+          </a:stretch>
+        </p:blipFill>
+        <p:spPr>
+          <a:xfrm>
+            <a:off x="8008804" y="4595720"/>
+            <a:ext cx="470903" cy="470903"/>
+          </a:xfrm>
+          <a:prstGeom prst="rect">
+            <a:avLst/>
+          </a:prstGeom>
+        </p:spPr>
+      </p:pic>
+      <p:cxnSp>
+        <p:nvCxnSpPr>
+          <p:cNvPr id="113" name="Straight Connector 112">
+            <a:extLst>
+              <a:ext uri="{FF2B5EF4-FFF2-40B4-BE49-F238E27FC236}">
+                <a16:creationId xmlns:a16="http://schemas.microsoft.com/office/drawing/2014/main" id="{9A6746AC-14FE-7C44-B740-5ECFF4658477}"/>
+              </a:ext>
+            </a:extLst>
+          </p:cNvPr>
+          <p:cNvCxnSpPr>
+            <a:cxnSpLocks/>
+          </p:cNvCxnSpPr>
+          <p:nvPr/>
+        </p:nvCxnSpPr>
+        <p:spPr>
+          <a:xfrm>
+            <a:off x="8215136" y="1452787"/>
+            <a:ext cx="374349" cy="372229"/>
+          </a:xfrm>
+          <a:prstGeom prst="line">
+            <a:avLst/>
+          </a:prstGeom>
+          <a:noFill/>
+          <a:ln w="6350" cap="flat" cmpd="sng" algn="ctr">
+            <a:solidFill>
+              <a:srgbClr val="5B9BD5"/>
+            </a:solidFill>
+            <a:prstDash val="solid"/>
+            <a:miter lim="800000"/>
+          </a:ln>
+          <a:effectLst/>
+        </p:spPr>
+      </p:cxnSp>
+      <p:cxnSp>
+        <p:nvCxnSpPr>
+          <p:cNvPr id="114" name="Straight Connector 113">
+            <a:extLst>
+              <a:ext uri="{FF2B5EF4-FFF2-40B4-BE49-F238E27FC236}">
+                <a16:creationId xmlns:a16="http://schemas.microsoft.com/office/drawing/2014/main" id="{36056802-73AC-264A-9345-7E047EE53379}"/>
+              </a:ext>
+            </a:extLst>
+          </p:cNvPr>
+          <p:cNvCxnSpPr>
+            <a:cxnSpLocks/>
+          </p:cNvCxnSpPr>
+          <p:nvPr/>
+        </p:nvCxnSpPr>
+        <p:spPr>
+          <a:xfrm flipH="1">
+            <a:off x="8384040" y="2385742"/>
+            <a:ext cx="113561" cy="181375"/>
+          </a:xfrm>
+          <a:prstGeom prst="line">
+            <a:avLst/>
+          </a:prstGeom>
+          <a:noFill/>
+          <a:ln w="6350" cap="flat" cmpd="sng" algn="ctr">
+            <a:solidFill>
+              <a:srgbClr val="5B9BD5"/>
+            </a:solidFill>
+            <a:prstDash val="solid"/>
+            <a:miter lim="800000"/>
+          </a:ln>
+          <a:effectLst/>
+        </p:spPr>
+      </p:cxnSp>
+      <p:pic>
+        <p:nvPicPr>
+          <p:cNvPr id="115" name="Picture 114" descr="Azure DC2" title="Azure DC2">
+            <a:extLst>
+              <a:ext uri="{FF2B5EF4-FFF2-40B4-BE49-F238E27FC236}">
+                <a16:creationId xmlns:a16="http://schemas.microsoft.com/office/drawing/2014/main" id="{FA6EF21F-5627-6140-A2A8-29087B6166A3}"/>
+              </a:ext>
+            </a:extLst>
+          </p:cNvPr>
+          <p:cNvPicPr>
+            <a:picLocks noChangeAspect="1"/>
+          </p:cNvPicPr>
+          <p:nvPr/>
+        </p:nvPicPr>
+        <p:blipFill>
+          <a:blip r:embed="rId3" cstate="print">
+            <a:extLst>
+              <a:ext uri="{28A0092B-C50C-407E-A947-70E740481C1C}">
+                <a14:useLocalDpi xmlns:a14="http://schemas.microsoft.com/office/drawing/2010/main" val="0"/>
+              </a:ext>
+            </a:extLst>
+          </a:blip>
+          <a:stretch>
+            <a:fillRect/>
+          </a:stretch>
+        </p:blipFill>
+        <p:spPr>
+          <a:xfrm>
+            <a:off x="8274460" y="1710704"/>
+            <a:ext cx="719446" cy="719446"/>
+          </a:xfrm>
+          <a:prstGeom prst="rect">
+            <a:avLst/>
+          </a:prstGeom>
+        </p:spPr>
+      </p:pic>
+    </p:spTree>
+    <p:extLst>
+      <p:ext uri="{BB962C8B-B14F-4D97-AF65-F5344CB8AC3E}">
+        <p14:creationId xmlns:p14="http://schemas.microsoft.com/office/powerpoint/2010/main" val="2376481249"/>
+      </p:ext>
+    </p:extLst>
+  </p:cSld>
+  <p:clrMapOvr>
+    <a:masterClrMapping/>
+  </p:clrMapOvr>
+  <p:transition>
+    <p:fade/>
+  </p:transition>
+</p:sld>
+</file>
+
+<file path=ppt/slides/slide4.xml><?xml version="1.0" encoding="utf-8"?>
+<p:sld xmlns:a="http://schemas.openxmlformats.org/drawingml/2006/main" xmlns:r="http://schemas.openxmlformats.org/officeDocument/2006/relationships" xmlns:p="http://schemas.openxmlformats.org/presentationml/2006/main">
+  <p:cSld>
     <p:bg>
       <p:bgPr>
         <a:solidFill>
@@ -18011,7 +23638,7 @@
         </p:nvGraphicFramePr>
         <p:xfrm>
           <a:off x="395764" y="3795166"/>
-          <a:ext cx="11241022" cy="851535"/>
+          <a:ext cx="11241022" cy="857250"/>
         </p:xfrm>
         <a:graphic>
           <a:graphicData uri="http://schemas.openxmlformats.org/drawingml/2006/table">
@@ -19333,7 +24960,7 @@
         </p:nvGraphicFramePr>
         <p:xfrm>
           <a:off x="395765" y="4939348"/>
-          <a:ext cx="11241020" cy="851535"/>
+          <a:ext cx="11241020" cy="857250"/>
         </p:xfrm>
         <a:graphic>
           <a:graphicData uri="http://schemas.openxmlformats.org/drawingml/2006/table">
@@ -20842,7 +26469,7 @@
 </p:sld>
 </file>
 
-<file path=ppt/slides/slide3.xml><?xml version="1.0" encoding="utf-8"?>
+<file path=ppt/slides/slide5.xml><?xml version="1.0" encoding="utf-8"?>
 <p:sld xmlns:a="http://schemas.openxmlformats.org/drawingml/2006/main" xmlns:r="http://schemas.openxmlformats.org/officeDocument/2006/relationships" xmlns:p="http://schemas.openxmlformats.org/presentationml/2006/main">
   <p:cSld>
     <p:bg>
@@ -23532,24 +29159,6 @@
 </file>
 
 <file path=customXml/item1.xml><?xml version="1.0" encoding="utf-8"?>
-<?mso-contentType ?>
-<FormTemplates xmlns="http://schemas.microsoft.com/sharepoint/v3/contenttype/forms">
-  <Display>DocumentLibraryForm</Display>
-  <Edit>DocumentLibraryForm</Edit>
-  <New>DocumentLibraryForm</New>
-</FormTemplates>
-</file>
-
-<file path=customXml/item2.xml><?xml version="1.0" encoding="utf-8"?>
-<p:properties xmlns:p="http://schemas.microsoft.com/office/2006/metadata/properties" xmlns:xsi="http://www.w3.org/2001/XMLSchema-instance" xmlns:pc="http://schemas.microsoft.com/office/infopath/2007/PartnerControls">
-  <documentManagement>
-    <_ip_UnifiedCompliancePolicyUIAction xmlns="http://schemas.microsoft.com/sharepoint/v3" xsi:nil="true"/>
-    <_ip_UnifiedCompliancePolicyProperties xmlns="http://schemas.microsoft.com/sharepoint/v3" xsi:nil="true"/>
-  </documentManagement>
-</p:properties>
-</file>
-
-<file path=customXml/item3.xml><?xml version="1.0" encoding="utf-8"?>
 <ct:contentTypeSchema xmlns:ct="http://schemas.microsoft.com/office/2006/metadata/contentType" xmlns:ma="http://schemas.microsoft.com/office/2006/metadata/properties/metaAttributes" ct:_="" ma:_="" ma:contentTypeName="Document" ma:contentTypeID="0x010100D15DFA3690A15B4081582BBCC6BEAC3E" ma:contentTypeVersion="9" ma:contentTypeDescription="Create a new document." ma:contentTypeScope="" ma:versionID="642da1784587cbe85a7fdbbe4dc36103">
   <xsd:schema xmlns:xsd="http://www.w3.org/2001/XMLSchema" xmlns:xs="http://www.w3.org/2001/XMLSchema" xmlns:p="http://schemas.microsoft.com/office/2006/metadata/properties" xmlns:ns1="http://schemas.microsoft.com/sharepoint/v3" xmlns:ns2="2023ac63-7b75-4916-a9ee-591457758eee" xmlns:ns3="d9c797ad-d7c3-4982-82b7-81352a75e4a5" targetNamespace="http://schemas.microsoft.com/office/2006/metadata/properties" ma:root="true" ma:fieldsID="91198b0246576053cc55dd2c67035a89" ns1:_="" ns2:_="" ns3:_="">
     <xsd:import namespace="http://schemas.microsoft.com/sharepoint/v3"/>
@@ -23751,10 +29360,40 @@
 </ct:contentTypeSchema>
 </file>
 
+<file path=customXml/item2.xml><?xml version="1.0" encoding="utf-8"?>
+<p:properties xmlns:p="http://schemas.microsoft.com/office/2006/metadata/properties" xmlns:xsi="http://www.w3.org/2001/XMLSchema-instance" xmlns:pc="http://schemas.microsoft.com/office/infopath/2007/PartnerControls">
+  <documentManagement>
+    <_ip_UnifiedCompliancePolicyUIAction xmlns="http://schemas.microsoft.com/sharepoint/v3" xsi:nil="true"/>
+    <_ip_UnifiedCompliancePolicyProperties xmlns="http://schemas.microsoft.com/sharepoint/v3" xsi:nil="true"/>
+  </documentManagement>
+</p:properties>
+</file>
+
+<file path=customXml/item3.xml><?xml version="1.0" encoding="utf-8"?>
+<?mso-contentType ?>
+<FormTemplates xmlns="http://schemas.microsoft.com/sharepoint/v3/contenttype/forms">
+  <Display>DocumentLibraryForm</Display>
+  <Edit>DocumentLibraryForm</Edit>
+  <New>DocumentLibraryForm</New>
+</FormTemplates>
+</file>
+
 <file path=customXml/itemProps1.xml><?xml version="1.0" encoding="utf-8"?>
-<ds:datastoreItem xmlns:ds="http://schemas.openxmlformats.org/officeDocument/2006/customXml" ds:itemID="{D5A22677-9165-4AB6-9580-CE94CCD209C5}">
+<ds:datastoreItem xmlns:ds="http://schemas.openxmlformats.org/officeDocument/2006/customXml" ds:itemID="{A26E40F2-DB1A-4ED5-85D8-FAE814896E97}">
   <ds:schemaRefs>
-    <ds:schemaRef ds:uri="http://schemas.microsoft.com/sharepoint/v3/contenttype/forms"/>
+    <ds:schemaRef ds:uri="http://schemas.microsoft.com/office/2006/metadata/contentType"/>
+    <ds:schemaRef ds:uri="http://schemas.microsoft.com/office/2006/metadata/properties/metaAttributes"/>
+    <ds:schemaRef ds:uri="http://www.w3.org/2001/XMLSchema"/>
+    <ds:schemaRef ds:uri="http://schemas.microsoft.com/office/2006/metadata/properties"/>
+    <ds:schemaRef ds:uri="http://schemas.microsoft.com/sharepoint/v3"/>
+    <ds:schemaRef ds:uri="2023ac63-7b75-4916-a9ee-591457758eee"/>
+    <ds:schemaRef ds:uri="d9c797ad-d7c3-4982-82b7-81352a75e4a5"/>
+    <ds:schemaRef ds:uri="http://schemas.microsoft.com/office/2006/documentManagement/types"/>
+    <ds:schemaRef ds:uri="http://schemas.microsoft.com/office/infopath/2007/PartnerControls"/>
+    <ds:schemaRef ds:uri="http://schemas.openxmlformats.org/package/2006/metadata/core-properties"/>
+    <ds:schemaRef ds:uri="http://purl.org/dc/elements/1.1/"/>
+    <ds:schemaRef ds:uri="http://purl.org/dc/terms/"/>
+    <ds:schemaRef ds:uri="http://schemas.microsoft.com/internal/obd"/>
   </ds:schemaRefs>
 </ds:datastoreItem>
 </file>
@@ -23778,21 +29417,9 @@
 </file>
 
 <file path=customXml/itemProps3.xml><?xml version="1.0" encoding="utf-8"?>
-<ds:datastoreItem xmlns:ds="http://schemas.openxmlformats.org/officeDocument/2006/customXml" ds:itemID="{A26E40F2-DB1A-4ED5-85D8-FAE814896E97}">
+<ds:datastoreItem xmlns:ds="http://schemas.openxmlformats.org/officeDocument/2006/customXml" ds:itemID="{D5A22677-9165-4AB6-9580-CE94CCD209C5}">
   <ds:schemaRefs>
-    <ds:schemaRef ds:uri="http://schemas.microsoft.com/office/2006/metadata/contentType"/>
-    <ds:schemaRef ds:uri="http://schemas.microsoft.com/office/2006/metadata/properties/metaAttributes"/>
-    <ds:schemaRef ds:uri="http://www.w3.org/2001/XMLSchema"/>
-    <ds:schemaRef ds:uri="http://schemas.microsoft.com/office/2006/metadata/properties"/>
-    <ds:schemaRef ds:uri="http://schemas.microsoft.com/sharepoint/v3"/>
-    <ds:schemaRef ds:uri="2023ac63-7b75-4916-a9ee-591457758eee"/>
-    <ds:schemaRef ds:uri="d9c797ad-d7c3-4982-82b7-81352a75e4a5"/>
-    <ds:schemaRef ds:uri="http://schemas.microsoft.com/office/2006/documentManagement/types"/>
-    <ds:schemaRef ds:uri="http://schemas.microsoft.com/office/infopath/2007/PartnerControls"/>
-    <ds:schemaRef ds:uri="http://schemas.openxmlformats.org/package/2006/metadata/core-properties"/>
-    <ds:schemaRef ds:uri="http://purl.org/dc/elements/1.1/"/>
-    <ds:schemaRef ds:uri="http://purl.org/dc/terms/"/>
-    <ds:schemaRef ds:uri="http://schemas.microsoft.com/internal/obd"/>
+    <ds:schemaRef ds:uri="http://schemas.microsoft.com/sharepoint/v3/contenttype/forms"/>
   </ds:schemaRefs>
 </ds:datastoreItem>
 </file>